--- a/figures/approachexample.pptx
+++ b/figures/approachexample.pptx
@@ -243,7 +243,7 @@
           <a:p>
             <a:fld id="{009A33E0-32D3-4605-BC3B-0BE3DFE2B8F1}" type="datetimeFigureOut">
               <a:rPr lang="fr-FR" smtClean="0"/>
-              <a:t>09/12/2016</a:t>
+              <a:t>07/01/2017</a:t>
             </a:fld>
             <a:endParaRPr lang="fr-FR"/>
           </a:p>
@@ -413,7 +413,7 @@
           <a:p>
             <a:fld id="{009A33E0-32D3-4605-BC3B-0BE3DFE2B8F1}" type="datetimeFigureOut">
               <a:rPr lang="fr-FR" smtClean="0"/>
-              <a:t>09/12/2016</a:t>
+              <a:t>07/01/2017</a:t>
             </a:fld>
             <a:endParaRPr lang="fr-FR"/>
           </a:p>
@@ -593,7 +593,7 @@
           <a:p>
             <a:fld id="{009A33E0-32D3-4605-BC3B-0BE3DFE2B8F1}" type="datetimeFigureOut">
               <a:rPr lang="fr-FR" smtClean="0"/>
-              <a:t>09/12/2016</a:t>
+              <a:t>07/01/2017</a:t>
             </a:fld>
             <a:endParaRPr lang="fr-FR"/>
           </a:p>
@@ -763,7 +763,7 @@
           <a:p>
             <a:fld id="{009A33E0-32D3-4605-BC3B-0BE3DFE2B8F1}" type="datetimeFigureOut">
               <a:rPr lang="fr-FR" smtClean="0"/>
-              <a:t>09/12/2016</a:t>
+              <a:t>07/01/2017</a:t>
             </a:fld>
             <a:endParaRPr lang="fr-FR"/>
           </a:p>
@@ -1009,7 +1009,7 @@
           <a:p>
             <a:fld id="{009A33E0-32D3-4605-BC3B-0BE3DFE2B8F1}" type="datetimeFigureOut">
               <a:rPr lang="fr-FR" smtClean="0"/>
-              <a:t>09/12/2016</a:t>
+              <a:t>07/01/2017</a:t>
             </a:fld>
             <a:endParaRPr lang="fr-FR"/>
           </a:p>
@@ -1241,7 +1241,7 @@
           <a:p>
             <a:fld id="{009A33E0-32D3-4605-BC3B-0BE3DFE2B8F1}" type="datetimeFigureOut">
               <a:rPr lang="fr-FR" smtClean="0"/>
-              <a:t>09/12/2016</a:t>
+              <a:t>07/01/2017</a:t>
             </a:fld>
             <a:endParaRPr lang="fr-FR"/>
           </a:p>
@@ -1608,7 +1608,7 @@
           <a:p>
             <a:fld id="{009A33E0-32D3-4605-BC3B-0BE3DFE2B8F1}" type="datetimeFigureOut">
               <a:rPr lang="fr-FR" smtClean="0"/>
-              <a:t>09/12/2016</a:t>
+              <a:t>07/01/2017</a:t>
             </a:fld>
             <a:endParaRPr lang="fr-FR"/>
           </a:p>
@@ -1726,7 +1726,7 @@
           <a:p>
             <a:fld id="{009A33E0-32D3-4605-BC3B-0BE3DFE2B8F1}" type="datetimeFigureOut">
               <a:rPr lang="fr-FR" smtClean="0"/>
-              <a:t>09/12/2016</a:t>
+              <a:t>07/01/2017</a:t>
             </a:fld>
             <a:endParaRPr lang="fr-FR"/>
           </a:p>
@@ -1821,7 +1821,7 @@
           <a:p>
             <a:fld id="{009A33E0-32D3-4605-BC3B-0BE3DFE2B8F1}" type="datetimeFigureOut">
               <a:rPr lang="fr-FR" smtClean="0"/>
-              <a:t>09/12/2016</a:t>
+              <a:t>07/01/2017</a:t>
             </a:fld>
             <a:endParaRPr lang="fr-FR"/>
           </a:p>
@@ -2098,7 +2098,7 @@
           <a:p>
             <a:fld id="{009A33E0-32D3-4605-BC3B-0BE3DFE2B8F1}" type="datetimeFigureOut">
               <a:rPr lang="fr-FR" smtClean="0"/>
-              <a:t>09/12/2016</a:t>
+              <a:t>07/01/2017</a:t>
             </a:fld>
             <a:endParaRPr lang="fr-FR"/>
           </a:p>
@@ -2351,7 +2351,7 @@
           <a:p>
             <a:fld id="{009A33E0-32D3-4605-BC3B-0BE3DFE2B8F1}" type="datetimeFigureOut">
               <a:rPr lang="fr-FR" smtClean="0"/>
-              <a:t>09/12/2016</a:t>
+              <a:t>07/01/2017</a:t>
             </a:fld>
             <a:endParaRPr lang="fr-FR"/>
           </a:p>
@@ -2564,7 +2564,7 @@
           <a:p>
             <a:fld id="{009A33E0-32D3-4605-BC3B-0BE3DFE2B8F1}" type="datetimeFigureOut">
               <a:rPr lang="fr-FR" smtClean="0"/>
-              <a:t>09/12/2016</a:t>
+              <a:t>07/01/2017</a:t>
             </a:fld>
             <a:endParaRPr lang="fr-FR"/>
           </a:p>
@@ -4347,30 +4347,6 @@
               <a:t> </a:t>
             </a:r>
             <a:r>
-              <a:rPr lang="fr-FR" sz="1200" b="1" smtClean="0">
-                <a:solidFill>
-                  <a:srgbClr val="000000"/>
-                </a:solidFill>
-                <a:highlight>
-                  <a:srgbClr val="FFFFFF"/>
-                </a:highlight>
-                <a:latin typeface="Courier New" panose="02070309020205020404" pitchFamily="49" charset="0"/>
-              </a:rPr>
-              <a:t>Part</a:t>
-            </a:r>
-            <a:r>
-              <a:rPr lang="fr-FR" sz="1200" b="1" smtClean="0">
-                <a:solidFill>
-                  <a:srgbClr val="000080"/>
-                </a:solidFill>
-                <a:highlight>
-                  <a:srgbClr val="FFFFFF"/>
-                </a:highlight>
-                <a:latin typeface="Courier New" panose="02070309020205020404" pitchFamily="49" charset="0"/>
-              </a:rPr>
-              <a:t>&lt;</a:t>
-            </a:r>
-            <a:r>
               <a:rPr lang="fr-FR" sz="1200" b="0" smtClean="0">
                 <a:solidFill>
                   <a:srgbClr val="000000"/>
@@ -4380,31 +4356,7 @@
                 </a:highlight>
                 <a:latin typeface="Courier New" panose="02070309020205020404" pitchFamily="49" charset="0"/>
               </a:rPr>
-              <a:t>Producer</a:t>
-            </a:r>
-            <a:r>
-              <a:rPr lang="fr-FR" sz="1200" b="1" smtClean="0">
-                <a:solidFill>
-                  <a:srgbClr val="000080"/>
-                </a:solidFill>
-                <a:highlight>
-                  <a:srgbClr val="FFFFFF"/>
-                </a:highlight>
-                <a:latin typeface="Courier New" panose="02070309020205020404" pitchFamily="49" charset="0"/>
-              </a:rPr>
-              <a:t>&gt;</a:t>
-            </a:r>
-            <a:r>
-              <a:rPr lang="fr-FR" sz="1200" b="0" smtClean="0">
-                <a:solidFill>
-                  <a:srgbClr val="000000"/>
-                </a:solidFill>
-                <a:highlight>
-                  <a:srgbClr val="FFFFFF"/>
-                </a:highlight>
-                <a:latin typeface="Courier New" panose="02070309020205020404" pitchFamily="49" charset="0"/>
-              </a:rPr>
-              <a:t> p</a:t>
+              <a:t>Producer p</a:t>
             </a:r>
             <a:r>
               <a:rPr lang="fr-FR" sz="1200" b="1" smtClean="0">
@@ -4449,67 +4401,7 @@
                 </a:highlight>
                 <a:latin typeface="Courier New" panose="02070309020205020404" pitchFamily="49" charset="0"/>
               </a:rPr>
-              <a:t>  </a:t>
-            </a:r>
-            <a:r>
-              <a:rPr lang="fr-FR" sz="1200" b="1" smtClean="0">
-                <a:solidFill>
-                  <a:srgbClr val="000000"/>
-                </a:solidFill>
-                <a:highlight>
-                  <a:srgbClr val="FFFFFF"/>
-                </a:highlight>
-                <a:latin typeface="Courier New" panose="02070309020205020404" pitchFamily="49" charset="0"/>
-              </a:rPr>
-              <a:t>Part</a:t>
-            </a:r>
-            <a:r>
-              <a:rPr lang="fr-FR" sz="1200" b="1" smtClean="0">
-                <a:solidFill>
-                  <a:srgbClr val="000080"/>
-                </a:solidFill>
-                <a:highlight>
-                  <a:srgbClr val="FFFFFF"/>
-                </a:highlight>
-                <a:latin typeface="Courier New" panose="02070309020205020404" pitchFamily="49" charset="0"/>
-              </a:rPr>
-              <a:t>&lt;</a:t>
-            </a:r>
-            <a:r>
-              <a:rPr lang="fr-FR" sz="1200" b="0" smtClean="0">
-                <a:solidFill>
-                  <a:srgbClr val="000000"/>
-                </a:solidFill>
-                <a:highlight>
-                  <a:srgbClr val="FFFFFF"/>
-                </a:highlight>
-                <a:latin typeface="Courier New" panose="02070309020205020404" pitchFamily="49" charset="0"/>
-              </a:rPr>
-              <a:t>Consumer</a:t>
-            </a:r>
-            <a:r>
-              <a:rPr lang="fr-FR" sz="1200" b="1" smtClean="0">
-                <a:solidFill>
-                  <a:srgbClr val="000080"/>
-                </a:solidFill>
-                <a:highlight>
-                  <a:srgbClr val="FFFFFF"/>
-                </a:highlight>
-                <a:latin typeface="Courier New" panose="02070309020205020404" pitchFamily="49" charset="0"/>
-              </a:rPr>
-              <a:t>&gt;</a:t>
-            </a:r>
-            <a:r>
-              <a:rPr lang="fr-FR" sz="1200" b="0" smtClean="0">
-                <a:solidFill>
-                  <a:srgbClr val="000000"/>
-                </a:solidFill>
-                <a:highlight>
-                  <a:srgbClr val="FFFFFF"/>
-                </a:highlight>
-                <a:latin typeface="Courier New" panose="02070309020205020404" pitchFamily="49" charset="0"/>
-              </a:rPr>
-              <a:t> c</a:t>
+              <a:t>  Consumer c</a:t>
             </a:r>
             <a:r>
               <a:rPr lang="fr-FR" sz="1200" b="1" smtClean="0">
@@ -4554,67 +4446,7 @@
                 </a:highlight>
                 <a:latin typeface="Courier New" panose="02070309020205020404" pitchFamily="49" charset="0"/>
               </a:rPr>
-              <a:t>  </a:t>
-            </a:r>
-            <a:r>
-              <a:rPr lang="fr-FR" sz="1200" b="1" smtClean="0">
-                <a:solidFill>
-                  <a:srgbClr val="000000"/>
-                </a:solidFill>
-                <a:highlight>
-                  <a:srgbClr val="FFFFFF"/>
-                </a:highlight>
-                <a:latin typeface="Courier New" panose="02070309020205020404" pitchFamily="49" charset="0"/>
-              </a:rPr>
-              <a:t>Part</a:t>
-            </a:r>
-            <a:r>
-              <a:rPr lang="fr-FR" sz="1200" b="1" smtClean="0">
-                <a:solidFill>
-                  <a:srgbClr val="000080"/>
-                </a:solidFill>
-                <a:highlight>
-                  <a:srgbClr val="FFFFFF"/>
-                </a:highlight>
-                <a:latin typeface="Courier New" panose="02070309020205020404" pitchFamily="49" charset="0"/>
-              </a:rPr>
-              <a:t>&lt;</a:t>
-            </a:r>
-            <a:r>
-              <a:rPr lang="fr-FR" sz="1200" b="0" smtClean="0">
-                <a:solidFill>
-                  <a:srgbClr val="000000"/>
-                </a:solidFill>
-                <a:highlight>
-                  <a:srgbClr val="FFFFFF"/>
-                </a:highlight>
-                <a:latin typeface="Courier New" panose="02070309020205020404" pitchFamily="49" charset="0"/>
-              </a:rPr>
-              <a:t>FIFO</a:t>
-            </a:r>
-            <a:r>
-              <a:rPr lang="fr-FR" sz="1200" b="1" smtClean="0">
-                <a:solidFill>
-                  <a:srgbClr val="000080"/>
-                </a:solidFill>
-                <a:highlight>
-                  <a:srgbClr val="FFFFFF"/>
-                </a:highlight>
-                <a:latin typeface="Courier New" panose="02070309020205020404" pitchFamily="49" charset="0"/>
-              </a:rPr>
-              <a:t>&gt;</a:t>
-            </a:r>
-            <a:r>
-              <a:rPr lang="fr-FR" sz="1200" b="0" smtClean="0">
-                <a:solidFill>
-                  <a:srgbClr val="000000"/>
-                </a:solidFill>
-                <a:highlight>
-                  <a:srgbClr val="FFFFFF"/>
-                </a:highlight>
-                <a:latin typeface="Courier New" panose="02070309020205020404" pitchFamily="49" charset="0"/>
-              </a:rPr>
-              <a:t> fifo</a:t>
+              <a:t>  FIFO fifo</a:t>
             </a:r>
             <a:r>
               <a:rPr lang="fr-FR" sz="1200" b="1" smtClean="0">
@@ -5244,7 +5076,7 @@
               <a:t>  </a:t>
             </a:r>
             <a:r>
-              <a:rPr lang="fr-FR" sz="1200" b="0" smtClean="0">
+              <a:rPr lang="fr-FR" sz="1200" b="1" smtClean="0">
                 <a:solidFill>
                   <a:schemeClr val="tx1">
                     <a:lumMod val="85000"/>
@@ -5256,7 +5088,22 @@
                 </a:highlight>
                 <a:latin typeface="Courier New" panose="02070309020205020404" pitchFamily="49" charset="0"/>
               </a:rPr>
-              <a:t>virtual </a:t>
+              <a:t>virtual</a:t>
+            </a:r>
+            <a:r>
+              <a:rPr lang="fr-FR" sz="1200" b="0" smtClean="0">
+                <a:solidFill>
+                  <a:schemeClr val="tx1">
+                    <a:lumMod val="85000"/>
+                    <a:lumOff val="15000"/>
+                  </a:schemeClr>
+                </a:solidFill>
+                <a:highlight>
+                  <a:srgbClr val="FFFFFF"/>
+                </a:highlight>
+                <a:latin typeface="Courier New" panose="02070309020205020404" pitchFamily="49" charset="0"/>
+              </a:rPr>
+              <a:t> </a:t>
             </a:r>
             <a:r>
               <a:rPr lang="fr-FR" sz="1200" b="0" smtClean="0">
@@ -5985,7 +5832,7 @@
                 </a:highlight>
                 <a:latin typeface="Courier New" panose="02070309020205020404" pitchFamily="49" charset="0"/>
               </a:rPr>
-              <a:t>&gt;*</a:t>
+              <a:t>&gt;</a:t>
             </a:r>
             <a:r>
               <a:rPr lang="fr-FR" sz="1200" b="0" smtClean="0">
@@ -5997,7 +5844,19 @@
                 </a:highlight>
                 <a:latin typeface="Courier New" panose="02070309020205020404" pitchFamily="49" charset="0"/>
               </a:rPr>
-              <a:t> pPush</a:t>
+              <a:t> </a:t>
+            </a:r>
+            <a:r>
+              <a:rPr lang="fr-FR" sz="1200" b="0" smtClean="0">
+                <a:solidFill>
+                  <a:srgbClr val="000000"/>
+                </a:solidFill>
+                <a:highlight>
+                  <a:srgbClr val="FFFFFF"/>
+                </a:highlight>
+                <a:latin typeface="Courier New" panose="02070309020205020404" pitchFamily="49" charset="0"/>
+              </a:rPr>
+              <a:t>pPush</a:t>
             </a:r>
             <a:r>
               <a:rPr lang="fr-FR" sz="1200" b="1" smtClean="0">
@@ -6249,7 +6108,7 @@
                 </a:highlight>
                 <a:latin typeface="Courier New" panose="02070309020205020404" pitchFamily="49" charset="0"/>
               </a:rPr>
-              <a:t>&gt;*</a:t>
+              <a:t>&gt;</a:t>
             </a:r>
             <a:r>
               <a:rPr lang="fr-FR" sz="1200" b="0" smtClean="0">
@@ -6261,7 +6120,19 @@
                 </a:highlight>
                 <a:latin typeface="Courier New" panose="02070309020205020404" pitchFamily="49" charset="0"/>
               </a:rPr>
-              <a:t> pPull</a:t>
+              <a:t> </a:t>
+            </a:r>
+            <a:r>
+              <a:rPr lang="fr-FR" sz="1200" b="0" smtClean="0">
+                <a:solidFill>
+                  <a:srgbClr val="000000"/>
+                </a:solidFill>
+                <a:highlight>
+                  <a:srgbClr val="FFFFFF"/>
+                </a:highlight>
+                <a:latin typeface="Courier New" panose="02070309020205020404" pitchFamily="49" charset="0"/>
+              </a:rPr>
+              <a:t>pPull</a:t>
             </a:r>
             <a:r>
               <a:rPr lang="fr-FR" sz="1200" b="1" smtClean="0">
@@ -6606,7 +6477,7 @@
                 </a:highlight>
                 <a:latin typeface="Courier New" panose="02070309020205020404" pitchFamily="49" charset="0"/>
               </a:rPr>
-              <a:t>&gt;*</a:t>
+              <a:t>&gt;</a:t>
             </a:r>
             <a:r>
               <a:rPr lang="fr-FR" sz="1200" b="0" smtClean="0">
@@ -6618,7 +6489,19 @@
                 </a:highlight>
                 <a:latin typeface="Courier New" panose="02070309020205020404" pitchFamily="49" charset="0"/>
               </a:rPr>
-              <a:t> pPush</a:t>
+              <a:t> </a:t>
+            </a:r>
+            <a:r>
+              <a:rPr lang="fr-FR" sz="1200" b="0" smtClean="0">
+                <a:solidFill>
+                  <a:srgbClr val="000000"/>
+                </a:solidFill>
+                <a:highlight>
+                  <a:srgbClr val="FFFFFF"/>
+                </a:highlight>
+                <a:latin typeface="Courier New" panose="02070309020205020404" pitchFamily="49" charset="0"/>
+              </a:rPr>
+              <a:t>pPush</a:t>
             </a:r>
             <a:r>
               <a:rPr lang="fr-FR" sz="1200" b="1" smtClean="0">
@@ -6714,7 +6597,7 @@
                 </a:highlight>
                 <a:latin typeface="Courier New" panose="02070309020205020404" pitchFamily="49" charset="0"/>
               </a:rPr>
-              <a:t>&gt;*</a:t>
+              <a:t>&gt;</a:t>
             </a:r>
             <a:r>
               <a:rPr lang="fr-FR" sz="1200" b="0" smtClean="0">
@@ -6726,7 +6609,19 @@
                 </a:highlight>
                 <a:latin typeface="Courier New" panose="02070309020205020404" pitchFamily="49" charset="0"/>
               </a:rPr>
-              <a:t> pPull</a:t>
+              <a:t> </a:t>
+            </a:r>
+            <a:r>
+              <a:rPr lang="fr-FR" sz="1200" b="0" smtClean="0">
+                <a:solidFill>
+                  <a:srgbClr val="000000"/>
+                </a:solidFill>
+                <a:highlight>
+                  <a:srgbClr val="FFFFFF"/>
+                </a:highlight>
+                <a:latin typeface="Courier New" panose="02070309020205020404" pitchFamily="49" charset="0"/>
+              </a:rPr>
+              <a:t>pPull</a:t>
             </a:r>
             <a:r>
               <a:rPr lang="fr-FR" sz="1200" b="1" smtClean="0">
@@ -8366,7 +8261,7 @@
                 </a:highlight>
                 <a:latin typeface="Courier New" panose="02070309020205020404" pitchFamily="49" charset="0"/>
               </a:rPr>
-              <a:t>push</a:t>
+              <a:t>push(Data&amp;)</a:t>
             </a:r>
             <a:r>
               <a:rPr lang="fr-FR" sz="1200" b="1" smtClean="0">
@@ -8621,19 +8516,7 @@
                 </a:highlight>
                 <a:latin typeface="Courier New" panose="02070309020205020404" pitchFamily="49" charset="0"/>
               </a:rPr>
-              <a:t>   </a:t>
-            </a:r>
-            <a:r>
-              <a:rPr lang="fr-FR" sz="1200" smtClean="0">
-                <a:solidFill>
-                  <a:srgbClr val="000000"/>
-                </a:solidFill>
-                <a:highlight>
-                  <a:srgbClr val="FFFFFF"/>
-                </a:highlight>
-                <a:latin typeface="Courier New" panose="02070309020205020404" pitchFamily="49" charset="0"/>
-              </a:rPr>
-              <a:t>    </a:t>
+              <a:t>       </a:t>
             </a:r>
             <a:r>
               <a:rPr lang="fr-FR" sz="1200" b="0" smtClean="0">
@@ -9077,19 +8960,7 @@
                 </a:highlight>
                 <a:latin typeface="Courier New" panose="02070309020205020404" pitchFamily="49" charset="0"/>
               </a:rPr>
-              <a:t>	</a:t>
-            </a:r>
-            <a:r>
-              <a:rPr lang="fr-FR" sz="1200" b="0" smtClean="0">
-                <a:solidFill>
-                  <a:srgbClr val="000000"/>
-                </a:solidFill>
-                <a:highlight>
-                  <a:srgbClr val="FFFFFF"/>
-                </a:highlight>
-                <a:latin typeface="Courier New" panose="02070309020205020404" pitchFamily="49" charset="0"/>
-              </a:rPr>
-              <a:t>	</a:t>
+              <a:t>		</a:t>
             </a:r>
             <a:r>
               <a:rPr lang="fr-FR" sz="1200" b="1" smtClean="0">
@@ -9731,41 +9602,8 @@
                 </a:highlight>
                 <a:latin typeface="Courier New" panose="02070309020205020404" pitchFamily="49" charset="0"/>
               </a:rPr>
-              <a:t>//trans effect </a:t>
-            </a:r>
-            <a:r>
-              <a:rPr lang="en-US" sz="1200" b="0" smtClean="0">
-                <a:solidFill>
-                  <a:srgbClr val="008000"/>
-                </a:solidFill>
-                <a:highlight>
-                  <a:srgbClr val="FFFFFF"/>
-                </a:highlight>
-                <a:latin typeface="Courier New" panose="02070309020205020404" pitchFamily="49" charset="0"/>
-              </a:rPr>
-              <a:t>from Idle </a:t>
-            </a:r>
-            <a:r>
-              <a:rPr lang="en-US" sz="1200" b="0" smtClean="0">
-                <a:solidFill>
-                  <a:srgbClr val="008000"/>
-                </a:solidFill>
-                <a:highlight>
-                  <a:srgbClr val="FFFFFF"/>
-                </a:highlight>
-                <a:latin typeface="Courier New" panose="02070309020205020404" pitchFamily="49" charset="0"/>
-              </a:rPr>
-              <a:t>to SignalChecking</a:t>
-            </a:r>
-            <a:endParaRPr lang="en-US" sz="1200" b="0" smtClean="0">
-              <a:solidFill>
-                <a:srgbClr val="008000"/>
-              </a:solidFill>
-              <a:highlight>
-                <a:srgbClr val="FFFFFF"/>
-              </a:highlight>
-              <a:latin typeface="Courier New" panose="02070309020205020404" pitchFamily="49" charset="0"/>
-            </a:endParaRPr>
+              <a:t>//trans effect from Idle to SignalChecking</a:t>
+            </a:r>
           </a:p>
           <a:p>
             <a:pPr marL="48600" indent="-228600">

--- a/figures/approachexample.pptx
+++ b/figures/approachexample.pptx
@@ -243,7 +243,7 @@
           <a:p>
             <a:fld id="{009A33E0-32D3-4605-BC3B-0BE3DFE2B8F1}" type="datetimeFigureOut">
               <a:rPr lang="fr-FR" smtClean="0"/>
-              <a:t>07/01/2017</a:t>
+              <a:t>21/03/2017</a:t>
             </a:fld>
             <a:endParaRPr lang="fr-FR"/>
           </a:p>
@@ -413,7 +413,7 @@
           <a:p>
             <a:fld id="{009A33E0-32D3-4605-BC3B-0BE3DFE2B8F1}" type="datetimeFigureOut">
               <a:rPr lang="fr-FR" smtClean="0"/>
-              <a:t>07/01/2017</a:t>
+              <a:t>21/03/2017</a:t>
             </a:fld>
             <a:endParaRPr lang="fr-FR"/>
           </a:p>
@@ -593,7 +593,7 @@
           <a:p>
             <a:fld id="{009A33E0-32D3-4605-BC3B-0BE3DFE2B8F1}" type="datetimeFigureOut">
               <a:rPr lang="fr-FR" smtClean="0"/>
-              <a:t>07/01/2017</a:t>
+              <a:t>21/03/2017</a:t>
             </a:fld>
             <a:endParaRPr lang="fr-FR"/>
           </a:p>
@@ -763,7 +763,7 @@
           <a:p>
             <a:fld id="{009A33E0-32D3-4605-BC3B-0BE3DFE2B8F1}" type="datetimeFigureOut">
               <a:rPr lang="fr-FR" smtClean="0"/>
-              <a:t>07/01/2017</a:t>
+              <a:t>21/03/2017</a:t>
             </a:fld>
             <a:endParaRPr lang="fr-FR"/>
           </a:p>
@@ -1009,7 +1009,7 @@
           <a:p>
             <a:fld id="{009A33E0-32D3-4605-BC3B-0BE3DFE2B8F1}" type="datetimeFigureOut">
               <a:rPr lang="fr-FR" smtClean="0"/>
-              <a:t>07/01/2017</a:t>
+              <a:t>21/03/2017</a:t>
             </a:fld>
             <a:endParaRPr lang="fr-FR"/>
           </a:p>
@@ -1241,7 +1241,7 @@
           <a:p>
             <a:fld id="{009A33E0-32D3-4605-BC3B-0BE3DFE2B8F1}" type="datetimeFigureOut">
               <a:rPr lang="fr-FR" smtClean="0"/>
-              <a:t>07/01/2017</a:t>
+              <a:t>21/03/2017</a:t>
             </a:fld>
             <a:endParaRPr lang="fr-FR"/>
           </a:p>
@@ -1608,7 +1608,7 @@
           <a:p>
             <a:fld id="{009A33E0-32D3-4605-BC3B-0BE3DFE2B8F1}" type="datetimeFigureOut">
               <a:rPr lang="fr-FR" smtClean="0"/>
-              <a:t>07/01/2017</a:t>
+              <a:t>21/03/2017</a:t>
             </a:fld>
             <a:endParaRPr lang="fr-FR"/>
           </a:p>
@@ -1726,7 +1726,7 @@
           <a:p>
             <a:fld id="{009A33E0-32D3-4605-BC3B-0BE3DFE2B8F1}" type="datetimeFigureOut">
               <a:rPr lang="fr-FR" smtClean="0"/>
-              <a:t>07/01/2017</a:t>
+              <a:t>21/03/2017</a:t>
             </a:fld>
             <a:endParaRPr lang="fr-FR"/>
           </a:p>
@@ -1821,7 +1821,7 @@
           <a:p>
             <a:fld id="{009A33E0-32D3-4605-BC3B-0BE3DFE2B8F1}" type="datetimeFigureOut">
               <a:rPr lang="fr-FR" smtClean="0"/>
-              <a:t>07/01/2017</a:t>
+              <a:t>21/03/2017</a:t>
             </a:fld>
             <a:endParaRPr lang="fr-FR"/>
           </a:p>
@@ -2098,7 +2098,7 @@
           <a:p>
             <a:fld id="{009A33E0-32D3-4605-BC3B-0BE3DFE2B8F1}" type="datetimeFigureOut">
               <a:rPr lang="fr-FR" smtClean="0"/>
-              <a:t>07/01/2017</a:t>
+              <a:t>21/03/2017</a:t>
             </a:fld>
             <a:endParaRPr lang="fr-FR"/>
           </a:p>
@@ -2351,7 +2351,7 @@
           <a:p>
             <a:fld id="{009A33E0-32D3-4605-BC3B-0BE3DFE2B8F1}" type="datetimeFigureOut">
               <a:rPr lang="fr-FR" smtClean="0"/>
-              <a:t>07/01/2017</a:t>
+              <a:t>21/03/2017</a:t>
             </a:fld>
             <a:endParaRPr lang="fr-FR"/>
           </a:p>
@@ -2564,7 +2564,7 @@
           <a:p>
             <a:fld id="{009A33E0-32D3-4605-BC3B-0BE3DFE2B8F1}" type="datetimeFigureOut">
               <a:rPr lang="fr-FR" smtClean="0"/>
-              <a:t>07/01/2017</a:t>
+              <a:t>21/03/2017</a:t>
             </a:fld>
             <a:endParaRPr lang="fr-FR"/>
           </a:p>
@@ -2971,31 +2971,7 @@
       </p:grpSpPr>
       <p:pic>
         <p:nvPicPr>
-          <p:cNvPr id="51" name="Image 50"/>
-          <p:cNvPicPr>
-            <a:picLocks noChangeAspect="1"/>
-          </p:cNvPicPr>
-          <p:nvPr/>
-        </p:nvPicPr>
-        <p:blipFill>
-          <a:blip r:embed="rId2"/>
-          <a:stretch>
-            <a:fillRect/>
-          </a:stretch>
-        </p:blipFill>
-        <p:spPr>
-          <a:xfrm>
-            <a:off x="684942" y="1062964"/>
-            <a:ext cx="2133590" cy="1843989"/>
-          </a:xfrm>
-          <a:prstGeom prst="rect">
-            <a:avLst/>
-          </a:prstGeom>
-        </p:spPr>
-      </p:pic>
-      <p:pic>
-        <p:nvPicPr>
-          <p:cNvPr id="47" name="Image 46"/>
+          <p:cNvPr id="245" name="Image 244"/>
           <p:cNvPicPr>
             <a:picLocks noChangeAspect="1"/>
           </p:cNvPicPr>
@@ -3009,12 +2985,41 @@
         </p:blipFill>
         <p:spPr>
           <a:xfrm>
-            <a:off x="-36217" y="3019607"/>
-            <a:ext cx="3760911" cy="1477282"/>
+            <a:off x="-50512" y="2430781"/>
+            <a:ext cx="3998227" cy="1710472"/>
           </a:xfrm>
           <a:prstGeom prst="rect">
             <a:avLst/>
           </a:prstGeom>
+        </p:spPr>
+      </p:pic>
+      <p:pic>
+        <p:nvPicPr>
+          <p:cNvPr id="236" name="Image 235"/>
+          <p:cNvPicPr>
+            <a:picLocks noChangeAspect="1"/>
+          </p:cNvPicPr>
+          <p:nvPr/>
+        </p:nvPicPr>
+        <p:blipFill>
+          <a:blip r:embed="rId4"/>
+          <a:stretch>
+            <a:fillRect/>
+          </a:stretch>
+        </p:blipFill>
+        <p:spPr>
+          <a:xfrm>
+            <a:off x="93607" y="1134271"/>
+            <a:ext cx="3457604" cy="1068544"/>
+          </a:xfrm>
+          <a:prstGeom prst="rect">
+            <a:avLst/>
+          </a:prstGeom>
+          <a:ln>
+            <a:solidFill>
+              <a:schemeClr val="accent1"/>
+            </a:solidFill>
+          </a:ln>
         </p:spPr>
       </p:pic>
       <p:grpSp>
@@ -3025,7 +3030,7 @@
         </p:nvGrpSpPr>
         <p:grpSpPr>
           <a:xfrm>
-            <a:off x="102996" y="13234"/>
+            <a:off x="164801" y="31340"/>
             <a:ext cx="3289863" cy="1059702"/>
             <a:chOff x="18106" y="15011"/>
             <a:chExt cx="4608216" cy="1306795"/>
@@ -4175,8 +4180,8 @@
         </p:nvSpPr>
         <p:spPr>
           <a:xfrm>
-            <a:off x="3648389" y="0"/>
-            <a:ext cx="3831747" cy="4888518"/>
+            <a:off x="3657442" y="18106"/>
+            <a:ext cx="3831747" cy="4324261"/>
           </a:xfrm>
           <a:prstGeom prst="rect">
             <a:avLst/>
@@ -5042,6 +5047,156 @@
               </a:rPr>
               <a:t>:</a:t>
             </a:r>
+            <a:r>
+              <a:rPr lang="fr-FR" sz="1200" b="0" smtClean="0">
+                <a:solidFill>
+                  <a:srgbClr val="8000FF"/>
+                </a:solidFill>
+                <a:highlight>
+                  <a:srgbClr val="FFFFFF"/>
+                </a:highlight>
+                <a:latin typeface="Courier New" panose="02070309020205020404" pitchFamily="49" charset="0"/>
+              </a:rPr>
+              <a:t>  </a:t>
+            </a:r>
+            <a:r>
+              <a:rPr lang="fr-FR" sz="1200" b="1" smtClean="0">
+                <a:solidFill>
+                  <a:schemeClr val="tx1">
+                    <a:lumMod val="85000"/>
+                    <a:lumOff val="15000"/>
+                  </a:schemeClr>
+                </a:solidFill>
+                <a:highlight>
+                  <a:srgbClr val="FFFFFF"/>
+                </a:highlight>
+                <a:latin typeface="Courier New" panose="02070309020205020404" pitchFamily="49" charset="0"/>
+              </a:rPr>
+              <a:t>virtual</a:t>
+            </a:r>
+            <a:r>
+              <a:rPr lang="fr-FR" sz="1200" b="0" smtClean="0">
+                <a:solidFill>
+                  <a:schemeClr val="tx1">
+                    <a:lumMod val="85000"/>
+                    <a:lumOff val="15000"/>
+                  </a:schemeClr>
+                </a:solidFill>
+                <a:highlight>
+                  <a:srgbClr val="FFFFFF"/>
+                </a:highlight>
+                <a:latin typeface="Courier New" panose="02070309020205020404" pitchFamily="49" charset="0"/>
+              </a:rPr>
+              <a:t> </a:t>
+            </a:r>
+            <a:r>
+              <a:rPr lang="fr-FR" sz="1200" b="0" smtClean="0">
+                <a:solidFill>
+                  <a:srgbClr val="000000"/>
+                </a:solidFill>
+                <a:highlight>
+                  <a:srgbClr val="FFFFFF"/>
+                </a:highlight>
+                <a:latin typeface="Courier New" panose="02070309020205020404" pitchFamily="49" charset="0"/>
+              </a:rPr>
+              <a:t>Data</a:t>
+            </a:r>
+            <a:r>
+              <a:rPr lang="fr-FR" sz="1200" b="1" smtClean="0">
+                <a:solidFill>
+                  <a:srgbClr val="000080"/>
+                </a:solidFill>
+                <a:highlight>
+                  <a:srgbClr val="FFFFFF"/>
+                </a:highlight>
+                <a:latin typeface="Courier New" panose="02070309020205020404" pitchFamily="49" charset="0"/>
+              </a:rPr>
+              <a:t>*</a:t>
+            </a:r>
+            <a:r>
+              <a:rPr lang="fr-FR" sz="1200" b="0" smtClean="0">
+                <a:solidFill>
+                  <a:srgbClr val="000000"/>
+                </a:solidFill>
+                <a:highlight>
+                  <a:srgbClr val="FFFFFF"/>
+                </a:highlight>
+                <a:latin typeface="Courier New" panose="02070309020205020404" pitchFamily="49" charset="0"/>
+              </a:rPr>
+              <a:t> pull</a:t>
+            </a:r>
+            <a:r>
+              <a:rPr lang="fr-FR" sz="1200" b="1" smtClean="0">
+                <a:solidFill>
+                  <a:srgbClr val="000080"/>
+                </a:solidFill>
+                <a:highlight>
+                  <a:srgbClr val="FFFFFF"/>
+                </a:highlight>
+                <a:latin typeface="Courier New" panose="02070309020205020404" pitchFamily="49" charset="0"/>
+              </a:rPr>
+              <a:t>()</a:t>
+            </a:r>
+            <a:r>
+              <a:rPr lang="fr-FR" sz="1200" b="0" smtClean="0">
+                <a:solidFill>
+                  <a:srgbClr val="000000"/>
+                </a:solidFill>
+                <a:highlight>
+                  <a:srgbClr val="FFFFFF"/>
+                </a:highlight>
+                <a:latin typeface="Courier New" panose="02070309020205020404" pitchFamily="49" charset="0"/>
+              </a:rPr>
+              <a:t> </a:t>
+            </a:r>
+            <a:r>
+              <a:rPr lang="fr-FR" sz="1200" b="1" smtClean="0">
+                <a:solidFill>
+                  <a:srgbClr val="000080"/>
+                </a:solidFill>
+                <a:highlight>
+                  <a:srgbClr val="FFFFFF"/>
+                </a:highlight>
+                <a:latin typeface="Courier New" panose="02070309020205020404" pitchFamily="49" charset="0"/>
+              </a:rPr>
+              <a:t>=</a:t>
+            </a:r>
+            <a:r>
+              <a:rPr lang="fr-FR" sz="1200" b="0" smtClean="0">
+                <a:solidFill>
+                  <a:srgbClr val="000000"/>
+                </a:solidFill>
+                <a:highlight>
+                  <a:srgbClr val="FFFFFF"/>
+                </a:highlight>
+                <a:latin typeface="Courier New" panose="02070309020205020404" pitchFamily="49" charset="0"/>
+              </a:rPr>
+              <a:t> </a:t>
+            </a:r>
+            <a:r>
+              <a:rPr lang="fr-FR" sz="1200" b="0" smtClean="0">
+                <a:solidFill>
+                  <a:srgbClr val="FF8000"/>
+                </a:solidFill>
+                <a:highlight>
+                  <a:srgbClr val="FFFFFF"/>
+                </a:highlight>
+                <a:latin typeface="Courier New" panose="02070309020205020404" pitchFamily="49" charset="0"/>
+              </a:rPr>
+              <a:t>0</a:t>
+            </a:r>
+            <a:r>
+              <a:rPr lang="fr-FR" sz="1200" b="1" smtClean="0">
+                <a:solidFill>
+                  <a:srgbClr val="000080"/>
+                </a:solidFill>
+                <a:highlight>
+                  <a:srgbClr val="FFFFFF"/>
+                </a:highlight>
+                <a:latin typeface="Courier New" panose="02070309020205020404" pitchFamily="49" charset="0"/>
+              </a:rPr>
+              <a:t>;</a:t>
+            </a:r>
             <a:endParaRPr lang="fr-FR" sz="1200" b="0" smtClean="0">
               <a:solidFill>
                 <a:srgbClr val="000000"/>
@@ -5064,154 +5219,16 @@
               <a:buAutoNum type="arabicPeriod"/>
             </a:pPr>
             <a:r>
-              <a:rPr lang="fr-FR" sz="1200" b="0" smtClean="0">
-                <a:solidFill>
-                  <a:srgbClr val="8000FF"/>
-                </a:solidFill>
-                <a:highlight>
-                  <a:srgbClr val="FFFFFF"/>
-                </a:highlight>
-                <a:latin typeface="Courier New" panose="02070309020205020404" pitchFamily="49" charset="0"/>
-              </a:rPr>
-              <a:t>  </a:t>
-            </a:r>
-            <a:r>
-              <a:rPr lang="fr-FR" sz="1200" b="1" smtClean="0">
-                <a:solidFill>
-                  <a:schemeClr val="tx1">
-                    <a:lumMod val="85000"/>
-                    <a:lumOff val="15000"/>
-                  </a:schemeClr>
-                </a:solidFill>
-                <a:highlight>
-                  <a:srgbClr val="FFFFFF"/>
-                </a:highlight>
-                <a:latin typeface="Courier New" panose="02070309020205020404" pitchFamily="49" charset="0"/>
-              </a:rPr>
-              <a:t>virtual</a:t>
-            </a:r>
-            <a:r>
-              <a:rPr lang="fr-FR" sz="1200" b="0" smtClean="0">
-                <a:solidFill>
-                  <a:schemeClr val="tx1">
-                    <a:lumMod val="85000"/>
-                    <a:lumOff val="15000"/>
-                  </a:schemeClr>
-                </a:solidFill>
-                <a:highlight>
-                  <a:srgbClr val="FFFFFF"/>
-                </a:highlight>
-                <a:latin typeface="Courier New" panose="02070309020205020404" pitchFamily="49" charset="0"/>
-              </a:rPr>
-              <a:t> </a:t>
-            </a:r>
-            <a:r>
-              <a:rPr lang="fr-FR" sz="1200" b="0" smtClean="0">
-                <a:solidFill>
-                  <a:srgbClr val="000000"/>
-                </a:solidFill>
-                <a:highlight>
-                  <a:srgbClr val="FFFFFF"/>
-                </a:highlight>
-                <a:latin typeface="Courier New" panose="02070309020205020404" pitchFamily="49" charset="0"/>
-              </a:rPr>
-              <a:t>Data</a:t>
-            </a:r>
-            <a:r>
-              <a:rPr lang="fr-FR" sz="1200" b="1" smtClean="0">
-                <a:solidFill>
-                  <a:srgbClr val="000080"/>
-                </a:solidFill>
-                <a:highlight>
-                  <a:srgbClr val="FFFFFF"/>
-                </a:highlight>
-                <a:latin typeface="Courier New" panose="02070309020205020404" pitchFamily="49" charset="0"/>
-              </a:rPr>
-              <a:t>*</a:t>
-            </a:r>
-            <a:r>
-              <a:rPr lang="fr-FR" sz="1200" b="0" smtClean="0">
-                <a:solidFill>
-                  <a:srgbClr val="000000"/>
-                </a:solidFill>
-                <a:highlight>
-                  <a:srgbClr val="FFFFFF"/>
-                </a:highlight>
-                <a:latin typeface="Courier New" panose="02070309020205020404" pitchFamily="49" charset="0"/>
-              </a:rPr>
-              <a:t> pull</a:t>
-            </a:r>
-            <a:r>
-              <a:rPr lang="fr-FR" sz="1200" b="1" smtClean="0">
-                <a:solidFill>
-                  <a:srgbClr val="000080"/>
-                </a:solidFill>
-                <a:highlight>
-                  <a:srgbClr val="FFFFFF"/>
-                </a:highlight>
-                <a:latin typeface="Courier New" panose="02070309020205020404" pitchFamily="49" charset="0"/>
-              </a:rPr>
-              <a:t>()</a:t>
-            </a:r>
-            <a:r>
-              <a:rPr lang="fr-FR" sz="1200" b="0" smtClean="0">
-                <a:solidFill>
-                  <a:srgbClr val="000000"/>
-                </a:solidFill>
-                <a:highlight>
-                  <a:srgbClr val="FFFFFF"/>
-                </a:highlight>
-                <a:latin typeface="Courier New" panose="02070309020205020404" pitchFamily="49" charset="0"/>
-              </a:rPr>
-              <a:t> </a:t>
-            </a:r>
-            <a:r>
-              <a:rPr lang="fr-FR" sz="1200" b="1" smtClean="0">
-                <a:solidFill>
-                  <a:srgbClr val="000080"/>
-                </a:solidFill>
-                <a:highlight>
-                  <a:srgbClr val="FFFFFF"/>
-                </a:highlight>
-                <a:latin typeface="Courier New" panose="02070309020205020404" pitchFamily="49" charset="0"/>
-              </a:rPr>
-              <a:t>=</a:t>
-            </a:r>
-            <a:r>
-              <a:rPr lang="fr-FR" sz="1200" b="0" smtClean="0">
-                <a:solidFill>
-                  <a:srgbClr val="000000"/>
-                </a:solidFill>
-                <a:highlight>
-                  <a:srgbClr val="FFFFFF"/>
-                </a:highlight>
-                <a:latin typeface="Courier New" panose="02070309020205020404" pitchFamily="49" charset="0"/>
-              </a:rPr>
-              <a:t> </a:t>
-            </a:r>
-            <a:r>
-              <a:rPr lang="fr-FR" sz="1200" b="0" smtClean="0">
-                <a:solidFill>
-                  <a:srgbClr val="FF8000"/>
-                </a:solidFill>
-                <a:highlight>
-                  <a:srgbClr val="FFFFFF"/>
-                </a:highlight>
-                <a:latin typeface="Courier New" panose="02070309020205020404" pitchFamily="49" charset="0"/>
-              </a:rPr>
-              <a:t>0</a:t>
-            </a:r>
-            <a:r>
-              <a:rPr lang="fr-FR" sz="1200" b="1" smtClean="0">
-                <a:solidFill>
-                  <a:srgbClr val="000080"/>
-                </a:solidFill>
-                <a:highlight>
-                  <a:srgbClr val="FFFFFF"/>
-                </a:highlight>
-                <a:latin typeface="Courier New" panose="02070309020205020404" pitchFamily="49" charset="0"/>
-              </a:rPr>
-              <a:t>;</a:t>
+              <a:rPr lang="fr-FR" sz="1200" b="1" smtClean="0">
+                <a:solidFill>
+                  <a:srgbClr val="000080"/>
+                </a:solidFill>
+                <a:highlight>
+                  <a:srgbClr val="FFFFFF"/>
+                </a:highlight>
+                <a:latin typeface="Courier New" panose="02070309020205020404" pitchFamily="49" charset="0"/>
+              </a:rPr>
+              <a:t>}</a:t>
             </a:r>
             <a:endParaRPr lang="fr-FR" sz="1200" b="0" smtClean="0">
               <a:solidFill>
@@ -5237,14 +5254,56 @@
             <a:r>
               <a:rPr lang="fr-FR" sz="1200" b="1" smtClean="0">
                 <a:solidFill>
-                  <a:srgbClr val="000080"/>
-                </a:solidFill>
-                <a:highlight>
-                  <a:srgbClr val="FFFFFF"/>
-                </a:highlight>
-                <a:latin typeface="Courier New" panose="02070309020205020404" pitchFamily="49" charset="0"/>
-              </a:rPr>
-              <a:t>}</a:t>
+                  <a:schemeClr val="tx1">
+                    <a:lumMod val="85000"/>
+                    <a:lumOff val="15000"/>
+                  </a:schemeClr>
+                </a:solidFill>
+                <a:highlight>
+                  <a:srgbClr val="FFFFFF"/>
+                </a:highlight>
+                <a:latin typeface="Courier New" panose="02070309020205020404" pitchFamily="49" charset="0"/>
+              </a:rPr>
+              <a:t>class</a:t>
+            </a:r>
+            <a:r>
+              <a:rPr lang="fr-FR" sz="1200" b="0" smtClean="0">
+                <a:solidFill>
+                  <a:schemeClr val="tx1">
+                    <a:lumMod val="85000"/>
+                    <a:lumOff val="15000"/>
+                  </a:schemeClr>
+                </a:solidFill>
+                <a:highlight>
+                  <a:srgbClr val="FFFFFF"/>
+                </a:highlight>
+                <a:latin typeface="Courier New" panose="02070309020205020404" pitchFamily="49" charset="0"/>
+              </a:rPr>
+              <a:t> </a:t>
+            </a:r>
+            <a:r>
+              <a:rPr lang="fr-FR" sz="1200" b="0" smtClean="0">
+                <a:solidFill>
+                  <a:srgbClr val="000000"/>
+                </a:solidFill>
+                <a:highlight>
+                  <a:srgbClr val="FFFFFF"/>
+                </a:highlight>
+                <a:latin typeface="Courier New" panose="02070309020205020404" pitchFamily="49" charset="0"/>
+              </a:rPr>
+              <a:t>IPush </a:t>
+            </a:r>
+            <a:r>
+              <a:rPr lang="fr-FR" sz="1200" b="1" smtClean="0">
+                <a:solidFill>
+                  <a:srgbClr val="000080"/>
+                </a:solidFill>
+                <a:highlight>
+                  <a:srgbClr val="FFFFFF"/>
+                </a:highlight>
+                <a:latin typeface="Courier New" panose="02070309020205020404" pitchFamily="49" charset="0"/>
+              </a:rPr>
+              <a:t>{</a:t>
             </a:r>
             <a:endParaRPr lang="fr-FR" sz="1200" b="0" smtClean="0">
               <a:solidFill>
@@ -5280,46 +5339,19 @@
                 </a:highlight>
                 <a:latin typeface="Courier New" panose="02070309020205020404" pitchFamily="49" charset="0"/>
               </a:rPr>
-              <a:t>class</a:t>
-            </a:r>
-            <a:r>
-              <a:rPr lang="fr-FR" sz="1200" b="0" smtClean="0">
-                <a:solidFill>
-                  <a:schemeClr val="tx1">
-                    <a:lumMod val="85000"/>
-                    <a:lumOff val="15000"/>
-                  </a:schemeClr>
-                </a:solidFill>
-                <a:highlight>
-                  <a:srgbClr val="FFFFFF"/>
-                </a:highlight>
-                <a:latin typeface="Courier New" panose="02070309020205020404" pitchFamily="49" charset="0"/>
-              </a:rPr>
-              <a:t> </a:t>
-            </a:r>
-            <a:r>
-              <a:rPr lang="fr-FR" sz="1200" b="0" smtClean="0">
-                <a:solidFill>
-                  <a:srgbClr val="000000"/>
-                </a:solidFill>
-                <a:highlight>
-                  <a:srgbClr val="FFFFFF"/>
-                </a:highlight>
-                <a:latin typeface="Courier New" panose="02070309020205020404" pitchFamily="49" charset="0"/>
-              </a:rPr>
-              <a:t>IPush </a:t>
-            </a:r>
-            <a:r>
-              <a:rPr lang="fr-FR" sz="1200" b="1" smtClean="0">
-                <a:solidFill>
-                  <a:srgbClr val="000080"/>
-                </a:solidFill>
-                <a:highlight>
-                  <a:srgbClr val="FFFFFF"/>
-                </a:highlight>
-                <a:latin typeface="Courier New" panose="02070309020205020404" pitchFamily="49" charset="0"/>
-              </a:rPr>
-              <a:t>{</a:t>
+              <a:t>public</a:t>
+            </a:r>
+            <a:r>
+              <a:rPr lang="fr-FR" sz="1200" b="1" smtClean="0">
+                <a:solidFill>
+                  <a:srgbClr val="000080"/>
+                </a:solidFill>
+                <a:highlight>
+                  <a:srgbClr val="FFFFFF"/>
+                </a:highlight>
+                <a:latin typeface="Courier New" panose="02070309020205020404" pitchFamily="49" charset="0"/>
+              </a:rPr>
+              <a:t>:</a:t>
             </a:r>
             <a:endParaRPr lang="fr-FR" sz="1200" b="0" smtClean="0">
               <a:solidFill>
@@ -5343,6 +5375,18 @@
               <a:buAutoNum type="arabicPeriod"/>
             </a:pPr>
             <a:r>
+              <a:rPr lang="fr-FR" sz="1200" b="0" smtClean="0">
+                <a:solidFill>
+                  <a:srgbClr val="8000FF"/>
+                </a:solidFill>
+                <a:highlight>
+                  <a:srgbClr val="FFFFFF"/>
+                </a:highlight>
+                <a:latin typeface="Courier New" panose="02070309020205020404" pitchFamily="49" charset="0"/>
+              </a:rPr>
+              <a:t>  </a:t>
+            </a:r>
+            <a:r>
               <a:rPr lang="fr-FR" sz="1200" b="1" smtClean="0">
                 <a:solidFill>
                   <a:schemeClr val="tx1">
@@ -5355,19 +5399,184 @@
                 </a:highlight>
                 <a:latin typeface="Courier New" panose="02070309020205020404" pitchFamily="49" charset="0"/>
               </a:rPr>
-              <a:t>public</a:t>
-            </a:r>
-            <a:r>
-              <a:rPr lang="fr-FR" sz="1200" b="1" smtClean="0">
-                <a:solidFill>
-                  <a:srgbClr val="000080"/>
-                </a:solidFill>
-                <a:highlight>
-                  <a:srgbClr val="FFFFFF"/>
-                </a:highlight>
-                <a:latin typeface="Courier New" panose="02070309020205020404" pitchFamily="49" charset="0"/>
-              </a:rPr>
-              <a:t>:</a:t>
+              <a:t>virtual</a:t>
+            </a:r>
+            <a:r>
+              <a:rPr lang="fr-FR" sz="1200" b="0" smtClean="0">
+                <a:solidFill>
+                  <a:schemeClr val="tx1">
+                    <a:lumMod val="85000"/>
+                    <a:lumOff val="15000"/>
+                  </a:schemeClr>
+                </a:solidFill>
+                <a:highlight>
+                  <a:srgbClr val="FFFFFF"/>
+                </a:highlight>
+                <a:latin typeface="Courier New" panose="02070309020205020404" pitchFamily="49" charset="0"/>
+              </a:rPr>
+              <a:t> </a:t>
+            </a:r>
+            <a:r>
+              <a:rPr lang="fr-FR" sz="1200" b="1" smtClean="0">
+                <a:solidFill>
+                  <a:schemeClr val="tx1">
+                    <a:lumMod val="85000"/>
+                    <a:lumOff val="15000"/>
+                  </a:schemeClr>
+                </a:solidFill>
+                <a:highlight>
+                  <a:srgbClr val="FFFFFF"/>
+                </a:highlight>
+                <a:latin typeface="Courier New" panose="02070309020205020404" pitchFamily="49" charset="0"/>
+              </a:rPr>
+              <a:t>void</a:t>
+            </a:r>
+            <a:r>
+              <a:rPr lang="fr-FR" sz="1200" b="0" smtClean="0">
+                <a:solidFill>
+                  <a:schemeClr val="tx1">
+                    <a:lumMod val="85000"/>
+                    <a:lumOff val="15000"/>
+                  </a:schemeClr>
+                </a:solidFill>
+                <a:highlight>
+                  <a:srgbClr val="FFFFFF"/>
+                </a:highlight>
+                <a:latin typeface="Courier New" panose="02070309020205020404" pitchFamily="49" charset="0"/>
+              </a:rPr>
+              <a:t> </a:t>
+            </a:r>
+            <a:r>
+              <a:rPr lang="fr-FR" sz="1200" b="0" smtClean="0">
+                <a:solidFill>
+                  <a:srgbClr val="000000"/>
+                </a:solidFill>
+                <a:highlight>
+                  <a:srgbClr val="FFFFFF"/>
+                </a:highlight>
+                <a:latin typeface="Courier New" panose="02070309020205020404" pitchFamily="49" charset="0"/>
+              </a:rPr>
+              <a:t>push</a:t>
+            </a:r>
+            <a:r>
+              <a:rPr lang="fr-FR" sz="1200" b="1" smtClean="0">
+                <a:solidFill>
+                  <a:srgbClr val="000080"/>
+                </a:solidFill>
+                <a:highlight>
+                  <a:srgbClr val="FFFFFF"/>
+                </a:highlight>
+                <a:latin typeface="Courier New" panose="02070309020205020404" pitchFamily="49" charset="0"/>
+              </a:rPr>
+              <a:t>(</a:t>
+            </a:r>
+            <a:r>
+              <a:rPr lang="fr-FR" sz="1200" b="0" smtClean="0">
+                <a:solidFill>
+                  <a:srgbClr val="000000"/>
+                </a:solidFill>
+                <a:highlight>
+                  <a:srgbClr val="FFFFFF"/>
+                </a:highlight>
+                <a:latin typeface="Courier New" panose="02070309020205020404" pitchFamily="49" charset="0"/>
+              </a:rPr>
+              <a:t>Data</a:t>
+            </a:r>
+            <a:r>
+              <a:rPr lang="fr-FR" sz="1200" b="1" smtClean="0">
+                <a:solidFill>
+                  <a:srgbClr val="000080"/>
+                </a:solidFill>
+                <a:highlight>
+                  <a:srgbClr val="FFFFFF"/>
+                </a:highlight>
+                <a:latin typeface="Courier New" panose="02070309020205020404" pitchFamily="49" charset="0"/>
+              </a:rPr>
+              <a:t>&amp;</a:t>
+            </a:r>
+            <a:r>
+              <a:rPr lang="fr-FR" sz="1200" b="0" smtClean="0">
+                <a:solidFill>
+                  <a:srgbClr val="000000"/>
+                </a:solidFill>
+                <a:highlight>
+                  <a:srgbClr val="FFFFFF"/>
+                </a:highlight>
+                <a:latin typeface="Courier New" panose="02070309020205020404" pitchFamily="49" charset="0"/>
+              </a:rPr>
+              <a:t> data</a:t>
+            </a:r>
+            <a:r>
+              <a:rPr lang="fr-FR" sz="1200" b="1" smtClean="0">
+                <a:solidFill>
+                  <a:srgbClr val="000080"/>
+                </a:solidFill>
+                <a:highlight>
+                  <a:srgbClr val="FFFFFF"/>
+                </a:highlight>
+                <a:latin typeface="Courier New" panose="02070309020205020404" pitchFamily="49" charset="0"/>
+              </a:rPr>
+              <a:t>)</a:t>
+            </a:r>
+            <a:r>
+              <a:rPr lang="fr-FR" sz="1200" b="0" smtClean="0">
+                <a:solidFill>
+                  <a:srgbClr val="000000"/>
+                </a:solidFill>
+                <a:highlight>
+                  <a:srgbClr val="FFFFFF"/>
+                </a:highlight>
+                <a:latin typeface="Courier New" panose="02070309020205020404" pitchFamily="49" charset="0"/>
+              </a:rPr>
+              <a:t> </a:t>
+            </a:r>
+            <a:r>
+              <a:rPr lang="fr-FR" sz="1200" b="1" smtClean="0">
+                <a:solidFill>
+                  <a:srgbClr val="000080"/>
+                </a:solidFill>
+                <a:highlight>
+                  <a:srgbClr val="FFFFFF"/>
+                </a:highlight>
+                <a:latin typeface="Courier New" panose="02070309020205020404" pitchFamily="49" charset="0"/>
+              </a:rPr>
+              <a:t>=</a:t>
+            </a:r>
+            <a:r>
+              <a:rPr lang="fr-FR" sz="1200" b="0" smtClean="0">
+                <a:solidFill>
+                  <a:srgbClr val="000000"/>
+                </a:solidFill>
+                <a:highlight>
+                  <a:srgbClr val="FFFFFF"/>
+                </a:highlight>
+                <a:latin typeface="Courier New" panose="02070309020205020404" pitchFamily="49" charset="0"/>
+              </a:rPr>
+              <a:t> </a:t>
+            </a:r>
+            <a:r>
+              <a:rPr lang="fr-FR" sz="1200" b="0" smtClean="0">
+                <a:solidFill>
+                  <a:srgbClr val="FF8000"/>
+                </a:solidFill>
+                <a:highlight>
+                  <a:srgbClr val="FFFFFF"/>
+                </a:highlight>
+                <a:latin typeface="Courier New" panose="02070309020205020404" pitchFamily="49" charset="0"/>
+              </a:rPr>
+              <a:t>0</a:t>
+            </a:r>
+            <a:r>
+              <a:rPr lang="fr-FR" sz="1200" b="1" smtClean="0">
+                <a:solidFill>
+                  <a:srgbClr val="000080"/>
+                </a:solidFill>
+                <a:highlight>
+                  <a:srgbClr val="FFFFFF"/>
+                </a:highlight>
+                <a:latin typeface="Courier New" panose="02070309020205020404" pitchFamily="49" charset="0"/>
+              </a:rPr>
+              <a:t>;</a:t>
             </a:r>
             <a:endParaRPr lang="fr-FR" sz="1200" b="0" smtClean="0">
               <a:solidFill>
@@ -5391,208 +5600,16 @@
               <a:buAutoNum type="arabicPeriod"/>
             </a:pPr>
             <a:r>
-              <a:rPr lang="fr-FR" sz="1200" b="0" smtClean="0">
-                <a:solidFill>
-                  <a:srgbClr val="8000FF"/>
-                </a:solidFill>
-                <a:highlight>
-                  <a:srgbClr val="FFFFFF"/>
-                </a:highlight>
-                <a:latin typeface="Courier New" panose="02070309020205020404" pitchFamily="49" charset="0"/>
-              </a:rPr>
-              <a:t>  </a:t>
-            </a:r>
-            <a:r>
-              <a:rPr lang="fr-FR" sz="1200" b="1" smtClean="0">
-                <a:solidFill>
-                  <a:schemeClr val="tx1">
-                    <a:lumMod val="85000"/>
-                    <a:lumOff val="15000"/>
-                  </a:schemeClr>
-                </a:solidFill>
-                <a:highlight>
-                  <a:srgbClr val="FFFFFF"/>
-                </a:highlight>
-                <a:latin typeface="Courier New" panose="02070309020205020404" pitchFamily="49" charset="0"/>
-              </a:rPr>
-              <a:t>virtual</a:t>
-            </a:r>
-            <a:r>
-              <a:rPr lang="fr-FR" sz="1200" b="0" smtClean="0">
-                <a:solidFill>
-                  <a:schemeClr val="tx1">
-                    <a:lumMod val="85000"/>
-                    <a:lumOff val="15000"/>
-                  </a:schemeClr>
-                </a:solidFill>
-                <a:highlight>
-                  <a:srgbClr val="FFFFFF"/>
-                </a:highlight>
-                <a:latin typeface="Courier New" panose="02070309020205020404" pitchFamily="49" charset="0"/>
-              </a:rPr>
-              <a:t> </a:t>
-            </a:r>
-            <a:r>
-              <a:rPr lang="fr-FR" sz="1200" b="1" smtClean="0">
-                <a:solidFill>
-                  <a:schemeClr val="tx1">
-                    <a:lumMod val="85000"/>
-                    <a:lumOff val="15000"/>
-                  </a:schemeClr>
-                </a:solidFill>
-                <a:highlight>
-                  <a:srgbClr val="FFFFFF"/>
-                </a:highlight>
-                <a:latin typeface="Courier New" panose="02070309020205020404" pitchFamily="49" charset="0"/>
-              </a:rPr>
-              <a:t>void</a:t>
-            </a:r>
-            <a:r>
-              <a:rPr lang="fr-FR" sz="1200" b="0" smtClean="0">
-                <a:solidFill>
-                  <a:schemeClr val="tx1">
-                    <a:lumMod val="85000"/>
-                    <a:lumOff val="15000"/>
-                  </a:schemeClr>
-                </a:solidFill>
-                <a:highlight>
-                  <a:srgbClr val="FFFFFF"/>
-                </a:highlight>
-                <a:latin typeface="Courier New" panose="02070309020205020404" pitchFamily="49" charset="0"/>
-              </a:rPr>
-              <a:t> </a:t>
-            </a:r>
-            <a:r>
-              <a:rPr lang="fr-FR" sz="1200" b="0" smtClean="0">
-                <a:solidFill>
-                  <a:srgbClr val="000000"/>
-                </a:solidFill>
-                <a:highlight>
-                  <a:srgbClr val="FFFFFF"/>
-                </a:highlight>
-                <a:latin typeface="Courier New" panose="02070309020205020404" pitchFamily="49" charset="0"/>
-              </a:rPr>
-              <a:t>push</a:t>
-            </a:r>
-            <a:r>
-              <a:rPr lang="fr-FR" sz="1200" b="1" smtClean="0">
-                <a:solidFill>
-                  <a:srgbClr val="000080"/>
-                </a:solidFill>
-                <a:highlight>
-                  <a:srgbClr val="FFFFFF"/>
-                </a:highlight>
-                <a:latin typeface="Courier New" panose="02070309020205020404" pitchFamily="49" charset="0"/>
-              </a:rPr>
-              <a:t>(</a:t>
-            </a:r>
-            <a:r>
-              <a:rPr lang="fr-FR" sz="1200" b="0" smtClean="0">
-                <a:solidFill>
-                  <a:srgbClr val="000000"/>
-                </a:solidFill>
-                <a:highlight>
-                  <a:srgbClr val="FFFFFF"/>
-                </a:highlight>
-                <a:latin typeface="Courier New" panose="02070309020205020404" pitchFamily="49" charset="0"/>
-              </a:rPr>
-              <a:t>Data</a:t>
-            </a:r>
-            <a:r>
-              <a:rPr lang="fr-FR" sz="1200" b="1" smtClean="0">
-                <a:solidFill>
-                  <a:srgbClr val="000080"/>
-                </a:solidFill>
-                <a:highlight>
-                  <a:srgbClr val="FFFFFF"/>
-                </a:highlight>
-                <a:latin typeface="Courier New" panose="02070309020205020404" pitchFamily="49" charset="0"/>
-              </a:rPr>
-              <a:t>&amp;</a:t>
-            </a:r>
-            <a:r>
-              <a:rPr lang="fr-FR" sz="1200" b="0" smtClean="0">
-                <a:solidFill>
-                  <a:srgbClr val="000000"/>
-                </a:solidFill>
-                <a:highlight>
-                  <a:srgbClr val="FFFFFF"/>
-                </a:highlight>
-                <a:latin typeface="Courier New" panose="02070309020205020404" pitchFamily="49" charset="0"/>
-              </a:rPr>
-              <a:t> data</a:t>
-            </a:r>
-            <a:r>
-              <a:rPr lang="fr-FR" sz="1200" b="1" smtClean="0">
-                <a:solidFill>
-                  <a:srgbClr val="000080"/>
-                </a:solidFill>
-                <a:highlight>
-                  <a:srgbClr val="FFFFFF"/>
-                </a:highlight>
-                <a:latin typeface="Courier New" panose="02070309020205020404" pitchFamily="49" charset="0"/>
-              </a:rPr>
-              <a:t>)</a:t>
-            </a:r>
-            <a:r>
-              <a:rPr lang="fr-FR" sz="1200" b="0" smtClean="0">
-                <a:solidFill>
-                  <a:srgbClr val="000000"/>
-                </a:solidFill>
-                <a:highlight>
-                  <a:srgbClr val="FFFFFF"/>
-                </a:highlight>
-                <a:latin typeface="Courier New" panose="02070309020205020404" pitchFamily="49" charset="0"/>
-              </a:rPr>
-              <a:t> </a:t>
-            </a:r>
-            <a:r>
-              <a:rPr lang="fr-FR" sz="1200" b="1" smtClean="0">
-                <a:solidFill>
-                  <a:srgbClr val="000080"/>
-                </a:solidFill>
-                <a:highlight>
-                  <a:srgbClr val="FFFFFF"/>
-                </a:highlight>
-                <a:latin typeface="Courier New" panose="02070309020205020404" pitchFamily="49" charset="0"/>
-              </a:rPr>
-              <a:t>=</a:t>
-            </a:r>
-            <a:r>
-              <a:rPr lang="fr-FR" sz="1200" b="0" smtClean="0">
-                <a:solidFill>
-                  <a:srgbClr val="000000"/>
-                </a:solidFill>
-                <a:highlight>
-                  <a:srgbClr val="FFFFFF"/>
-                </a:highlight>
-                <a:latin typeface="Courier New" panose="02070309020205020404" pitchFamily="49" charset="0"/>
-              </a:rPr>
-              <a:t> </a:t>
-            </a:r>
-            <a:r>
-              <a:rPr lang="fr-FR" sz="1200" b="0" smtClean="0">
-                <a:solidFill>
-                  <a:srgbClr val="FF8000"/>
-                </a:solidFill>
-                <a:highlight>
-                  <a:srgbClr val="FFFFFF"/>
-                </a:highlight>
-                <a:latin typeface="Courier New" panose="02070309020205020404" pitchFamily="49" charset="0"/>
-              </a:rPr>
-              <a:t>0</a:t>
-            </a:r>
-            <a:r>
-              <a:rPr lang="fr-FR" sz="1200" b="1" smtClean="0">
-                <a:solidFill>
-                  <a:srgbClr val="000080"/>
-                </a:solidFill>
-                <a:highlight>
-                  <a:srgbClr val="FFFFFF"/>
-                </a:highlight>
-                <a:latin typeface="Courier New" panose="02070309020205020404" pitchFamily="49" charset="0"/>
-              </a:rPr>
-              <a:t>;</a:t>
+              <a:rPr lang="fr-FR" sz="1200" b="1" smtClean="0">
+                <a:solidFill>
+                  <a:srgbClr val="000080"/>
+                </a:solidFill>
+                <a:highlight>
+                  <a:srgbClr val="FFFFFF"/>
+                </a:highlight>
+                <a:latin typeface="Courier New" panose="02070309020205020404" pitchFamily="49" charset="0"/>
+              </a:rPr>
+              <a:t>}</a:t>
             </a:r>
             <a:endParaRPr lang="fr-FR" sz="1200" b="0" smtClean="0">
               <a:solidFill>
@@ -5618,14 +5635,56 @@
             <a:r>
               <a:rPr lang="fr-FR" sz="1200" b="1" smtClean="0">
                 <a:solidFill>
-                  <a:srgbClr val="000080"/>
-                </a:solidFill>
-                <a:highlight>
-                  <a:srgbClr val="FFFFFF"/>
-                </a:highlight>
-                <a:latin typeface="Courier New" panose="02070309020205020404" pitchFamily="49" charset="0"/>
-              </a:rPr>
-              <a:t>}</a:t>
+                  <a:schemeClr val="tx1">
+                    <a:lumMod val="85000"/>
+                    <a:lumOff val="15000"/>
+                  </a:schemeClr>
+                </a:solidFill>
+                <a:highlight>
+                  <a:srgbClr val="FFFFFF"/>
+                </a:highlight>
+                <a:latin typeface="Courier New" panose="02070309020205020404" pitchFamily="49" charset="0"/>
+              </a:rPr>
+              <a:t>class</a:t>
+            </a:r>
+            <a:r>
+              <a:rPr lang="fr-FR" sz="1200" b="0" smtClean="0">
+                <a:solidFill>
+                  <a:schemeClr val="tx1">
+                    <a:lumMod val="85000"/>
+                    <a:lumOff val="15000"/>
+                  </a:schemeClr>
+                </a:solidFill>
+                <a:highlight>
+                  <a:srgbClr val="FFFFFF"/>
+                </a:highlight>
+                <a:latin typeface="Courier New" panose="02070309020205020404" pitchFamily="49" charset="0"/>
+              </a:rPr>
+              <a:t> </a:t>
+            </a:r>
+            <a:r>
+              <a:rPr lang="fr-FR" sz="1200" b="0" smtClean="0">
+                <a:solidFill>
+                  <a:srgbClr val="000000"/>
+                </a:solidFill>
+                <a:highlight>
+                  <a:srgbClr val="FFFFFF"/>
+                </a:highlight>
+                <a:latin typeface="Courier New" panose="02070309020205020404" pitchFamily="49" charset="0"/>
+              </a:rPr>
+              <a:t>Producer </a:t>
+            </a:r>
+            <a:r>
+              <a:rPr lang="fr-FR" sz="1200" b="1" smtClean="0">
+                <a:solidFill>
+                  <a:srgbClr val="000080"/>
+                </a:solidFill>
+                <a:highlight>
+                  <a:srgbClr val="FFFFFF"/>
+                </a:highlight>
+                <a:latin typeface="Courier New" panose="02070309020205020404" pitchFamily="49" charset="0"/>
+              </a:rPr>
+              <a:t>{</a:t>
             </a:r>
             <a:endParaRPr lang="fr-FR" sz="1200" b="0" smtClean="0">
               <a:solidFill>
@@ -5661,10 +5720,34 @@
                 </a:highlight>
                 <a:latin typeface="Courier New" panose="02070309020205020404" pitchFamily="49" charset="0"/>
               </a:rPr>
-              <a:t>class</a:t>
+              <a:t>public</a:t>
+            </a:r>
+            <a:r>
+              <a:rPr lang="fr-FR" sz="1200" b="1" smtClean="0">
+                <a:solidFill>
+                  <a:srgbClr val="000080"/>
+                </a:solidFill>
+                <a:highlight>
+                  <a:srgbClr val="FFFFFF"/>
+                </a:highlight>
+                <a:latin typeface="Courier New" panose="02070309020205020404" pitchFamily="49" charset="0"/>
+              </a:rPr>
+              <a:t>:</a:t>
             </a:r>
             <a:r>
               <a:rPr lang="fr-FR" sz="1200" b="0" smtClean="0">
+                <a:solidFill>
+                  <a:srgbClr val="000000"/>
+                </a:solidFill>
+                <a:highlight>
+                  <a:srgbClr val="FFFFFF"/>
+                </a:highlight>
+                <a:latin typeface="Courier New" panose="02070309020205020404" pitchFamily="49" charset="0"/>
+              </a:rPr>
+              <a:t>  </a:t>
+            </a:r>
+            <a:r>
+              <a:rPr lang="fr-FR" sz="1200" b="1" smtClean="0">
                 <a:solidFill>
                   <a:schemeClr val="tx1">
                     <a:lumMod val="85000"/>
@@ -5676,7 +5759,19 @@
                 </a:highlight>
                 <a:latin typeface="Courier New" panose="02070309020205020404" pitchFamily="49" charset="0"/>
               </a:rPr>
-              <a:t> </a:t>
+              <a:t>RequiredPort</a:t>
+            </a:r>
+            <a:r>
+              <a:rPr lang="fr-FR" sz="1200" b="1" smtClean="0">
+                <a:solidFill>
+                  <a:srgbClr val="000080"/>
+                </a:solidFill>
+                <a:highlight>
+                  <a:srgbClr val="FFFFFF"/>
+                </a:highlight>
+                <a:latin typeface="Courier New" panose="02070309020205020404" pitchFamily="49" charset="0"/>
+              </a:rPr>
+              <a:t>&lt;</a:t>
             </a:r>
             <a:r>
               <a:rPr lang="fr-FR" sz="1200" b="0" smtClean="0">
@@ -5688,19 +5783,43 @@
                 </a:highlight>
                 <a:latin typeface="Courier New" panose="02070309020205020404" pitchFamily="49" charset="0"/>
               </a:rPr>
-              <a:t>Producer </a:t>
-            </a:r>
-            <a:r>
-              <a:rPr lang="fr-FR" sz="1200" b="1" smtClean="0">
-                <a:solidFill>
-                  <a:srgbClr val="000080"/>
-                </a:solidFill>
-                <a:highlight>
-                  <a:srgbClr val="FFFFFF"/>
-                </a:highlight>
-                <a:latin typeface="Courier New" panose="02070309020205020404" pitchFamily="49" charset="0"/>
-              </a:rPr>
-              <a:t>{</a:t>
+              <a:t>IPush</a:t>
+            </a:r>
+            <a:r>
+              <a:rPr lang="fr-FR" sz="1200" b="1" smtClean="0">
+                <a:solidFill>
+                  <a:srgbClr val="000080"/>
+                </a:solidFill>
+                <a:highlight>
+                  <a:srgbClr val="FFFFFF"/>
+                </a:highlight>
+                <a:latin typeface="Courier New" panose="02070309020205020404" pitchFamily="49" charset="0"/>
+              </a:rPr>
+              <a:t>&gt;</a:t>
+            </a:r>
+            <a:r>
+              <a:rPr lang="fr-FR" sz="1200" b="0" smtClean="0">
+                <a:solidFill>
+                  <a:srgbClr val="000000"/>
+                </a:solidFill>
+                <a:highlight>
+                  <a:srgbClr val="FFFFFF"/>
+                </a:highlight>
+                <a:latin typeface="Courier New" panose="02070309020205020404" pitchFamily="49" charset="0"/>
+              </a:rPr>
+              <a:t> pPush</a:t>
+            </a:r>
+            <a:r>
+              <a:rPr lang="fr-FR" sz="1200" b="1" smtClean="0">
+                <a:solidFill>
+                  <a:srgbClr val="000080"/>
+                </a:solidFill>
+                <a:highlight>
+                  <a:srgbClr val="FFFFFF"/>
+                </a:highlight>
+                <a:latin typeface="Courier New" panose="02070309020205020404" pitchFamily="49" charset="0"/>
+              </a:rPr>
+              <a:t>;</a:t>
             </a:r>
             <a:endParaRPr lang="fr-FR" sz="1200" b="0" smtClean="0">
               <a:solidFill>
@@ -5726,29 +5845,14 @@
             <a:r>
               <a:rPr lang="fr-FR" sz="1200" b="1" smtClean="0">
                 <a:solidFill>
-                  <a:schemeClr val="tx1">
-                    <a:lumMod val="85000"/>
-                    <a:lumOff val="15000"/>
-                  </a:schemeClr>
-                </a:solidFill>
-                <a:highlight>
-                  <a:srgbClr val="FFFFFF"/>
-                </a:highlight>
-                <a:latin typeface="Courier New" panose="02070309020205020404" pitchFamily="49" charset="0"/>
-              </a:rPr>
-              <a:t>public</a:t>
-            </a:r>
-            <a:r>
-              <a:rPr lang="fr-FR" sz="1200" b="1" smtClean="0">
-                <a:solidFill>
-                  <a:srgbClr val="000080"/>
-                </a:solidFill>
-                <a:highlight>
-                  <a:srgbClr val="FFFFFF"/>
-                </a:highlight>
-                <a:latin typeface="Courier New" panose="02070309020205020404" pitchFamily="49" charset="0"/>
-              </a:rPr>
-              <a:t>:</a:t>
+                  <a:srgbClr val="000080"/>
+                </a:solidFill>
+                <a:highlight>
+                  <a:srgbClr val="FFFFFF"/>
+                </a:highlight>
+                <a:latin typeface="Courier New" panose="02070309020205020404" pitchFamily="49" charset="0"/>
+              </a:rPr>
+              <a:t>};</a:t>
             </a:r>
             <a:endParaRPr lang="fr-FR" sz="1200" b="0" smtClean="0">
               <a:solidFill>
@@ -5772,18 +5876,6 @@
               <a:buAutoNum type="arabicPeriod"/>
             </a:pPr>
             <a:r>
-              <a:rPr lang="fr-FR" sz="1200" b="0" smtClean="0">
-                <a:solidFill>
-                  <a:srgbClr val="000000"/>
-                </a:solidFill>
-                <a:highlight>
-                  <a:srgbClr val="FFFFFF"/>
-                </a:highlight>
-                <a:latin typeface="Courier New" panose="02070309020205020404" pitchFamily="49" charset="0"/>
-              </a:rPr>
-              <a:t>  </a:t>
-            </a:r>
-            <a:r>
               <a:rPr lang="fr-FR" sz="1200" b="1" smtClean="0">
                 <a:solidFill>
                   <a:schemeClr val="tx1">
@@ -5796,43 +5888,22 @@
                 </a:highlight>
                 <a:latin typeface="Courier New" panose="02070309020205020404" pitchFamily="49" charset="0"/>
               </a:rPr>
-              <a:t>RequiredPort</a:t>
-            </a:r>
-            <a:r>
-              <a:rPr lang="fr-FR" sz="1200" b="1" smtClean="0">
-                <a:solidFill>
-                  <a:srgbClr val="000080"/>
-                </a:solidFill>
-                <a:highlight>
-                  <a:srgbClr val="FFFFFF"/>
-                </a:highlight>
-                <a:latin typeface="Courier New" panose="02070309020205020404" pitchFamily="49" charset="0"/>
-              </a:rPr>
-              <a:t>&lt;</a:t>
+              <a:t>class</a:t>
             </a:r>
             <a:r>
               <a:rPr lang="fr-FR" sz="1200" b="0" smtClean="0">
                 <a:solidFill>
-                  <a:srgbClr val="000000"/>
-                </a:solidFill>
-                <a:highlight>
-                  <a:srgbClr val="FFFFFF"/>
-                </a:highlight>
-                <a:latin typeface="Courier New" panose="02070309020205020404" pitchFamily="49" charset="0"/>
-              </a:rPr>
-              <a:t>IPush</a:t>
-            </a:r>
-            <a:r>
-              <a:rPr lang="fr-FR" sz="1200" b="1" smtClean="0">
-                <a:solidFill>
-                  <a:srgbClr val="000080"/>
-                </a:solidFill>
-                <a:highlight>
-                  <a:srgbClr val="FFFFFF"/>
-                </a:highlight>
-                <a:latin typeface="Courier New" panose="02070309020205020404" pitchFamily="49" charset="0"/>
-              </a:rPr>
-              <a:t>&gt;</a:t>
+                  <a:schemeClr val="tx1">
+                    <a:lumMod val="85000"/>
+                    <a:lumOff val="15000"/>
+                  </a:schemeClr>
+                </a:solidFill>
+                <a:highlight>
+                  <a:srgbClr val="FFFFFF"/>
+                </a:highlight>
+                <a:latin typeface="Courier New" panose="02070309020205020404" pitchFamily="49" charset="0"/>
+              </a:rPr>
+              <a:t> </a:t>
             </a:r>
             <a:r>
               <a:rPr lang="fr-FR" sz="1200" b="0" smtClean="0">
@@ -5844,31 +5915,19 @@
                 </a:highlight>
                 <a:latin typeface="Courier New" panose="02070309020205020404" pitchFamily="49" charset="0"/>
               </a:rPr>
-              <a:t> </a:t>
-            </a:r>
-            <a:r>
-              <a:rPr lang="fr-FR" sz="1200" b="0" smtClean="0">
-                <a:solidFill>
-                  <a:srgbClr val="000000"/>
-                </a:solidFill>
-                <a:highlight>
-                  <a:srgbClr val="FFFFFF"/>
-                </a:highlight>
-                <a:latin typeface="Courier New" panose="02070309020205020404" pitchFamily="49" charset="0"/>
-              </a:rPr>
-              <a:t>pPush</a:t>
-            </a:r>
-            <a:r>
-              <a:rPr lang="fr-FR" sz="1200" b="1" smtClean="0">
-                <a:solidFill>
-                  <a:srgbClr val="000080"/>
-                </a:solidFill>
-                <a:highlight>
-                  <a:srgbClr val="FFFFFF"/>
-                </a:highlight>
-                <a:latin typeface="Courier New" panose="02070309020205020404" pitchFamily="49" charset="0"/>
-              </a:rPr>
-              <a:t>;</a:t>
+              <a:t>Consumer </a:t>
+            </a:r>
+            <a:r>
+              <a:rPr lang="fr-FR" sz="1200" b="1" smtClean="0">
+                <a:solidFill>
+                  <a:srgbClr val="000080"/>
+                </a:solidFill>
+                <a:highlight>
+                  <a:srgbClr val="FFFFFF"/>
+                </a:highlight>
+                <a:latin typeface="Courier New" panose="02070309020205020404" pitchFamily="49" charset="0"/>
+              </a:rPr>
+              <a:t>{</a:t>
             </a:r>
             <a:endParaRPr lang="fr-FR" sz="1200" b="0" smtClean="0">
               <a:solidFill>
@@ -5894,14 +5953,116 @@
             <a:r>
               <a:rPr lang="fr-FR" sz="1200" b="1" smtClean="0">
                 <a:solidFill>
-                  <a:srgbClr val="000080"/>
-                </a:solidFill>
-                <a:highlight>
-                  <a:srgbClr val="FFFFFF"/>
-                </a:highlight>
-                <a:latin typeface="Courier New" panose="02070309020205020404" pitchFamily="49" charset="0"/>
-              </a:rPr>
-              <a:t>};</a:t>
+                  <a:schemeClr val="tx1">
+                    <a:lumMod val="85000"/>
+                    <a:lumOff val="15000"/>
+                  </a:schemeClr>
+                </a:solidFill>
+                <a:highlight>
+                  <a:srgbClr val="FFFFFF"/>
+                </a:highlight>
+                <a:latin typeface="Courier New" panose="02070309020205020404" pitchFamily="49" charset="0"/>
+              </a:rPr>
+              <a:t>public</a:t>
+            </a:r>
+            <a:r>
+              <a:rPr lang="fr-FR" sz="1200" b="1" smtClean="0">
+                <a:solidFill>
+                  <a:srgbClr val="000080"/>
+                </a:solidFill>
+                <a:highlight>
+                  <a:srgbClr val="FFFFFF"/>
+                </a:highlight>
+                <a:latin typeface="Courier New" panose="02070309020205020404" pitchFamily="49" charset="0"/>
+              </a:rPr>
+              <a:t>:</a:t>
+            </a:r>
+            <a:r>
+              <a:rPr lang="fr-FR" sz="1200" b="0" smtClean="0">
+                <a:solidFill>
+                  <a:srgbClr val="000000"/>
+                </a:solidFill>
+                <a:highlight>
+                  <a:srgbClr val="FFFFFF"/>
+                </a:highlight>
+                <a:latin typeface="Courier New" panose="02070309020205020404" pitchFamily="49" charset="0"/>
+              </a:rPr>
+              <a:t>  </a:t>
+            </a:r>
+            <a:r>
+              <a:rPr lang="fr-FR" sz="1200" b="1" smtClean="0">
+                <a:solidFill>
+                  <a:schemeClr val="tx1">
+                    <a:lumMod val="85000"/>
+                    <a:lumOff val="15000"/>
+                  </a:schemeClr>
+                </a:solidFill>
+                <a:highlight>
+                  <a:srgbClr val="FFFFFF"/>
+                </a:highlight>
+                <a:latin typeface="Courier New" panose="02070309020205020404" pitchFamily="49" charset="0"/>
+              </a:rPr>
+              <a:t>RequiredPort</a:t>
+            </a:r>
+            <a:r>
+              <a:rPr lang="fr-FR" sz="1200" b="1" smtClean="0">
+                <a:solidFill>
+                  <a:srgbClr val="000080"/>
+                </a:solidFill>
+                <a:highlight>
+                  <a:srgbClr val="FFFFFF"/>
+                </a:highlight>
+                <a:latin typeface="Courier New" panose="02070309020205020404" pitchFamily="49" charset="0"/>
+              </a:rPr>
+              <a:t>&lt;</a:t>
+            </a:r>
+            <a:r>
+              <a:rPr lang="fr-FR" sz="1200" b="0" smtClean="0">
+                <a:solidFill>
+                  <a:srgbClr val="000000"/>
+                </a:solidFill>
+                <a:highlight>
+                  <a:srgbClr val="FFFFFF"/>
+                </a:highlight>
+                <a:latin typeface="Courier New" panose="02070309020205020404" pitchFamily="49" charset="0"/>
+              </a:rPr>
+              <a:t>IPull</a:t>
+            </a:r>
+            <a:r>
+              <a:rPr lang="fr-FR" sz="1200" b="1" smtClean="0">
+                <a:solidFill>
+                  <a:srgbClr val="000080"/>
+                </a:solidFill>
+                <a:highlight>
+                  <a:srgbClr val="FFFFFF"/>
+                </a:highlight>
+                <a:latin typeface="Courier New" panose="02070309020205020404" pitchFamily="49" charset="0"/>
+              </a:rPr>
+              <a:t>&gt;</a:t>
+            </a:r>
+            <a:r>
+              <a:rPr lang="fr-FR" sz="1200" b="0" smtClean="0">
+                <a:solidFill>
+                  <a:srgbClr val="000000"/>
+                </a:solidFill>
+                <a:highlight>
+                  <a:srgbClr val="FFFFFF"/>
+                </a:highlight>
+                <a:latin typeface="Courier New" panose="02070309020205020404" pitchFamily="49" charset="0"/>
+              </a:rPr>
+              <a:t> pPull</a:t>
+            </a:r>
+            <a:r>
+              <a:rPr lang="fr-FR" sz="1200" b="1" smtClean="0">
+                <a:solidFill>
+                  <a:srgbClr val="000080"/>
+                </a:solidFill>
+                <a:highlight>
+                  <a:srgbClr val="FFFFFF"/>
+                </a:highlight>
+                <a:latin typeface="Courier New" panose="02070309020205020404" pitchFamily="49" charset="0"/>
+              </a:rPr>
+              <a:t>;</a:t>
             </a:r>
             <a:endParaRPr lang="fr-FR" sz="1200" b="0" smtClean="0">
               <a:solidFill>
@@ -5927,56 +6088,14 @@
             <a:r>
               <a:rPr lang="fr-FR" sz="1200" b="1" smtClean="0">
                 <a:solidFill>
-                  <a:schemeClr val="tx1">
-                    <a:lumMod val="85000"/>
-                    <a:lumOff val="15000"/>
-                  </a:schemeClr>
-                </a:solidFill>
-                <a:highlight>
-                  <a:srgbClr val="FFFFFF"/>
-                </a:highlight>
-                <a:latin typeface="Courier New" panose="02070309020205020404" pitchFamily="49" charset="0"/>
-              </a:rPr>
-              <a:t>class</a:t>
-            </a:r>
-            <a:r>
-              <a:rPr lang="fr-FR" sz="1200" b="0" smtClean="0">
-                <a:solidFill>
-                  <a:schemeClr val="tx1">
-                    <a:lumMod val="85000"/>
-                    <a:lumOff val="15000"/>
-                  </a:schemeClr>
-                </a:solidFill>
-                <a:highlight>
-                  <a:srgbClr val="FFFFFF"/>
-                </a:highlight>
-                <a:latin typeface="Courier New" panose="02070309020205020404" pitchFamily="49" charset="0"/>
-              </a:rPr>
-              <a:t> </a:t>
-            </a:r>
-            <a:r>
-              <a:rPr lang="fr-FR" sz="1200" b="0" smtClean="0">
-                <a:solidFill>
-                  <a:srgbClr val="000000"/>
-                </a:solidFill>
-                <a:highlight>
-                  <a:srgbClr val="FFFFFF"/>
-                </a:highlight>
-                <a:latin typeface="Courier New" panose="02070309020205020404" pitchFamily="49" charset="0"/>
-              </a:rPr>
-              <a:t>Consumer </a:t>
-            </a:r>
-            <a:r>
-              <a:rPr lang="fr-FR" sz="1200" b="1" smtClean="0">
-                <a:solidFill>
-                  <a:srgbClr val="000080"/>
-                </a:solidFill>
-                <a:highlight>
-                  <a:srgbClr val="FFFFFF"/>
-                </a:highlight>
-                <a:latin typeface="Courier New" panose="02070309020205020404" pitchFamily="49" charset="0"/>
-              </a:rPr>
-              <a:t>{</a:t>
+                  <a:srgbClr val="000080"/>
+                </a:solidFill>
+                <a:highlight>
+                  <a:srgbClr val="FFFFFF"/>
+                </a:highlight>
+                <a:latin typeface="Courier New" panose="02070309020205020404" pitchFamily="49" charset="0"/>
+              </a:rPr>
+              <a:t>};</a:t>
             </a:r>
             <a:endParaRPr lang="fr-FR" sz="1200" b="0" smtClean="0">
               <a:solidFill>
@@ -6000,7 +6119,7 @@
               <a:buAutoNum type="arabicPeriod"/>
             </a:pPr>
             <a:r>
-              <a:rPr lang="fr-FR" sz="1200" b="1" smtClean="0">
+              <a:rPr lang="en-US" sz="1200" b="1" smtClean="0">
                 <a:solidFill>
                   <a:schemeClr val="tx1">
                     <a:lumMod val="85000"/>
@@ -6012,21 +6131,138 @@
                 </a:highlight>
                 <a:latin typeface="Courier New" panose="02070309020205020404" pitchFamily="49" charset="0"/>
               </a:rPr>
+              <a:t>class</a:t>
+            </a:r>
+            <a:r>
+              <a:rPr lang="en-US" sz="1200" b="0" smtClean="0">
+                <a:solidFill>
+                  <a:schemeClr val="tx1">
+                    <a:lumMod val="85000"/>
+                    <a:lumOff val="15000"/>
+                  </a:schemeClr>
+                </a:solidFill>
+                <a:highlight>
+                  <a:srgbClr val="FFFFFF"/>
+                </a:highlight>
+                <a:latin typeface="Courier New" panose="02070309020205020404" pitchFamily="49" charset="0"/>
+              </a:rPr>
+              <a:t> </a:t>
+            </a:r>
+            <a:r>
+              <a:rPr lang="en-US" sz="1200" b="0" smtClean="0">
+                <a:solidFill>
+                  <a:srgbClr val="000000"/>
+                </a:solidFill>
+                <a:highlight>
+                  <a:srgbClr val="FFFFFF"/>
+                </a:highlight>
+                <a:latin typeface="Courier New" panose="02070309020205020404" pitchFamily="49" charset="0"/>
+              </a:rPr>
+              <a:t>FIFO </a:t>
+            </a:r>
+            <a:r>
+              <a:rPr lang="en-US" sz="1200" b="1" smtClean="0">
+                <a:solidFill>
+                  <a:srgbClr val="000080"/>
+                </a:solidFill>
+                <a:highlight>
+                  <a:srgbClr val="FFFFFF"/>
+                </a:highlight>
+                <a:latin typeface="Courier New" panose="02070309020205020404" pitchFamily="49" charset="0"/>
+              </a:rPr>
+              <a:t>:</a:t>
+            </a:r>
+            <a:r>
+              <a:rPr lang="en-US" sz="1200" b="0" smtClean="0">
+                <a:solidFill>
+                  <a:srgbClr val="000000"/>
+                </a:solidFill>
+                <a:highlight>
+                  <a:srgbClr val="FFFFFF"/>
+                </a:highlight>
+                <a:latin typeface="Courier New" panose="02070309020205020404" pitchFamily="49" charset="0"/>
+              </a:rPr>
+              <a:t> </a:t>
+            </a:r>
+            <a:r>
+              <a:rPr lang="en-US" sz="1200" b="1" smtClean="0">
+                <a:solidFill>
+                  <a:schemeClr val="tx1">
+                    <a:lumMod val="85000"/>
+                    <a:lumOff val="15000"/>
+                  </a:schemeClr>
+                </a:solidFill>
+                <a:highlight>
+                  <a:srgbClr val="FFFFFF"/>
+                </a:highlight>
+                <a:latin typeface="Courier New" panose="02070309020205020404" pitchFamily="49" charset="0"/>
+              </a:rPr>
               <a:t>public</a:t>
             </a:r>
             <a:r>
-              <a:rPr lang="fr-FR" sz="1200" b="1" smtClean="0">
-                <a:solidFill>
-                  <a:srgbClr val="000080"/>
-                </a:solidFill>
-                <a:highlight>
-                  <a:srgbClr val="FFFFFF"/>
-                </a:highlight>
-                <a:latin typeface="Courier New" panose="02070309020205020404" pitchFamily="49" charset="0"/>
-              </a:rPr>
-              <a:t>:</a:t>
-            </a:r>
-            <a:endParaRPr lang="fr-FR" sz="1200" b="0" smtClean="0">
+              <a:rPr lang="en-US" sz="1200" b="0" smtClean="0">
+                <a:solidFill>
+                  <a:schemeClr val="tx1">
+                    <a:lumMod val="85000"/>
+                    <a:lumOff val="15000"/>
+                  </a:schemeClr>
+                </a:solidFill>
+                <a:highlight>
+                  <a:srgbClr val="FFFFFF"/>
+                </a:highlight>
+                <a:latin typeface="Courier New" panose="02070309020205020404" pitchFamily="49" charset="0"/>
+              </a:rPr>
+              <a:t> </a:t>
+            </a:r>
+            <a:r>
+              <a:rPr lang="en-US" sz="1200" b="0" smtClean="0">
+                <a:solidFill>
+                  <a:srgbClr val="000000"/>
+                </a:solidFill>
+                <a:highlight>
+                  <a:srgbClr val="FFFFFF"/>
+                </a:highlight>
+                <a:latin typeface="Courier New" panose="02070309020205020404" pitchFamily="49" charset="0"/>
+              </a:rPr>
+              <a:t>IPush</a:t>
+            </a:r>
+            <a:r>
+              <a:rPr lang="en-US" sz="1200" b="1" smtClean="0">
+                <a:solidFill>
+                  <a:srgbClr val="000080"/>
+                </a:solidFill>
+                <a:highlight>
+                  <a:srgbClr val="FFFFFF"/>
+                </a:highlight>
+                <a:latin typeface="Courier New" panose="02070309020205020404" pitchFamily="49" charset="0"/>
+              </a:rPr>
+              <a:t>,</a:t>
+            </a:r>
+            <a:r>
+              <a:rPr lang="en-US" sz="1200" b="0" smtClean="0">
+                <a:solidFill>
+                  <a:srgbClr val="000000"/>
+                </a:solidFill>
+                <a:highlight>
+                  <a:srgbClr val="FFFFFF"/>
+                </a:highlight>
+                <a:latin typeface="Courier New" panose="02070309020205020404" pitchFamily="49" charset="0"/>
+              </a:rPr>
+              <a:t> IPull </a:t>
+            </a:r>
+            <a:r>
+              <a:rPr lang="en-US" sz="1200" b="1" smtClean="0">
+                <a:solidFill>
+                  <a:srgbClr val="000080"/>
+                </a:solidFill>
+                <a:highlight>
+                  <a:srgbClr val="FFFFFF"/>
+                </a:highlight>
+                <a:latin typeface="Courier New" panose="02070309020205020404" pitchFamily="49" charset="0"/>
+              </a:rPr>
+              <a:t>{</a:t>
+            </a:r>
+            <a:endParaRPr lang="en-US" sz="1200" b="0" smtClean="0">
               <a:solidFill>
                 <a:srgbClr val="000000"/>
               </a:solidFill>
@@ -6048,18 +6284,6 @@
               <a:buAutoNum type="arabicPeriod"/>
             </a:pPr>
             <a:r>
-              <a:rPr lang="fr-FR" sz="1200" b="0" smtClean="0">
-                <a:solidFill>
-                  <a:srgbClr val="000000"/>
-                </a:solidFill>
-                <a:highlight>
-                  <a:srgbClr val="FFFFFF"/>
-                </a:highlight>
-                <a:latin typeface="Courier New" panose="02070309020205020404" pitchFamily="49" charset="0"/>
-              </a:rPr>
-              <a:t>  </a:t>
-            </a:r>
-            <a:r>
               <a:rPr lang="fr-FR" sz="1200" b="1" smtClean="0">
                 <a:solidFill>
                   <a:schemeClr val="tx1">
@@ -6072,19 +6296,19 @@
                 </a:highlight>
                 <a:latin typeface="Courier New" panose="02070309020205020404" pitchFamily="49" charset="0"/>
               </a:rPr>
-              <a:t>RequiredPort</a:t>
-            </a:r>
-            <a:r>
-              <a:rPr lang="fr-FR" sz="1200" b="1" smtClean="0">
-                <a:solidFill>
-                  <a:srgbClr val="000080"/>
-                </a:solidFill>
-                <a:highlight>
-                  <a:srgbClr val="FFFFFF"/>
-                </a:highlight>
-                <a:latin typeface="Courier New" panose="02070309020205020404" pitchFamily="49" charset="0"/>
-              </a:rPr>
-              <a:t>&lt;</a:t>
+              <a:t>public</a:t>
+            </a:r>
+            <a:r>
+              <a:rPr lang="fr-FR" sz="1200" b="1" smtClean="0">
+                <a:solidFill>
+                  <a:srgbClr val="000080"/>
+                </a:solidFill>
+                <a:highlight>
+                  <a:srgbClr val="FFFFFF"/>
+                </a:highlight>
+                <a:latin typeface="Courier New" panose="02070309020205020404" pitchFamily="49" charset="0"/>
+              </a:rPr>
+              <a:t>:</a:t>
             </a:r>
             <a:r>
               <a:rPr lang="fr-FR" sz="1200" b="0" smtClean="0">
@@ -6096,65 +6320,8 @@
                 </a:highlight>
                 <a:latin typeface="Courier New" panose="02070309020205020404" pitchFamily="49" charset="0"/>
               </a:rPr>
-              <a:t>IPull</a:t>
-            </a:r>
-            <a:r>
-              <a:rPr lang="fr-FR" sz="1200" b="1" smtClean="0">
-                <a:solidFill>
-                  <a:srgbClr val="000080"/>
-                </a:solidFill>
-                <a:highlight>
-                  <a:srgbClr val="FFFFFF"/>
-                </a:highlight>
-                <a:latin typeface="Courier New" panose="02070309020205020404" pitchFamily="49" charset="0"/>
-              </a:rPr>
-              <a:t>&gt;</a:t>
-            </a:r>
-            <a:r>
-              <a:rPr lang="fr-FR" sz="1200" b="0" smtClean="0">
-                <a:solidFill>
-                  <a:srgbClr val="000000"/>
-                </a:solidFill>
-                <a:highlight>
-                  <a:srgbClr val="FFFFFF"/>
-                </a:highlight>
-                <a:latin typeface="Courier New" panose="02070309020205020404" pitchFamily="49" charset="0"/>
-              </a:rPr>
-              <a:t> </a:t>
-            </a:r>
-            <a:r>
-              <a:rPr lang="fr-FR" sz="1200" b="0" smtClean="0">
-                <a:solidFill>
-                  <a:srgbClr val="000000"/>
-                </a:solidFill>
-                <a:highlight>
-                  <a:srgbClr val="FFFFFF"/>
-                </a:highlight>
-                <a:latin typeface="Courier New" panose="02070309020205020404" pitchFamily="49" charset="0"/>
-              </a:rPr>
-              <a:t>pPull</a:t>
-            </a:r>
-            <a:r>
-              <a:rPr lang="fr-FR" sz="1200" b="1" smtClean="0">
-                <a:solidFill>
-                  <a:srgbClr val="000080"/>
-                </a:solidFill>
-                <a:highlight>
-                  <a:srgbClr val="FFFFFF"/>
-                </a:highlight>
-                <a:latin typeface="Courier New" panose="02070309020205020404" pitchFamily="49" charset="0"/>
-              </a:rPr>
-              <a:t>;</a:t>
-            </a:r>
-            <a:endParaRPr lang="fr-FR" sz="1200" b="0" smtClean="0">
-              <a:solidFill>
-                <a:srgbClr val="000000"/>
-              </a:solidFill>
-              <a:highlight>
-                <a:srgbClr val="FFFFFF"/>
-              </a:highlight>
-              <a:latin typeface="Courier New" panose="02070309020205020404" pitchFamily="49" charset="0"/>
-            </a:endParaRPr>
+              <a:t>	</a:t>
+            </a:r>
           </a:p>
           <a:p>
             <a:pPr marL="228600" indent="-228600">
@@ -6168,16 +6335,91 @@
               <a:buAutoNum type="arabicPeriod"/>
             </a:pPr>
             <a:r>
-              <a:rPr lang="fr-FR" sz="1200" b="1" smtClean="0">
-                <a:solidFill>
-                  <a:srgbClr val="000080"/>
-                </a:solidFill>
-                <a:highlight>
-                  <a:srgbClr val="FFFFFF"/>
-                </a:highlight>
-                <a:latin typeface="Courier New" panose="02070309020205020404" pitchFamily="49" charset="0"/>
-              </a:rPr>
-              <a:t>};</a:t>
+              <a:rPr lang="fr-FR" sz="1200" b="0" smtClean="0">
+                <a:solidFill>
+                  <a:srgbClr val="000000"/>
+                </a:solidFill>
+                <a:highlight>
+                  <a:srgbClr val="FFFFFF"/>
+                </a:highlight>
+                <a:latin typeface="Courier New" panose="02070309020205020404" pitchFamily="49" charset="0"/>
+              </a:rPr>
+              <a:t>  </a:t>
+            </a:r>
+            <a:r>
+              <a:rPr lang="fr-FR" sz="1200" b="1" smtClean="0">
+                <a:solidFill>
+                  <a:schemeClr val="tx1">
+                    <a:lumMod val="85000"/>
+                    <a:lumOff val="15000"/>
+                  </a:schemeClr>
+                </a:solidFill>
+                <a:highlight>
+                  <a:srgbClr val="FFFFFF"/>
+                </a:highlight>
+                <a:latin typeface="Courier New" panose="02070309020205020404" pitchFamily="49" charset="0"/>
+              </a:rPr>
+              <a:t>ProvidedPort</a:t>
+            </a:r>
+            <a:r>
+              <a:rPr lang="fr-FR" sz="1200" b="1" smtClean="0">
+                <a:solidFill>
+                  <a:srgbClr val="000080"/>
+                </a:solidFill>
+                <a:highlight>
+                  <a:srgbClr val="FFFFFF"/>
+                </a:highlight>
+                <a:latin typeface="Courier New" panose="02070309020205020404" pitchFamily="49" charset="0"/>
+              </a:rPr>
+              <a:t>&lt;</a:t>
+            </a:r>
+            <a:r>
+              <a:rPr lang="fr-FR" sz="1200" b="0" smtClean="0">
+                <a:solidFill>
+                  <a:srgbClr val="000000"/>
+                </a:solidFill>
+                <a:highlight>
+                  <a:srgbClr val="FFFFFF"/>
+                </a:highlight>
+                <a:latin typeface="Courier New" panose="02070309020205020404" pitchFamily="49" charset="0"/>
+              </a:rPr>
+              <a:t>IPush</a:t>
+            </a:r>
+            <a:r>
+              <a:rPr lang="fr-FR" sz="1200" b="1" smtClean="0">
+                <a:solidFill>
+                  <a:srgbClr val="000080"/>
+                </a:solidFill>
+                <a:highlight>
+                  <a:srgbClr val="FFFFFF"/>
+                </a:highlight>
+                <a:latin typeface="Courier New" panose="02070309020205020404" pitchFamily="49" charset="0"/>
+              </a:rPr>
+              <a:t>&gt;</a:t>
+            </a:r>
+            <a:r>
+              <a:rPr lang="fr-FR" sz="1200" b="0" smtClean="0">
+                <a:solidFill>
+                  <a:srgbClr val="000000"/>
+                </a:solidFill>
+                <a:highlight>
+                  <a:srgbClr val="FFFFFF"/>
+                </a:highlight>
+                <a:latin typeface="Courier New" panose="02070309020205020404" pitchFamily="49" charset="0"/>
+              </a:rPr>
+              <a:t> pPush</a:t>
+            </a:r>
+            <a:r>
+              <a:rPr lang="fr-FR" sz="1200" b="1" smtClean="0">
+                <a:solidFill>
+                  <a:srgbClr val="000080"/>
+                </a:solidFill>
+                <a:highlight>
+                  <a:srgbClr val="FFFFFF"/>
+                </a:highlight>
+                <a:latin typeface="Courier New" panose="02070309020205020404" pitchFamily="49" charset="0"/>
+              </a:rPr>
+              <a:t>;</a:t>
             </a:r>
             <a:endParaRPr lang="fr-FR" sz="1200" b="0" smtClean="0">
               <a:solidFill>
@@ -6201,7 +6443,19 @@
               <a:buAutoNum type="arabicPeriod"/>
             </a:pPr>
             <a:r>
-              <a:rPr lang="en-US" sz="1200" b="1" smtClean="0">
+              <a:rPr lang="fr-FR" sz="1200" b="0" smtClean="0">
+                <a:solidFill>
+                  <a:srgbClr val="000000"/>
+                </a:solidFill>
+                <a:highlight>
+                  <a:srgbClr val="FFFFFF"/>
+                </a:highlight>
+                <a:latin typeface="Courier New" panose="02070309020205020404" pitchFamily="49" charset="0"/>
+              </a:rPr>
+              <a:t>  </a:t>
+            </a:r>
+            <a:r>
+              <a:rPr lang="fr-FR" sz="1200" b="1" smtClean="0">
                 <a:solidFill>
                   <a:schemeClr val="tx1">
                     <a:lumMod val="85000"/>
@@ -6213,138 +6467,69 @@
                 </a:highlight>
                 <a:latin typeface="Courier New" panose="02070309020205020404" pitchFamily="49" charset="0"/>
               </a:rPr>
-              <a:t>class</a:t>
-            </a:r>
-            <a:r>
-              <a:rPr lang="en-US" sz="1200" b="0" smtClean="0">
-                <a:solidFill>
-                  <a:schemeClr val="tx1">
-                    <a:lumMod val="85000"/>
-                    <a:lumOff val="15000"/>
-                  </a:schemeClr>
-                </a:solidFill>
-                <a:highlight>
-                  <a:srgbClr val="FFFFFF"/>
-                </a:highlight>
-                <a:latin typeface="Courier New" panose="02070309020205020404" pitchFamily="49" charset="0"/>
-              </a:rPr>
-              <a:t> </a:t>
-            </a:r>
-            <a:r>
-              <a:rPr lang="en-US" sz="1200" b="0" smtClean="0">
-                <a:solidFill>
-                  <a:srgbClr val="000000"/>
-                </a:solidFill>
-                <a:highlight>
-                  <a:srgbClr val="FFFFFF"/>
-                </a:highlight>
-                <a:latin typeface="Courier New" panose="02070309020205020404" pitchFamily="49" charset="0"/>
-              </a:rPr>
-              <a:t>FIFO </a:t>
-            </a:r>
-            <a:r>
-              <a:rPr lang="en-US" sz="1200" b="1" smtClean="0">
-                <a:solidFill>
-                  <a:srgbClr val="000080"/>
-                </a:solidFill>
-                <a:highlight>
-                  <a:srgbClr val="FFFFFF"/>
-                </a:highlight>
-                <a:latin typeface="Courier New" panose="02070309020205020404" pitchFamily="49" charset="0"/>
-              </a:rPr>
-              <a:t>:</a:t>
-            </a:r>
-            <a:r>
-              <a:rPr lang="en-US" sz="1200" b="0" smtClean="0">
-                <a:solidFill>
-                  <a:srgbClr val="000000"/>
-                </a:solidFill>
-                <a:highlight>
-                  <a:srgbClr val="FFFFFF"/>
-                </a:highlight>
-                <a:latin typeface="Courier New" panose="02070309020205020404" pitchFamily="49" charset="0"/>
-              </a:rPr>
-              <a:t> </a:t>
-            </a:r>
-            <a:r>
-              <a:rPr lang="en-US" sz="1200" b="1" smtClean="0">
-                <a:solidFill>
-                  <a:schemeClr val="tx1">
-                    <a:lumMod val="85000"/>
-                    <a:lumOff val="15000"/>
-                  </a:schemeClr>
-                </a:solidFill>
-                <a:highlight>
-                  <a:srgbClr val="FFFFFF"/>
-                </a:highlight>
-                <a:latin typeface="Courier New" panose="02070309020205020404" pitchFamily="49" charset="0"/>
-              </a:rPr>
-              <a:t>public</a:t>
-            </a:r>
-            <a:r>
-              <a:rPr lang="en-US" sz="1200" b="0" smtClean="0">
-                <a:solidFill>
-                  <a:schemeClr val="tx1">
-                    <a:lumMod val="85000"/>
-                    <a:lumOff val="15000"/>
-                  </a:schemeClr>
-                </a:solidFill>
-                <a:highlight>
-                  <a:srgbClr val="FFFFFF"/>
-                </a:highlight>
-                <a:latin typeface="Courier New" panose="02070309020205020404" pitchFamily="49" charset="0"/>
-              </a:rPr>
-              <a:t> </a:t>
-            </a:r>
-            <a:r>
-              <a:rPr lang="en-US" sz="1200" b="0" smtClean="0">
-                <a:solidFill>
-                  <a:srgbClr val="000000"/>
-                </a:solidFill>
-                <a:highlight>
-                  <a:srgbClr val="FFFFFF"/>
-                </a:highlight>
-                <a:latin typeface="Courier New" panose="02070309020205020404" pitchFamily="49" charset="0"/>
-              </a:rPr>
-              <a:t>IPush</a:t>
-            </a:r>
-            <a:r>
-              <a:rPr lang="en-US" sz="1200" b="1" smtClean="0">
-                <a:solidFill>
-                  <a:srgbClr val="000080"/>
-                </a:solidFill>
-                <a:highlight>
-                  <a:srgbClr val="FFFFFF"/>
-                </a:highlight>
-                <a:latin typeface="Courier New" panose="02070309020205020404" pitchFamily="49" charset="0"/>
-              </a:rPr>
-              <a:t>,</a:t>
-            </a:r>
-            <a:r>
-              <a:rPr lang="en-US" sz="1200" b="0" smtClean="0">
-                <a:solidFill>
-                  <a:srgbClr val="000000"/>
-                </a:solidFill>
-                <a:highlight>
-                  <a:srgbClr val="FFFFFF"/>
-                </a:highlight>
-                <a:latin typeface="Courier New" panose="02070309020205020404" pitchFamily="49" charset="0"/>
-              </a:rPr>
-              <a:t> IPull </a:t>
-            </a:r>
-            <a:r>
-              <a:rPr lang="en-US" sz="1200" b="1" smtClean="0">
-                <a:solidFill>
-                  <a:srgbClr val="000080"/>
-                </a:solidFill>
-                <a:highlight>
-                  <a:srgbClr val="FFFFFF"/>
-                </a:highlight>
-                <a:latin typeface="Courier New" panose="02070309020205020404" pitchFamily="49" charset="0"/>
-              </a:rPr>
-              <a:t>{</a:t>
-            </a:r>
-            <a:endParaRPr lang="en-US" sz="1200" b="0" smtClean="0">
+              <a:t>ProvidedPort</a:t>
+            </a:r>
+            <a:r>
+              <a:rPr lang="fr-FR" sz="1200" b="1" smtClean="0">
+                <a:solidFill>
+                  <a:srgbClr val="000080"/>
+                </a:solidFill>
+                <a:highlight>
+                  <a:srgbClr val="FFFFFF"/>
+                </a:highlight>
+                <a:latin typeface="Courier New" panose="02070309020205020404" pitchFamily="49" charset="0"/>
+              </a:rPr>
+              <a:t>&lt;</a:t>
+            </a:r>
+            <a:r>
+              <a:rPr lang="fr-FR" sz="1200" b="0" smtClean="0">
+                <a:solidFill>
+                  <a:srgbClr val="000000"/>
+                </a:solidFill>
+                <a:highlight>
+                  <a:srgbClr val="FFFFFF"/>
+                </a:highlight>
+                <a:latin typeface="Courier New" panose="02070309020205020404" pitchFamily="49" charset="0"/>
+              </a:rPr>
+              <a:t>IPull</a:t>
+            </a:r>
+            <a:r>
+              <a:rPr lang="fr-FR" sz="1200" b="1" smtClean="0">
+                <a:solidFill>
+                  <a:srgbClr val="000080"/>
+                </a:solidFill>
+                <a:highlight>
+                  <a:srgbClr val="FFFFFF"/>
+                </a:highlight>
+                <a:latin typeface="Courier New" panose="02070309020205020404" pitchFamily="49" charset="0"/>
+              </a:rPr>
+              <a:t>&gt;</a:t>
+            </a:r>
+            <a:r>
+              <a:rPr lang="fr-FR" sz="1200" b="0" smtClean="0">
+                <a:solidFill>
+                  <a:srgbClr val="000000"/>
+                </a:solidFill>
+                <a:highlight>
+                  <a:srgbClr val="FFFFFF"/>
+                </a:highlight>
+                <a:latin typeface="Courier New" panose="02070309020205020404" pitchFamily="49" charset="0"/>
+              </a:rPr>
+              <a:t> pPull</a:t>
+            </a:r>
+            <a:r>
+              <a:rPr lang="fr-FR" sz="1200" b="1" smtClean="0">
+                <a:solidFill>
+                  <a:srgbClr val="000080"/>
+                </a:solidFill>
+                <a:highlight>
+                  <a:srgbClr val="FFFFFF"/>
+                </a:highlight>
+                <a:latin typeface="Courier New" panose="02070309020205020404" pitchFamily="49" charset="0"/>
+              </a:rPr>
+              <a:t>;</a:t>
+            </a:r>
+            <a:endParaRPr lang="fr-FR" sz="1200" b="0" smtClean="0">
               <a:solidFill>
                 <a:srgbClr val="000000"/>
               </a:solidFill>
@@ -6366,33 +6551,6 @@
               <a:buAutoNum type="arabicPeriod"/>
             </a:pPr>
             <a:r>
-              <a:rPr lang="fr-FR" sz="1200" b="1" smtClean="0">
-                <a:solidFill>
-                  <a:schemeClr val="tx1">
-                    <a:lumMod val="85000"/>
-                    <a:lumOff val="15000"/>
-                  </a:schemeClr>
-                </a:solidFill>
-                <a:highlight>
-                  <a:srgbClr val="FFFFFF"/>
-                </a:highlight>
-                <a:latin typeface="Courier New" panose="02070309020205020404" pitchFamily="49" charset="0"/>
-              </a:rPr>
-              <a:t>public</a:t>
-            </a:r>
-            <a:r>
-              <a:rPr lang="fr-FR" sz="1200" b="1" smtClean="0">
-                <a:solidFill>
-                  <a:srgbClr val="000080"/>
-                </a:solidFill>
-                <a:highlight>
-                  <a:srgbClr val="FFFFFF"/>
-                </a:highlight>
-                <a:latin typeface="Courier New" panose="02070309020205020404" pitchFamily="49" charset="0"/>
-              </a:rPr>
-              <a:t>:</a:t>
-            </a:r>
-            <a:r>
               <a:rPr lang="fr-FR" sz="1200" b="0" smtClean="0">
                 <a:solidFill>
                   <a:srgbClr val="000000"/>
@@ -6402,8 +6560,77 @@
                 </a:highlight>
                 <a:latin typeface="Courier New" panose="02070309020205020404" pitchFamily="49" charset="0"/>
               </a:rPr>
-              <a:t>	</a:t>
-            </a:r>
+              <a:t>  Data</a:t>
+            </a:r>
+            <a:r>
+              <a:rPr lang="fr-FR" sz="1200" b="1" smtClean="0">
+                <a:solidFill>
+                  <a:srgbClr val="000080"/>
+                </a:solidFill>
+                <a:highlight>
+                  <a:srgbClr val="FFFFFF"/>
+                </a:highlight>
+                <a:latin typeface="Courier New" panose="02070309020205020404" pitchFamily="49" charset="0"/>
+              </a:rPr>
+              <a:t>*</a:t>
+            </a:r>
+            <a:r>
+              <a:rPr lang="fr-FR" sz="1200" b="0" smtClean="0">
+                <a:solidFill>
+                  <a:srgbClr val="000000"/>
+                </a:solidFill>
+                <a:highlight>
+                  <a:srgbClr val="FFFFFF"/>
+                </a:highlight>
+                <a:latin typeface="Courier New" panose="02070309020205020404" pitchFamily="49" charset="0"/>
+              </a:rPr>
+              <a:t> pull</a:t>
+            </a:r>
+            <a:r>
+              <a:rPr lang="fr-FR" sz="1200" b="1" smtClean="0">
+                <a:solidFill>
+                  <a:srgbClr val="000080"/>
+                </a:solidFill>
+                <a:highlight>
+                  <a:srgbClr val="FFFFFF"/>
+                </a:highlight>
+                <a:latin typeface="Courier New" panose="02070309020205020404" pitchFamily="49" charset="0"/>
+              </a:rPr>
+              <a:t>(){</a:t>
+            </a:r>
+            <a:r>
+              <a:rPr lang="fr-FR" sz="1200" b="0" smtClean="0">
+                <a:solidFill>
+                  <a:srgbClr val="008000"/>
+                </a:solidFill>
+                <a:highlight>
+                  <a:srgbClr val="FFFFFF"/>
+                </a:highlight>
+                <a:latin typeface="Courier New" panose="02070309020205020404" pitchFamily="49" charset="0"/>
+              </a:rPr>
+              <a:t>//fine-grained code</a:t>
+            </a:r>
+            <a:r>
+              <a:rPr lang="fr-FR" sz="1200" b="1" smtClean="0">
+                <a:solidFill>
+                  <a:srgbClr val="000080"/>
+                </a:solidFill>
+                <a:highlight>
+                  <a:srgbClr val="FFFFFF"/>
+                </a:highlight>
+                <a:latin typeface="Courier New" panose="02070309020205020404" pitchFamily="49" charset="0"/>
+              </a:rPr>
+              <a:t>}</a:t>
+            </a:r>
+            <a:endParaRPr lang="fr-FR" sz="1200" b="0" smtClean="0">
+              <a:solidFill>
+                <a:srgbClr val="000000"/>
+              </a:solidFill>
+              <a:highlight>
+                <a:srgbClr val="FFFFFF"/>
+              </a:highlight>
+              <a:latin typeface="Courier New" panose="02070309020205020404" pitchFamily="49" charset="0"/>
+            </a:endParaRPr>
           </a:p>
           <a:p>
             <a:pPr marL="228600" indent="-228600">
@@ -6419,7 +6646,7 @@
             <a:r>
               <a:rPr lang="fr-FR" sz="1200" b="0" smtClean="0">
                 <a:solidFill>
-                  <a:srgbClr val="000000"/>
+                  <a:srgbClr val="8000FF"/>
                 </a:solidFill>
                 <a:highlight>
                   <a:srgbClr val="FFFFFF"/>
@@ -6441,43 +6668,22 @@
                 </a:highlight>
                 <a:latin typeface="Courier New" panose="02070309020205020404" pitchFamily="49" charset="0"/>
               </a:rPr>
-              <a:t>ProvidedPort</a:t>
-            </a:r>
-            <a:r>
-              <a:rPr lang="fr-FR" sz="1200" b="1" smtClean="0">
-                <a:solidFill>
-                  <a:srgbClr val="000080"/>
-                </a:solidFill>
-                <a:highlight>
-                  <a:srgbClr val="FFFFFF"/>
-                </a:highlight>
-                <a:latin typeface="Courier New" panose="02070309020205020404" pitchFamily="49" charset="0"/>
-              </a:rPr>
-              <a:t>&lt;</a:t>
+              <a:t>void</a:t>
             </a:r>
             <a:r>
               <a:rPr lang="fr-FR" sz="1200" b="0" smtClean="0">
                 <a:solidFill>
-                  <a:srgbClr val="000000"/>
-                </a:solidFill>
-                <a:highlight>
-                  <a:srgbClr val="FFFFFF"/>
-                </a:highlight>
-                <a:latin typeface="Courier New" panose="02070309020205020404" pitchFamily="49" charset="0"/>
-              </a:rPr>
-              <a:t>IPush</a:t>
-            </a:r>
-            <a:r>
-              <a:rPr lang="fr-FR" sz="1200" b="1" smtClean="0">
-                <a:solidFill>
-                  <a:srgbClr val="000080"/>
-                </a:solidFill>
-                <a:highlight>
-                  <a:srgbClr val="FFFFFF"/>
-                </a:highlight>
-                <a:latin typeface="Courier New" panose="02070309020205020404" pitchFamily="49" charset="0"/>
-              </a:rPr>
-              <a:t>&gt;</a:t>
+                  <a:schemeClr val="tx1">
+                    <a:lumMod val="85000"/>
+                    <a:lumOff val="15000"/>
+                  </a:schemeClr>
+                </a:solidFill>
+                <a:highlight>
+                  <a:srgbClr val="FFFFFF"/>
+                </a:highlight>
+                <a:latin typeface="Courier New" panose="02070309020205020404" pitchFamily="49" charset="0"/>
+              </a:rPr>
+              <a:t> </a:t>
             </a:r>
             <a:r>
               <a:rPr lang="fr-FR" sz="1200" b="0" smtClean="0">
@@ -6489,7 +6695,19 @@
                 </a:highlight>
                 <a:latin typeface="Courier New" panose="02070309020205020404" pitchFamily="49" charset="0"/>
               </a:rPr>
-              <a:t> </a:t>
+              <a:t>push</a:t>
+            </a:r>
+            <a:r>
+              <a:rPr lang="fr-FR" sz="1200" b="1" smtClean="0">
+                <a:solidFill>
+                  <a:srgbClr val="000080"/>
+                </a:solidFill>
+                <a:highlight>
+                  <a:srgbClr val="FFFFFF"/>
+                </a:highlight>
+                <a:latin typeface="Courier New" panose="02070309020205020404" pitchFamily="49" charset="0"/>
+              </a:rPr>
+              <a:t>(</a:t>
             </a:r>
             <a:r>
               <a:rPr lang="fr-FR" sz="1200" b="0" smtClean="0">
@@ -6501,19 +6719,67 @@
                 </a:highlight>
                 <a:latin typeface="Courier New" panose="02070309020205020404" pitchFamily="49" charset="0"/>
               </a:rPr>
-              <a:t>pPush</a:t>
-            </a:r>
-            <a:r>
-              <a:rPr lang="fr-FR" sz="1200" b="1" smtClean="0">
-                <a:solidFill>
-                  <a:srgbClr val="000080"/>
-                </a:solidFill>
-                <a:highlight>
-                  <a:srgbClr val="FFFFFF"/>
-                </a:highlight>
-                <a:latin typeface="Courier New" panose="02070309020205020404" pitchFamily="49" charset="0"/>
-              </a:rPr>
-              <a:t>;</a:t>
+              <a:t>Data</a:t>
+            </a:r>
+            <a:r>
+              <a:rPr lang="fr-FR" sz="1200" b="1" smtClean="0">
+                <a:solidFill>
+                  <a:srgbClr val="000080"/>
+                </a:solidFill>
+                <a:highlight>
+                  <a:srgbClr val="FFFFFF"/>
+                </a:highlight>
+                <a:latin typeface="Courier New" panose="02070309020205020404" pitchFamily="49" charset="0"/>
+              </a:rPr>
+              <a:t>&amp;</a:t>
+            </a:r>
+            <a:r>
+              <a:rPr lang="fr-FR" sz="1200" b="0" smtClean="0">
+                <a:solidFill>
+                  <a:srgbClr val="000000"/>
+                </a:solidFill>
+                <a:highlight>
+                  <a:srgbClr val="FFFFFF"/>
+                </a:highlight>
+                <a:latin typeface="Courier New" panose="02070309020205020404" pitchFamily="49" charset="0"/>
+              </a:rPr>
+              <a:t> data</a:t>
+            </a:r>
+            <a:r>
+              <a:rPr lang="fr-FR" sz="1200" b="1" smtClean="0">
+                <a:solidFill>
+                  <a:srgbClr val="000080"/>
+                </a:solidFill>
+                <a:highlight>
+                  <a:srgbClr val="FFFFFF"/>
+                </a:highlight>
+                <a:latin typeface="Courier New" panose="02070309020205020404" pitchFamily="49" charset="0"/>
+              </a:rPr>
+              <a:t>){</a:t>
+            </a:r>
+            <a:r>
+              <a:rPr lang="fr-FR" sz="1200" b="0" smtClean="0">
+                <a:solidFill>
+                  <a:srgbClr val="008000"/>
+                </a:solidFill>
+                <a:highlight>
+                  <a:srgbClr val="FFFFFF"/>
+                </a:highlight>
+                <a:latin typeface="Courier New" panose="02070309020205020404" pitchFamily="49" charset="0"/>
+              </a:rPr>
+              <a:t>//..</a:t>
+            </a:r>
+            <a:r>
+              <a:rPr lang="fr-FR" sz="1200" b="1" smtClean="0">
+                <a:solidFill>
+                  <a:srgbClr val="000080"/>
+                </a:solidFill>
+                <a:highlight>
+                  <a:srgbClr val="FFFFFF"/>
+                </a:highlight>
+                <a:latin typeface="Courier New" panose="02070309020205020404" pitchFamily="49" charset="0"/>
+              </a:rPr>
+              <a:t>}</a:t>
             </a:r>
             <a:endParaRPr lang="fr-FR" sz="1200" b="0" smtClean="0">
               <a:solidFill>
@@ -6539,378 +6805,6 @@
             <a:r>
               <a:rPr lang="fr-FR" sz="1200" b="0" smtClean="0">
                 <a:solidFill>
-                  <a:srgbClr val="000000"/>
-                </a:solidFill>
-                <a:highlight>
-                  <a:srgbClr val="FFFFFF"/>
-                </a:highlight>
-                <a:latin typeface="Courier New" panose="02070309020205020404" pitchFamily="49" charset="0"/>
-              </a:rPr>
-              <a:t>  </a:t>
-            </a:r>
-            <a:r>
-              <a:rPr lang="fr-FR" sz="1200" b="1" smtClean="0">
-                <a:solidFill>
-                  <a:schemeClr val="tx1">
-                    <a:lumMod val="85000"/>
-                    <a:lumOff val="15000"/>
-                  </a:schemeClr>
-                </a:solidFill>
-                <a:highlight>
-                  <a:srgbClr val="FFFFFF"/>
-                </a:highlight>
-                <a:latin typeface="Courier New" panose="02070309020205020404" pitchFamily="49" charset="0"/>
-              </a:rPr>
-              <a:t>ProvidedPort</a:t>
-            </a:r>
-            <a:r>
-              <a:rPr lang="fr-FR" sz="1200" b="1" smtClean="0">
-                <a:solidFill>
-                  <a:srgbClr val="000080"/>
-                </a:solidFill>
-                <a:highlight>
-                  <a:srgbClr val="FFFFFF"/>
-                </a:highlight>
-                <a:latin typeface="Courier New" panose="02070309020205020404" pitchFamily="49" charset="0"/>
-              </a:rPr>
-              <a:t>&lt;</a:t>
-            </a:r>
-            <a:r>
-              <a:rPr lang="fr-FR" sz="1200" b="0" smtClean="0">
-                <a:solidFill>
-                  <a:srgbClr val="000000"/>
-                </a:solidFill>
-                <a:highlight>
-                  <a:srgbClr val="FFFFFF"/>
-                </a:highlight>
-                <a:latin typeface="Courier New" panose="02070309020205020404" pitchFamily="49" charset="0"/>
-              </a:rPr>
-              <a:t>IPull</a:t>
-            </a:r>
-            <a:r>
-              <a:rPr lang="fr-FR" sz="1200" b="1" smtClean="0">
-                <a:solidFill>
-                  <a:srgbClr val="000080"/>
-                </a:solidFill>
-                <a:highlight>
-                  <a:srgbClr val="FFFFFF"/>
-                </a:highlight>
-                <a:latin typeface="Courier New" panose="02070309020205020404" pitchFamily="49" charset="0"/>
-              </a:rPr>
-              <a:t>&gt;</a:t>
-            </a:r>
-            <a:r>
-              <a:rPr lang="fr-FR" sz="1200" b="0" smtClean="0">
-                <a:solidFill>
-                  <a:srgbClr val="000000"/>
-                </a:solidFill>
-                <a:highlight>
-                  <a:srgbClr val="FFFFFF"/>
-                </a:highlight>
-                <a:latin typeface="Courier New" panose="02070309020205020404" pitchFamily="49" charset="0"/>
-              </a:rPr>
-              <a:t> </a:t>
-            </a:r>
-            <a:r>
-              <a:rPr lang="fr-FR" sz="1200" b="0" smtClean="0">
-                <a:solidFill>
-                  <a:srgbClr val="000000"/>
-                </a:solidFill>
-                <a:highlight>
-                  <a:srgbClr val="FFFFFF"/>
-                </a:highlight>
-                <a:latin typeface="Courier New" panose="02070309020205020404" pitchFamily="49" charset="0"/>
-              </a:rPr>
-              <a:t>pPull</a:t>
-            </a:r>
-            <a:r>
-              <a:rPr lang="fr-FR" sz="1200" b="1" smtClean="0">
-                <a:solidFill>
-                  <a:srgbClr val="000080"/>
-                </a:solidFill>
-                <a:highlight>
-                  <a:srgbClr val="FFFFFF"/>
-                </a:highlight>
-                <a:latin typeface="Courier New" panose="02070309020205020404" pitchFamily="49" charset="0"/>
-              </a:rPr>
-              <a:t>;</a:t>
-            </a:r>
-            <a:endParaRPr lang="fr-FR" sz="1200" b="0" smtClean="0">
-              <a:solidFill>
-                <a:srgbClr val="000000"/>
-              </a:solidFill>
-              <a:highlight>
-                <a:srgbClr val="FFFFFF"/>
-              </a:highlight>
-              <a:latin typeface="Courier New" panose="02070309020205020404" pitchFamily="49" charset="0"/>
-            </a:endParaRPr>
-          </a:p>
-          <a:p>
-            <a:pPr marL="228600" indent="-228600">
-              <a:lnSpc>
-                <a:spcPts val="1100"/>
-              </a:lnSpc>
-              <a:buClr>
-                <a:srgbClr val="00B0F0"/>
-              </a:buClr>
-              <a:buFont typeface="+mj-lt"/>
-              <a:buAutoNum type="arabicPeriod"/>
-            </a:pPr>
-            <a:r>
-              <a:rPr lang="fr-FR" sz="1200" b="0" smtClean="0">
-                <a:solidFill>
-                  <a:srgbClr val="000000"/>
-                </a:solidFill>
-                <a:highlight>
-                  <a:srgbClr val="FFFFFF"/>
-                </a:highlight>
-                <a:latin typeface="Courier New" panose="02070309020205020404" pitchFamily="49" charset="0"/>
-              </a:rPr>
-              <a:t>  Data</a:t>
-            </a:r>
-            <a:r>
-              <a:rPr lang="fr-FR" sz="1200" b="1" smtClean="0">
-                <a:solidFill>
-                  <a:srgbClr val="000080"/>
-                </a:solidFill>
-                <a:highlight>
-                  <a:srgbClr val="FFFFFF"/>
-                </a:highlight>
-                <a:latin typeface="Courier New" panose="02070309020205020404" pitchFamily="49" charset="0"/>
-              </a:rPr>
-              <a:t>*</a:t>
-            </a:r>
-            <a:r>
-              <a:rPr lang="fr-FR" sz="1200" b="0" smtClean="0">
-                <a:solidFill>
-                  <a:srgbClr val="000000"/>
-                </a:solidFill>
-                <a:highlight>
-                  <a:srgbClr val="FFFFFF"/>
-                </a:highlight>
-                <a:latin typeface="Courier New" panose="02070309020205020404" pitchFamily="49" charset="0"/>
-              </a:rPr>
-              <a:t> pull</a:t>
-            </a:r>
-            <a:r>
-              <a:rPr lang="fr-FR" sz="1200" b="1" smtClean="0">
-                <a:solidFill>
-                  <a:srgbClr val="000080"/>
-                </a:solidFill>
-                <a:highlight>
-                  <a:srgbClr val="FFFFFF"/>
-                </a:highlight>
-                <a:latin typeface="Courier New" panose="02070309020205020404" pitchFamily="49" charset="0"/>
-              </a:rPr>
-              <a:t>(){</a:t>
-            </a:r>
-            <a:r>
-              <a:rPr lang="fr-FR" sz="1200" b="0" smtClean="0">
-                <a:solidFill>
-                  <a:srgbClr val="008000"/>
-                </a:solidFill>
-                <a:highlight>
-                  <a:srgbClr val="FFFFFF"/>
-                </a:highlight>
-                <a:latin typeface="Courier New" panose="02070309020205020404" pitchFamily="49" charset="0"/>
-              </a:rPr>
-              <a:t>//fine-grained code</a:t>
-            </a:r>
-            <a:r>
-              <a:rPr lang="fr-FR" sz="1200" b="1" smtClean="0">
-                <a:solidFill>
-                  <a:srgbClr val="000080"/>
-                </a:solidFill>
-                <a:highlight>
-                  <a:srgbClr val="FFFFFF"/>
-                </a:highlight>
-                <a:latin typeface="Courier New" panose="02070309020205020404" pitchFamily="49" charset="0"/>
-              </a:rPr>
-              <a:t>}</a:t>
-            </a:r>
-            <a:endParaRPr lang="fr-FR" sz="1200" b="0" smtClean="0">
-              <a:solidFill>
-                <a:srgbClr val="000000"/>
-              </a:solidFill>
-              <a:highlight>
-                <a:srgbClr val="FFFFFF"/>
-              </a:highlight>
-              <a:latin typeface="Courier New" panose="02070309020205020404" pitchFamily="49" charset="0"/>
-            </a:endParaRPr>
-          </a:p>
-          <a:p>
-            <a:pPr marL="228600" indent="-228600">
-              <a:lnSpc>
-                <a:spcPts val="1100"/>
-              </a:lnSpc>
-              <a:buClr>
-                <a:srgbClr val="00B0F0"/>
-              </a:buClr>
-              <a:buFont typeface="+mj-lt"/>
-              <a:buAutoNum type="arabicPeriod"/>
-            </a:pPr>
-            <a:r>
-              <a:rPr lang="fr-FR" sz="1200" b="0" smtClean="0">
-                <a:solidFill>
-                  <a:srgbClr val="8000FF"/>
-                </a:solidFill>
-                <a:highlight>
-                  <a:srgbClr val="FFFFFF"/>
-                </a:highlight>
-                <a:latin typeface="Courier New" panose="02070309020205020404" pitchFamily="49" charset="0"/>
-              </a:rPr>
-              <a:t>  </a:t>
-            </a:r>
-            <a:r>
-              <a:rPr lang="fr-FR" sz="1200" b="1" smtClean="0">
-                <a:solidFill>
-                  <a:schemeClr val="tx1">
-                    <a:lumMod val="85000"/>
-                    <a:lumOff val="15000"/>
-                  </a:schemeClr>
-                </a:solidFill>
-                <a:highlight>
-                  <a:srgbClr val="FFFFFF"/>
-                </a:highlight>
-                <a:latin typeface="Courier New" panose="02070309020205020404" pitchFamily="49" charset="0"/>
-              </a:rPr>
-              <a:t>void</a:t>
-            </a:r>
-            <a:r>
-              <a:rPr lang="fr-FR" sz="1200" b="0" smtClean="0">
-                <a:solidFill>
-                  <a:schemeClr val="tx1">
-                    <a:lumMod val="85000"/>
-                    <a:lumOff val="15000"/>
-                  </a:schemeClr>
-                </a:solidFill>
-                <a:highlight>
-                  <a:srgbClr val="FFFFFF"/>
-                </a:highlight>
-                <a:latin typeface="Courier New" panose="02070309020205020404" pitchFamily="49" charset="0"/>
-              </a:rPr>
-              <a:t> </a:t>
-            </a:r>
-            <a:r>
-              <a:rPr lang="fr-FR" sz="1200" b="0" smtClean="0">
-                <a:solidFill>
-                  <a:srgbClr val="000000"/>
-                </a:solidFill>
-                <a:highlight>
-                  <a:srgbClr val="FFFFFF"/>
-                </a:highlight>
-                <a:latin typeface="Courier New" panose="02070309020205020404" pitchFamily="49" charset="0"/>
-              </a:rPr>
-              <a:t>push</a:t>
-            </a:r>
-            <a:r>
-              <a:rPr lang="fr-FR" sz="1200" b="1" smtClean="0">
-                <a:solidFill>
-                  <a:srgbClr val="000080"/>
-                </a:solidFill>
-                <a:highlight>
-                  <a:srgbClr val="FFFFFF"/>
-                </a:highlight>
-                <a:latin typeface="Courier New" panose="02070309020205020404" pitchFamily="49" charset="0"/>
-              </a:rPr>
-              <a:t>(</a:t>
-            </a:r>
-            <a:r>
-              <a:rPr lang="fr-FR" sz="1200" b="0" smtClean="0">
-                <a:solidFill>
-                  <a:srgbClr val="000000"/>
-                </a:solidFill>
-                <a:highlight>
-                  <a:srgbClr val="FFFFFF"/>
-                </a:highlight>
-                <a:latin typeface="Courier New" panose="02070309020205020404" pitchFamily="49" charset="0"/>
-              </a:rPr>
-              <a:t>Data</a:t>
-            </a:r>
-            <a:r>
-              <a:rPr lang="fr-FR" sz="1200" b="1" smtClean="0">
-                <a:solidFill>
-                  <a:srgbClr val="000080"/>
-                </a:solidFill>
-                <a:highlight>
-                  <a:srgbClr val="FFFFFF"/>
-                </a:highlight>
-                <a:latin typeface="Courier New" panose="02070309020205020404" pitchFamily="49" charset="0"/>
-              </a:rPr>
-              <a:t>&amp;</a:t>
-            </a:r>
-            <a:r>
-              <a:rPr lang="fr-FR" sz="1200" b="0" smtClean="0">
-                <a:solidFill>
-                  <a:srgbClr val="000000"/>
-                </a:solidFill>
-                <a:highlight>
-                  <a:srgbClr val="FFFFFF"/>
-                </a:highlight>
-                <a:latin typeface="Courier New" panose="02070309020205020404" pitchFamily="49" charset="0"/>
-              </a:rPr>
-              <a:t> data</a:t>
-            </a:r>
-            <a:r>
-              <a:rPr lang="fr-FR" sz="1200" b="1" smtClean="0">
-                <a:solidFill>
-                  <a:srgbClr val="000080"/>
-                </a:solidFill>
-                <a:highlight>
-                  <a:srgbClr val="FFFFFF"/>
-                </a:highlight>
-                <a:latin typeface="Courier New" panose="02070309020205020404" pitchFamily="49" charset="0"/>
-              </a:rPr>
-              <a:t>){</a:t>
-            </a:r>
-            <a:r>
-              <a:rPr lang="fr-FR" sz="1200" b="0" smtClean="0">
-                <a:solidFill>
-                  <a:srgbClr val="008000"/>
-                </a:solidFill>
-                <a:highlight>
-                  <a:srgbClr val="FFFFFF"/>
-                </a:highlight>
-                <a:latin typeface="Courier New" panose="02070309020205020404" pitchFamily="49" charset="0"/>
-              </a:rPr>
-              <a:t>//..</a:t>
-            </a:r>
-            <a:r>
-              <a:rPr lang="fr-FR" sz="1200" b="1" smtClean="0">
-                <a:solidFill>
-                  <a:srgbClr val="000080"/>
-                </a:solidFill>
-                <a:highlight>
-                  <a:srgbClr val="FFFFFF"/>
-                </a:highlight>
-                <a:latin typeface="Courier New" panose="02070309020205020404" pitchFamily="49" charset="0"/>
-              </a:rPr>
-              <a:t>}</a:t>
-            </a:r>
-            <a:endParaRPr lang="fr-FR" sz="1200" b="0" smtClean="0">
-              <a:solidFill>
-                <a:srgbClr val="000000"/>
-              </a:solidFill>
-              <a:highlight>
-                <a:srgbClr val="FFFFFF"/>
-              </a:highlight>
-              <a:latin typeface="Courier New" panose="02070309020205020404" pitchFamily="49" charset="0"/>
-            </a:endParaRPr>
-          </a:p>
-          <a:p>
-            <a:pPr marL="228600" indent="-228600">
-              <a:lnSpc>
-                <a:spcPts val="1100"/>
-              </a:lnSpc>
-              <a:buClr>
-                <a:srgbClr val="00B0F0"/>
-              </a:buClr>
-              <a:buFont typeface="+mj-lt"/>
-              <a:buAutoNum type="arabicPeriod"/>
-            </a:pPr>
-            <a:r>
-              <a:rPr lang="fr-FR" sz="1200" b="0" smtClean="0">
-                <a:solidFill>
                   <a:srgbClr val="8000FF"/>
                 </a:solidFill>
                 <a:highlight>
@@ -6952,8 +6846,8 @@
         </p:nvSpPr>
         <p:spPr>
           <a:xfrm>
-            <a:off x="7308686" y="0"/>
-            <a:ext cx="4883314" cy="4747453"/>
+            <a:off x="7317739" y="18106"/>
+            <a:ext cx="4883314" cy="4183196"/>
           </a:xfrm>
           <a:prstGeom prst="rect">
             <a:avLst/>
@@ -6974,7 +6868,7 @@
                 <a:srgbClr val="00B0F0"/>
               </a:buClr>
               <a:buFont typeface="+mj-lt"/>
-              <a:buAutoNum type="arabicPeriod" startAt="34"/>
+              <a:buAutoNum type="arabicPeriod" startAt="31"/>
             </a:pPr>
             <a:r>
               <a:rPr lang="fr-FR" sz="1200" b="1" smtClean="0">
@@ -7031,7 +6925,7 @@
                 <a:srgbClr val="00B0F0"/>
               </a:buClr>
               <a:buFont typeface="+mj-lt"/>
-              <a:buAutoNum type="arabicPeriod" startAt="34"/>
+              <a:buAutoNum type="arabicPeriod" startAt="31"/>
             </a:pPr>
             <a:r>
               <a:rPr lang="fr-FR" sz="1200">
@@ -7112,7 +7006,7 @@
                 <a:srgbClr val="00B0F0"/>
               </a:buClr>
               <a:buFont typeface="+mj-lt"/>
-              <a:buAutoNum type="arabicPeriod" startAt="34"/>
+              <a:buAutoNum type="arabicPeriod" startAt="31"/>
             </a:pPr>
             <a:r>
               <a:rPr lang="fr-FR" sz="1200">
@@ -7193,7 +7087,7 @@
                 <a:srgbClr val="00B0F0"/>
               </a:buClr>
               <a:buFont typeface="+mj-lt"/>
-              <a:buAutoNum type="arabicPeriod" startAt="34"/>
+              <a:buAutoNum type="arabicPeriod" startAt="31"/>
             </a:pPr>
             <a:r>
               <a:rPr lang="fr-FR" sz="1200" smtClean="0">
@@ -7262,7 +7156,7 @@
                 <a:srgbClr val="00B0F0"/>
               </a:buClr>
               <a:buFont typeface="+mj-lt"/>
-              <a:buAutoNum type="arabicPeriod" startAt="34"/>
+              <a:buAutoNum type="arabicPeriod" startAt="31"/>
             </a:pPr>
             <a:r>
               <a:rPr lang="fr-FR" sz="1200">
@@ -7343,7 +7237,7 @@
                 <a:srgbClr val="00B0F0"/>
               </a:buClr>
               <a:buFont typeface="+mj-lt"/>
-              <a:buAutoNum type="arabicPeriod" startAt="34"/>
+              <a:buAutoNum type="arabicPeriod" startAt="31"/>
             </a:pPr>
             <a:r>
               <a:rPr lang="fr-FR" sz="1200">
@@ -7400,10 +7294,22 @@
                 <a:srgbClr val="00B0F0"/>
               </a:buClr>
               <a:buFont typeface="+mj-lt"/>
-              <a:buAutoNum type="arabicPeriod" startAt="34"/>
+              <a:buAutoNum type="arabicPeriod" startAt="31"/>
             </a:pPr>
             <a:r>
-              <a:rPr lang="fr-FR" sz="1200">
+              <a:rPr lang="fr-FR" sz="1200" b="1" smtClean="0">
+                <a:solidFill>
+                  <a:srgbClr val="000000"/>
+                </a:solidFill>
+                <a:highlight>
+                  <a:srgbClr val="FFFFFF"/>
+                </a:highlight>
+                <a:latin typeface="Courier New" panose="02070309020205020404" pitchFamily="49" charset="0"/>
+              </a:rPr>
+              <a:t>  State</a:t>
+            </a:r>
+            <a:r>
+              <a:rPr lang="fr-FR" sz="1200" b="0" smtClean="0">
                 <a:solidFill>
                   <a:srgbClr val="000000"/>
                 </a:solidFill>
@@ -7415,30 +7321,6 @@
               <a:t> </a:t>
             </a:r>
             <a:r>
-              <a:rPr lang="fr-FR" sz="1200" smtClean="0">
-                <a:solidFill>
-                  <a:srgbClr val="000000"/>
-                </a:solidFill>
-                <a:highlight>
-                  <a:srgbClr val="FFFFFF"/>
-                </a:highlight>
-                <a:latin typeface="Courier New" panose="02070309020205020404" pitchFamily="49" charset="0"/>
-              </a:rPr>
-              <a:t> </a:t>
-            </a:r>
-            <a:r>
-              <a:rPr lang="fr-FR" sz="1200" b="1" smtClean="0">
-                <a:solidFill>
-                  <a:srgbClr val="000000"/>
-                </a:solidFill>
-                <a:highlight>
-                  <a:srgbClr val="FFFFFF"/>
-                </a:highlight>
-                <a:latin typeface="Courier New" panose="02070309020205020404" pitchFamily="49" charset="0"/>
-              </a:rPr>
-              <a:t>State</a:t>
-            </a:r>
-            <a:r>
               <a:rPr lang="fr-FR" sz="1200" b="0" smtClean="0">
                 <a:solidFill>
                   <a:srgbClr val="000000"/>
@@ -7448,7 +7330,7 @@
                 </a:highlight>
                 <a:latin typeface="Courier New" panose="02070309020205020404" pitchFamily="49" charset="0"/>
               </a:rPr>
-              <a:t> ErrorNotification </a:t>
+              <a:t>DataQueuing </a:t>
             </a:r>
             <a:r>
               <a:rPr lang="fr-FR" sz="1200" b="1" smtClean="0">
@@ -7481,7 +7363,7 @@
                 <a:srgbClr val="00B0F0"/>
               </a:buClr>
               <a:buFont typeface="+mj-lt"/>
-              <a:buAutoNum type="arabicPeriod" startAt="34"/>
+              <a:buAutoNum type="arabicPeriod" startAt="31"/>
             </a:pPr>
             <a:r>
               <a:rPr lang="fr-FR" sz="1200">
@@ -7529,10 +7411,88 @@
                 </a:highlight>
                 <a:latin typeface="Courier New" panose="02070309020205020404" pitchFamily="49" charset="0"/>
               </a:rPr>
-              <a:t> entryError</a:t>
-            </a:r>
-            <a:r>
-              <a:rPr lang="fr-FR" sz="1200" b="1" smtClean="0">
+              <a:t> entryQueue</a:t>
+            </a:r>
+            <a:r>
+              <a:rPr lang="fr-FR" sz="1200" b="1" smtClean="0">
+                <a:solidFill>
+                  <a:srgbClr val="000080"/>
+                </a:solidFill>
+                <a:highlight>
+                  <a:srgbClr val="FFFFFF"/>
+                </a:highlight>
+                <a:latin typeface="Courier New" panose="02070309020205020404" pitchFamily="49" charset="0"/>
+              </a:rPr>
+              <a:t>;</a:t>
+            </a:r>
+          </a:p>
+          <a:p>
+            <a:pPr marL="48600" indent="-228600">
+              <a:lnSpc>
+                <a:spcPts val="1100"/>
+              </a:lnSpc>
+              <a:buClr>
+                <a:srgbClr val="00B0F0"/>
+              </a:buClr>
+              <a:buFont typeface="+mj-lt"/>
+              <a:buAutoNum type="arabicPeriod" startAt="31"/>
+            </a:pPr>
+            <a:r>
+              <a:rPr lang="en-US" sz="1200" b="1">
+                <a:solidFill>
+                  <a:srgbClr val="000080"/>
+                </a:solidFill>
+                <a:highlight>
+                  <a:srgbClr val="FFFFFF"/>
+                </a:highlight>
+                <a:latin typeface="Courier New" panose="02070309020205020404" pitchFamily="49" charset="0"/>
+              </a:rPr>
+              <a:t> </a:t>
+            </a:r>
+            <a:r>
+              <a:rPr lang="en-US" sz="1200" b="1" smtClean="0">
+                <a:solidFill>
+                  <a:srgbClr val="000080"/>
+                </a:solidFill>
+                <a:highlight>
+                  <a:srgbClr val="FFFFFF"/>
+                </a:highlight>
+                <a:latin typeface="Courier New" panose="02070309020205020404" pitchFamily="49" charset="0"/>
+              </a:rPr>
+              <a:t>   </a:t>
+            </a:r>
+            <a:r>
+              <a:rPr lang="en-US" sz="1200" b="1" smtClean="0">
+                <a:highlight>
+                  <a:srgbClr val="FFFFFF"/>
+                </a:highlight>
+                <a:latin typeface="Courier New" panose="02070309020205020404" pitchFamily="49" charset="0"/>
+              </a:rPr>
+              <a:t>State</a:t>
+            </a:r>
+            <a:r>
+              <a:rPr lang="en-US" sz="1200" b="1" smtClean="0">
+                <a:solidFill>
+                  <a:srgbClr val="000080"/>
+                </a:solidFill>
+                <a:highlight>
+                  <a:srgbClr val="FFFFFF"/>
+                </a:highlight>
+                <a:latin typeface="Courier New" panose="02070309020205020404" pitchFamily="49" charset="0"/>
+              </a:rPr>
+              <a:t> </a:t>
+            </a:r>
+            <a:r>
+              <a:rPr lang="en-US" sz="1200" smtClean="0">
+                <a:highlight>
+                  <a:srgbClr val="FFFFFF"/>
+                </a:highlight>
+                <a:latin typeface="Courier New" panose="02070309020205020404" pitchFamily="49" charset="0"/>
+              </a:rPr>
+              <a:t>Queuing</a:t>
+            </a:r>
+            <a:r>
+              <a:rPr lang="en-US" sz="1200" b="1" smtClean="0">
                 <a:solidFill>
                   <a:srgbClr val="000080"/>
                 </a:solidFill>
@@ -7562,43 +7522,19 @@
                 <a:srgbClr val="00B0F0"/>
               </a:buClr>
               <a:buFont typeface="+mj-lt"/>
-              <a:buAutoNum type="arabicPeriod" startAt="34"/>
+              <a:buAutoNum type="arabicPeriod" startAt="31"/>
             </a:pPr>
             <a:r>
-              <a:rPr lang="fr-FR" sz="1200">
-                <a:solidFill>
-                  <a:srgbClr val="000000"/>
-                </a:solidFill>
-                <a:highlight>
-                  <a:srgbClr val="FFFFFF"/>
-                </a:highlight>
-                <a:latin typeface="Courier New" panose="02070309020205020404" pitchFamily="49" charset="0"/>
-              </a:rPr>
-              <a:t> </a:t>
-            </a:r>
-            <a:r>
-              <a:rPr lang="fr-FR" sz="1200" smtClean="0">
-                <a:solidFill>
-                  <a:srgbClr val="000000"/>
-                </a:solidFill>
-                <a:highlight>
-                  <a:srgbClr val="FFFFFF"/>
-                </a:highlight>
-                <a:latin typeface="Courier New" panose="02070309020205020404" pitchFamily="49" charset="0"/>
-              </a:rPr>
-              <a:t> </a:t>
-            </a:r>
-            <a:r>
-              <a:rPr lang="fr-FR" sz="1200" b="1" smtClean="0">
-                <a:solidFill>
-                  <a:srgbClr val="000080"/>
-                </a:solidFill>
-                <a:highlight>
-                  <a:srgbClr val="FFFFFF"/>
-                </a:highlight>
-                <a:latin typeface="Courier New" panose="02070309020205020404" pitchFamily="49" charset="0"/>
-              </a:rPr>
-              <a:t>};</a:t>
+              <a:rPr lang="fr-FR" sz="1200" b="1" smtClean="0">
+                <a:solidFill>
+                  <a:srgbClr val="000080"/>
+                </a:solidFill>
+                <a:highlight>
+                  <a:srgbClr val="FFFFFF"/>
+                </a:highlight>
+                <a:latin typeface="Courier New" panose="02070309020205020404" pitchFamily="49" charset="0"/>
+              </a:rPr>
+              <a:t>  };</a:t>
             </a:r>
             <a:endParaRPr lang="fr-FR" sz="1200" b="0" smtClean="0">
               <a:solidFill>
@@ -7619,7 +7555,7 @@
                 <a:srgbClr val="00B0F0"/>
               </a:buClr>
               <a:buFont typeface="+mj-lt"/>
-              <a:buAutoNum type="arabicPeriod" startAt="34"/>
+              <a:buAutoNum type="arabicPeriod" startAt="31"/>
             </a:pPr>
             <a:r>
               <a:rPr lang="fr-FR" sz="1200">
@@ -7667,19 +7603,34 @@
                 </a:highlight>
                 <a:latin typeface="Courier New" panose="02070309020205020404" pitchFamily="49" charset="0"/>
               </a:rPr>
-              <a:t> DataQueuing </a:t>
-            </a:r>
-            <a:r>
-              <a:rPr lang="fr-FR" sz="1200" b="1" smtClean="0">
-                <a:solidFill>
-                  <a:srgbClr val="000080"/>
-                </a:solidFill>
-                <a:highlight>
-                  <a:srgbClr val="FFFFFF"/>
-                </a:highlight>
-                <a:latin typeface="Courier New" panose="02070309020205020404" pitchFamily="49" charset="0"/>
-              </a:rPr>
-              <a:t>{</a:t>
+              <a:t> </a:t>
+            </a:r>
+            <a:r>
+              <a:rPr lang="fr-FR" sz="1200" b="0" smtClean="0">
+                <a:solidFill>
+                  <a:schemeClr val="tx1">
+                    <a:lumMod val="75000"/>
+                    <a:lumOff val="25000"/>
+                  </a:schemeClr>
+                </a:solidFill>
+                <a:highlight>
+                  <a:srgbClr val="FFFFFF"/>
+                </a:highlight>
+                <a:latin typeface="Courier New" panose="02070309020205020404" pitchFamily="49" charset="0"/>
+              </a:rPr>
+              <a:t>Discarding</a:t>
+            </a:r>
+            <a:r>
+              <a:rPr lang="fr-FR" sz="1200" b="1" smtClean="0">
+                <a:solidFill>
+                  <a:srgbClr val="000080"/>
+                </a:solidFill>
+                <a:highlight>
+                  <a:srgbClr val="FFFFFF"/>
+                </a:highlight>
+                <a:latin typeface="Courier New" panose="02070309020205020404" pitchFamily="49" charset="0"/>
+              </a:rPr>
+              <a:t>;</a:t>
             </a:r>
             <a:endParaRPr lang="fr-FR" sz="1200" b="0" smtClean="0">
               <a:solidFill>
@@ -7700,7 +7651,7 @@
                 <a:srgbClr val="00B0F0"/>
               </a:buClr>
               <a:buFont typeface="+mj-lt"/>
-              <a:buAutoNum type="arabicPeriod" startAt="34"/>
+              <a:buAutoNum type="arabicPeriod" startAt="31"/>
             </a:pPr>
             <a:r>
               <a:rPr lang="fr-FR" sz="1200">
@@ -7724,19 +7675,19 @@
                 </a:highlight>
                 <a:latin typeface="Courier New" panose="02070309020205020404" pitchFamily="49" charset="0"/>
               </a:rPr>
-              <a:t>   </a:t>
-            </a:r>
-            <a:r>
-              <a:rPr lang="fr-FR" sz="1200" b="1" smtClean="0">
-                <a:solidFill>
-                  <a:srgbClr val="000000"/>
-                </a:solidFill>
-                <a:highlight>
-                  <a:srgbClr val="FFFFFF"/>
-                </a:highlight>
-                <a:latin typeface="Courier New" panose="02070309020205020404" pitchFamily="49" charset="0"/>
-              </a:rPr>
-              <a:t>StateEntry</a:t>
+              <a:t> </a:t>
+            </a:r>
+            <a:r>
+              <a:rPr lang="fr-FR" sz="1200" b="1" smtClean="0">
+                <a:solidFill>
+                  <a:srgbClr val="000000"/>
+                </a:solidFill>
+                <a:highlight>
+                  <a:srgbClr val="FFFFFF"/>
+                </a:highlight>
+                <a:latin typeface="Courier New" panose="02070309020205020404" pitchFamily="49" charset="0"/>
+              </a:rPr>
+              <a:t>PseudoChoice</a:t>
             </a:r>
             <a:r>
               <a:rPr lang="fr-FR" sz="1200" b="0" smtClean="0">
@@ -7748,7 +7699,7 @@
                 </a:highlight>
                 <a:latin typeface="Courier New" panose="02070309020205020404" pitchFamily="49" charset="0"/>
               </a:rPr>
-              <a:t> entryQueue</a:t>
+              <a:t> dataChoice</a:t>
             </a:r>
             <a:r>
               <a:rPr lang="fr-FR" sz="1200" b="1" smtClean="0">
@@ -7781,7 +7732,7 @@
                 <a:srgbClr val="00B0F0"/>
               </a:buClr>
               <a:buFont typeface="+mj-lt"/>
-              <a:buAutoNum type="arabicPeriod" startAt="34"/>
+              <a:buAutoNum type="arabicPeriod" startAt="31"/>
             </a:pPr>
             <a:r>
               <a:rPr lang="fr-FR" sz="1200">
@@ -7805,19 +7756,31 @@
                 </a:highlight>
                 <a:latin typeface="Courier New" panose="02070309020205020404" pitchFamily="49" charset="0"/>
               </a:rPr>
-              <a:t>   </a:t>
-            </a:r>
-            <a:r>
-              <a:rPr lang="fr-FR" sz="1200" b="1" smtClean="0">
-                <a:solidFill>
-                  <a:srgbClr val="000000"/>
-                </a:solidFill>
-                <a:highlight>
-                  <a:srgbClr val="FFFFFF"/>
-                </a:highlight>
-                <a:latin typeface="Courier New" panose="02070309020205020404" pitchFamily="49" charset="0"/>
-              </a:rPr>
-              <a:t>PseudoChoice</a:t>
+              <a:t> </a:t>
+            </a:r>
+            <a:r>
+              <a:rPr lang="fr-FR" sz="1200" b="1" smtClean="0">
+                <a:solidFill>
+                  <a:srgbClr val="000000"/>
+                </a:solidFill>
+                <a:highlight>
+                  <a:srgbClr val="FFFFFF"/>
+                </a:highlight>
+                <a:latin typeface="Courier New" panose="02070309020205020404" pitchFamily="49" charset="0"/>
+              </a:rPr>
+              <a:t>CallEvent</a:t>
+            </a:r>
+            <a:r>
+              <a:rPr lang="fr-FR" sz="1200" b="1" smtClean="0">
+                <a:solidFill>
+                  <a:srgbClr val="000080"/>
+                </a:solidFill>
+                <a:highlight>
+                  <a:srgbClr val="FFFFFF"/>
+                </a:highlight>
+                <a:latin typeface="Courier New" panose="02070309020205020404" pitchFamily="49" charset="0"/>
+              </a:rPr>
+              <a:t>(</a:t>
             </a:r>
             <a:r>
               <a:rPr lang="fr-FR" sz="1200" b="0" smtClean="0">
@@ -7829,19 +7792,43 @@
                 </a:highlight>
                 <a:latin typeface="Courier New" panose="02070309020205020404" pitchFamily="49" charset="0"/>
               </a:rPr>
-              <a:t> queueChoice</a:t>
-            </a:r>
-            <a:r>
-              <a:rPr lang="fr-FR" sz="1200" b="1" smtClean="0">
-                <a:solidFill>
-                  <a:srgbClr val="000080"/>
-                </a:solidFill>
-                <a:highlight>
-                  <a:srgbClr val="FFFFFF"/>
-                </a:highlight>
-                <a:latin typeface="Courier New" panose="02070309020205020404" pitchFamily="49" charset="0"/>
-              </a:rPr>
-              <a:t>;</a:t>
+              <a:t>DataPushEvent</a:t>
+            </a:r>
+            <a:r>
+              <a:rPr lang="fr-FR" sz="1200" b="1" smtClean="0">
+                <a:solidFill>
+                  <a:srgbClr val="000080"/>
+                </a:solidFill>
+                <a:highlight>
+                  <a:srgbClr val="FFFFFF"/>
+                </a:highlight>
+                <a:latin typeface="Courier New" panose="02070309020205020404" pitchFamily="49" charset="0"/>
+              </a:rPr>
+              <a:t>,</a:t>
+            </a:r>
+            <a:r>
+              <a:rPr lang="fr-FR" sz="1200" b="0" smtClean="0">
+                <a:solidFill>
+                  <a:srgbClr val="000000"/>
+                </a:solidFill>
+                <a:highlight>
+                  <a:srgbClr val="FFFFFF"/>
+                </a:highlight>
+                <a:latin typeface="Courier New" panose="02070309020205020404" pitchFamily="49" charset="0"/>
+              </a:rPr>
+              <a:t>push(Data&amp;)</a:t>
+            </a:r>
+            <a:r>
+              <a:rPr lang="fr-FR" sz="1200" b="1" smtClean="0">
+                <a:solidFill>
+                  <a:srgbClr val="000080"/>
+                </a:solidFill>
+                <a:highlight>
+                  <a:srgbClr val="FFFFFF"/>
+                </a:highlight>
+                <a:latin typeface="Courier New" panose="02070309020205020404" pitchFamily="49" charset="0"/>
+              </a:rPr>
+              <a:t>);</a:t>
             </a:r>
             <a:endParaRPr lang="fr-FR" sz="1200" b="0" smtClean="0">
               <a:solidFill>
@@ -7862,7 +7849,7 @@
                 <a:srgbClr val="00B0F0"/>
               </a:buClr>
               <a:buFont typeface="+mj-lt"/>
-              <a:buAutoNum type="arabicPeriod" startAt="34"/>
+              <a:buAutoNum type="arabicPeriod" startAt="31"/>
             </a:pPr>
             <a:r>
               <a:rPr lang="fr-FR" sz="1200">
@@ -7886,19 +7873,19 @@
                 </a:highlight>
                 <a:latin typeface="Courier New" panose="02070309020205020404" pitchFamily="49" charset="0"/>
               </a:rPr>
-              <a:t>   </a:t>
-            </a:r>
-            <a:r>
-              <a:rPr lang="fr-FR" sz="1200" b="1" smtClean="0">
-                <a:solidFill>
-                  <a:srgbClr val="000000"/>
-                </a:solidFill>
-                <a:highlight>
-                  <a:srgbClr val="FFFFFF"/>
-                </a:highlight>
-                <a:latin typeface="Courier New" panose="02070309020205020404" pitchFamily="49" charset="0"/>
-              </a:rPr>
-              <a:t>State</a:t>
+              <a:t> </a:t>
+            </a:r>
+            <a:r>
+              <a:rPr lang="fr-FR" sz="1200" b="1" smtClean="0">
+                <a:solidFill>
+                  <a:srgbClr val="000000"/>
+                </a:solidFill>
+                <a:highlight>
+                  <a:srgbClr val="FFFFFF"/>
+                </a:highlight>
+                <a:latin typeface="Courier New" panose="02070309020205020404" pitchFamily="49" charset="0"/>
+              </a:rPr>
+              <a:t>TransitionTable</a:t>
             </a:r>
             <a:r>
               <a:rPr lang="fr-FR" sz="1200" b="0" smtClean="0">
@@ -7910,19 +7897,19 @@
                 </a:highlight>
                 <a:latin typeface="Courier New" panose="02070309020205020404" pitchFamily="49" charset="0"/>
               </a:rPr>
-              <a:t> Queuing</a:t>
-            </a:r>
-            <a:r>
-              <a:rPr lang="fr-FR" sz="1200" b="1" smtClean="0">
-                <a:solidFill>
-                  <a:srgbClr val="000080"/>
-                </a:solidFill>
-                <a:highlight>
-                  <a:srgbClr val="FFFFFF"/>
-                </a:highlight>
-                <a:latin typeface="Courier New" panose="02070309020205020404" pitchFamily="49" charset="0"/>
-              </a:rPr>
-              <a:t>;</a:t>
+              <a:t> </a:t>
+            </a:r>
+            <a:r>
+              <a:rPr lang="fr-FR" sz="1200" b="1" smtClean="0">
+                <a:solidFill>
+                  <a:srgbClr val="000080"/>
+                </a:solidFill>
+                <a:highlight>
+                  <a:srgbClr val="FFFFFF"/>
+                </a:highlight>
+                <a:latin typeface="Courier New" panose="02070309020205020404" pitchFamily="49" charset="0"/>
+              </a:rPr>
+              <a:t>{</a:t>
             </a:r>
             <a:endParaRPr lang="fr-FR" sz="1200" b="0" smtClean="0">
               <a:solidFill>
@@ -7943,7 +7930,7 @@
                 <a:srgbClr val="00B0F0"/>
               </a:buClr>
               <a:buFont typeface="+mj-lt"/>
-              <a:buAutoNum type="arabicPeriod" startAt="34"/>
+              <a:buAutoNum type="arabicPeriod" startAt="31"/>
             </a:pPr>
             <a:r>
               <a:rPr lang="fr-FR" sz="1200">
@@ -7967,19 +7954,79 @@
                 </a:highlight>
                 <a:latin typeface="Courier New" panose="02070309020205020404" pitchFamily="49" charset="0"/>
               </a:rPr>
-              <a:t> </a:t>
-            </a:r>
-            <a:r>
-              <a:rPr lang="fr-FR" sz="1200" b="1" smtClean="0">
-                <a:solidFill>
-                  <a:srgbClr val="000080"/>
-                </a:solidFill>
-                <a:highlight>
-                  <a:srgbClr val="FFFFFF"/>
-                </a:highlight>
-                <a:latin typeface="Courier New" panose="02070309020205020404" pitchFamily="49" charset="0"/>
-              </a:rPr>
-              <a:t>};</a:t>
+              <a:t>   </a:t>
+            </a:r>
+            <a:r>
+              <a:rPr lang="fr-FR" sz="1200" b="1" smtClean="0">
+                <a:solidFill>
+                  <a:srgbClr val="000000"/>
+                </a:solidFill>
+                <a:highlight>
+                  <a:srgbClr val="FFFFFF"/>
+                </a:highlight>
+                <a:latin typeface="Courier New" panose="02070309020205020404" pitchFamily="49" charset="0"/>
+              </a:rPr>
+              <a:t>ExT</a:t>
+            </a:r>
+            <a:r>
+              <a:rPr lang="fr-FR" sz="1200" b="1" smtClean="0">
+                <a:solidFill>
+                  <a:srgbClr val="000080"/>
+                </a:solidFill>
+                <a:highlight>
+                  <a:srgbClr val="FFFFFF"/>
+                </a:highlight>
+                <a:latin typeface="Courier New" panose="02070309020205020404" pitchFamily="49" charset="0"/>
+              </a:rPr>
+              <a:t>(</a:t>
+            </a:r>
+            <a:r>
+              <a:rPr lang="fr-FR" sz="1200" b="0" smtClean="0">
+                <a:solidFill>
+                  <a:srgbClr val="000000"/>
+                </a:solidFill>
+                <a:highlight>
+                  <a:srgbClr val="FFFFFF"/>
+                </a:highlight>
+                <a:latin typeface="Courier New" panose="02070309020205020404" pitchFamily="49" charset="0"/>
+              </a:rPr>
+              <a:t>Idle</a:t>
+            </a:r>
+            <a:r>
+              <a:rPr lang="fr-FR" sz="1200" b="1" smtClean="0">
+                <a:solidFill>
+                  <a:srgbClr val="000080"/>
+                </a:solidFill>
+                <a:highlight>
+                  <a:srgbClr val="FFFFFF"/>
+                </a:highlight>
+                <a:latin typeface="Courier New" panose="02070309020205020404" pitchFamily="49" charset="0"/>
+              </a:rPr>
+              <a:t>,</a:t>
+            </a:r>
+            <a:r>
+              <a:rPr lang="fr-FR" sz="1200" b="0" smtClean="0">
+                <a:solidFill>
+                  <a:srgbClr val="000000"/>
+                </a:solidFill>
+                <a:highlight>
+                  <a:srgbClr val="FFFFFF"/>
+                </a:highlight>
+                <a:latin typeface="Courier New" panose="02070309020205020404" pitchFamily="49" charset="0"/>
+              </a:rPr>
+              <a:t>SignalChecking</a:t>
+            </a:r>
+            <a:r>
+              <a:rPr lang="fr-FR" sz="1200" b="1" smtClean="0">
+                <a:solidFill>
+                  <a:srgbClr val="000080"/>
+                </a:solidFill>
+                <a:highlight>
+                  <a:srgbClr val="FFFFFF"/>
+                </a:highlight>
+                <a:latin typeface="Courier New" panose="02070309020205020404" pitchFamily="49" charset="0"/>
+              </a:rPr>
+              <a:t>,</a:t>
             </a:r>
             <a:endParaRPr lang="fr-FR" sz="1200" b="0" smtClean="0">
               <a:solidFill>
@@ -8000,7 +8047,7 @@
                 <a:srgbClr val="00B0F0"/>
               </a:buClr>
               <a:buFont typeface="+mj-lt"/>
-              <a:buAutoNum type="arabicPeriod" startAt="34"/>
+              <a:buAutoNum type="arabicPeriod" startAt="31"/>
             </a:pPr>
             <a:r>
               <a:rPr lang="fr-FR" sz="1200">
@@ -8024,19 +8071,7 @@
                 </a:highlight>
                 <a:latin typeface="Courier New" panose="02070309020205020404" pitchFamily="49" charset="0"/>
               </a:rPr>
-              <a:t> </a:t>
-            </a:r>
-            <a:r>
-              <a:rPr lang="fr-FR" sz="1200" b="1" smtClean="0">
-                <a:solidFill>
-                  <a:srgbClr val="000000"/>
-                </a:solidFill>
-                <a:highlight>
-                  <a:srgbClr val="FFFFFF"/>
-                </a:highlight>
-                <a:latin typeface="Courier New" panose="02070309020205020404" pitchFamily="49" charset="0"/>
-              </a:rPr>
-              <a:t>State</a:t>
+              <a:t>       </a:t>
             </a:r>
             <a:r>
               <a:rPr lang="fr-FR" sz="1200" b="0" smtClean="0">
@@ -8048,34 +8083,67 @@
                 </a:highlight>
                 <a:latin typeface="Courier New" panose="02070309020205020404" pitchFamily="49" charset="0"/>
               </a:rPr>
-              <a:t> </a:t>
+              <a:t>DataPushEvent</a:t>
+            </a:r>
+            <a:r>
+              <a:rPr lang="fr-FR" sz="1200" b="1" smtClean="0">
+                <a:solidFill>
+                  <a:srgbClr val="000080"/>
+                </a:solidFill>
+                <a:highlight>
+                  <a:srgbClr val="FFFFFF"/>
+                </a:highlight>
+                <a:latin typeface="Courier New" panose="02070309020205020404" pitchFamily="49" charset="0"/>
+              </a:rPr>
+              <a:t>,</a:t>
+            </a:r>
+            <a:r>
+              <a:rPr lang="fr-FR" sz="1200" b="1" smtClean="0">
+                <a:solidFill>
+                  <a:srgbClr val="000000"/>
+                </a:solidFill>
+                <a:highlight>
+                  <a:srgbClr val="FFFFFF"/>
+                </a:highlight>
+                <a:latin typeface="Courier New" panose="02070309020205020404" pitchFamily="49" charset="0"/>
+              </a:rPr>
+              <a:t>NULL</a:t>
+            </a:r>
+            <a:r>
+              <a:rPr lang="fr-FR" sz="1200" b="1" smtClean="0">
+                <a:solidFill>
+                  <a:srgbClr val="000080"/>
+                </a:solidFill>
+                <a:highlight>
+                  <a:srgbClr val="FFFFFF"/>
+                </a:highlight>
+                <a:latin typeface="Courier New" panose="02070309020205020404" pitchFamily="49" charset="0"/>
+              </a:rPr>
+              <a:t>,</a:t>
             </a:r>
             <a:r>
               <a:rPr lang="fr-FR" sz="1200" b="0" smtClean="0">
                 <a:solidFill>
-                  <a:schemeClr val="tx1">
-                    <a:lumMod val="75000"/>
-                    <a:lumOff val="25000"/>
-                  </a:schemeClr>
-                </a:solidFill>
-                <a:highlight>
-                  <a:srgbClr val="FFFFFF"/>
-                </a:highlight>
-                <a:latin typeface="Courier New" panose="02070309020205020404" pitchFamily="49" charset="0"/>
-              </a:rPr>
-              <a:t>Discarding</a:t>
-            </a:r>
-            <a:r>
-              <a:rPr lang="fr-FR" sz="1200" b="1" smtClean="0">
-                <a:solidFill>
-                  <a:srgbClr val="000080"/>
-                </a:solidFill>
-                <a:highlight>
-                  <a:srgbClr val="FFFFFF"/>
-                </a:highlight>
-                <a:latin typeface="Courier New" panose="02070309020205020404" pitchFamily="49" charset="0"/>
-              </a:rPr>
-              <a:t>;</a:t>
+                  <a:srgbClr val="000000"/>
+                </a:solidFill>
+                <a:highlight>
+                  <a:srgbClr val="FFFFFF"/>
+                </a:highlight>
+                <a:latin typeface="Courier New" panose="02070309020205020404" pitchFamily="49" charset="0"/>
+              </a:rPr>
+              <a:t>signalCheck</a:t>
+            </a:r>
+            <a:r>
+              <a:rPr lang="fr-FR" sz="1200" b="1" smtClean="0">
+                <a:solidFill>
+                  <a:srgbClr val="000080"/>
+                </a:solidFill>
+                <a:highlight>
+                  <a:srgbClr val="FFFFFF"/>
+                </a:highlight>
+                <a:latin typeface="Courier New" panose="02070309020205020404" pitchFamily="49" charset="0"/>
+              </a:rPr>
+              <a:t>);</a:t>
             </a:r>
             <a:endParaRPr lang="fr-FR" sz="1200" b="0" smtClean="0">
               <a:solidFill>
@@ -8096,7 +8164,7 @@
                 <a:srgbClr val="00B0F0"/>
               </a:buClr>
               <a:buFont typeface="+mj-lt"/>
-              <a:buAutoNum type="arabicPeriod" startAt="34"/>
+              <a:buAutoNum type="arabicPeriod" startAt="31"/>
             </a:pPr>
             <a:r>
               <a:rPr lang="fr-FR" sz="1200">
@@ -8120,19 +8188,31 @@
                 </a:highlight>
                 <a:latin typeface="Courier New" panose="02070309020205020404" pitchFamily="49" charset="0"/>
               </a:rPr>
-              <a:t> </a:t>
-            </a:r>
-            <a:r>
-              <a:rPr lang="fr-FR" sz="1200" b="1" smtClean="0">
-                <a:solidFill>
-                  <a:srgbClr val="000000"/>
-                </a:solidFill>
-                <a:highlight>
-                  <a:srgbClr val="FFFFFF"/>
-                </a:highlight>
-                <a:latin typeface="Courier New" panose="02070309020205020404" pitchFamily="49" charset="0"/>
-              </a:rPr>
-              <a:t>PseudoChoice</a:t>
+              <a:t>   </a:t>
+            </a:r>
+            <a:r>
+              <a:rPr lang="fr-FR" sz="1200" b="1" smtClean="0">
+                <a:solidFill>
+                  <a:srgbClr val="000000"/>
+                </a:solidFill>
+                <a:highlight>
+                  <a:srgbClr val="FFFFFF"/>
+                </a:highlight>
+                <a:latin typeface="Courier New" panose="02070309020205020404" pitchFamily="49" charset="0"/>
+              </a:rPr>
+              <a:t>ExT</a:t>
+            </a:r>
+            <a:r>
+              <a:rPr lang="fr-FR" sz="1200" b="1" smtClean="0">
+                <a:solidFill>
+                  <a:srgbClr val="000080"/>
+                </a:solidFill>
+                <a:highlight>
+                  <a:srgbClr val="FFFFFF"/>
+                </a:highlight>
+                <a:latin typeface="Courier New" panose="02070309020205020404" pitchFamily="49" charset="0"/>
+              </a:rPr>
+              <a:t>(</a:t>
             </a:r>
             <a:r>
               <a:rPr lang="fr-FR" sz="1200" b="0" smtClean="0">
@@ -8144,19 +8224,43 @@
                 </a:highlight>
                 <a:latin typeface="Courier New" panose="02070309020205020404" pitchFamily="49" charset="0"/>
               </a:rPr>
-              <a:t> dataChoice</a:t>
-            </a:r>
-            <a:r>
-              <a:rPr lang="fr-FR" sz="1200" b="1" smtClean="0">
-                <a:solidFill>
-                  <a:srgbClr val="000080"/>
-                </a:solidFill>
-                <a:highlight>
-                  <a:srgbClr val="FFFFFF"/>
-                </a:highlight>
-                <a:latin typeface="Courier New" panose="02070309020205020404" pitchFamily="49" charset="0"/>
-              </a:rPr>
-              <a:t>;</a:t>
+              <a:t>SignalChecking</a:t>
+            </a:r>
+            <a:r>
+              <a:rPr lang="fr-FR" sz="1200" b="1" smtClean="0">
+                <a:solidFill>
+                  <a:srgbClr val="000080"/>
+                </a:solidFill>
+                <a:highlight>
+                  <a:srgbClr val="FFFFFF"/>
+                </a:highlight>
+                <a:latin typeface="Courier New" panose="02070309020205020404" pitchFamily="49" charset="0"/>
+              </a:rPr>
+              <a:t>,</a:t>
+            </a:r>
+            <a:r>
+              <a:rPr lang="fr-FR" sz="1200" b="0" smtClean="0">
+                <a:solidFill>
+                  <a:srgbClr val="000000"/>
+                </a:solidFill>
+                <a:highlight>
+                  <a:srgbClr val="FFFFFF"/>
+                </a:highlight>
+                <a:latin typeface="Courier New" panose="02070309020205020404" pitchFamily="49" charset="0"/>
+              </a:rPr>
+              <a:t>dataChoice</a:t>
+            </a:r>
+            <a:r>
+              <a:rPr lang="fr-FR" sz="1200" b="1" smtClean="0">
+                <a:solidFill>
+                  <a:srgbClr val="000080"/>
+                </a:solidFill>
+                <a:highlight>
+                  <a:srgbClr val="FFFFFF"/>
+                </a:highlight>
+                <a:latin typeface="Courier New" panose="02070309020205020404" pitchFamily="49" charset="0"/>
+              </a:rPr>
+              <a:t>,</a:t>
             </a:r>
             <a:endParaRPr lang="fr-FR" sz="1200" b="0" smtClean="0">
               <a:solidFill>
@@ -8177,57 +8281,9 @@
                 <a:srgbClr val="00B0F0"/>
               </a:buClr>
               <a:buFont typeface="+mj-lt"/>
-              <a:buAutoNum type="arabicPeriod" startAt="34"/>
+              <a:buAutoNum type="arabicPeriod" startAt="31"/>
             </a:pPr>
             <a:r>
-              <a:rPr lang="fr-FR" sz="1200">
-                <a:solidFill>
-                  <a:srgbClr val="000000"/>
-                </a:solidFill>
-                <a:highlight>
-                  <a:srgbClr val="FFFFFF"/>
-                </a:highlight>
-                <a:latin typeface="Courier New" panose="02070309020205020404" pitchFamily="49" charset="0"/>
-              </a:rPr>
-              <a:t> </a:t>
-            </a:r>
-            <a:r>
-              <a:rPr lang="fr-FR" sz="1200" smtClean="0">
-                <a:solidFill>
-                  <a:srgbClr val="000000"/>
-                </a:solidFill>
-                <a:highlight>
-                  <a:srgbClr val="FFFFFF"/>
-                </a:highlight>
-                <a:latin typeface="Courier New" panose="02070309020205020404" pitchFamily="49" charset="0"/>
-              </a:rPr>
-              <a:t> </a:t>
-            </a:r>
-            <a:r>
-              <a:rPr lang="fr-FR" sz="1200" b="1" smtClean="0">
-                <a:solidFill>
-                  <a:srgbClr val="000000"/>
-                </a:solidFill>
-                <a:highlight>
-                  <a:srgbClr val="FFFFFF"/>
-                </a:highlight>
-                <a:latin typeface="Courier New" panose="02070309020205020404" pitchFamily="49" charset="0"/>
-              </a:rPr>
-              <a:t>CallEvent</a:t>
-            </a:r>
-            <a:r>
-              <a:rPr lang="fr-FR" sz="1200" b="1" smtClean="0">
-                <a:solidFill>
-                  <a:srgbClr val="000080"/>
-                </a:solidFill>
-                <a:highlight>
-                  <a:srgbClr val="FFFFFF"/>
-                </a:highlight>
-                <a:latin typeface="Courier New" panose="02070309020205020404" pitchFamily="49" charset="0"/>
-              </a:rPr>
-              <a:t>(</a:t>
-            </a:r>
-            <a:r>
               <a:rPr lang="fr-FR" sz="1200" b="0" smtClean="0">
                 <a:solidFill>
                   <a:srgbClr val="000000"/>
@@ -8237,7 +8293,19 @@
                 </a:highlight>
                 <a:latin typeface="Courier New" panose="02070309020205020404" pitchFamily="49" charset="0"/>
               </a:rPr>
-              <a:t>DataPushEvent</a:t>
+              <a:t>		</a:t>
+            </a:r>
+            <a:r>
+              <a:rPr lang="fr-FR" sz="1200" b="1" smtClean="0">
+                <a:solidFill>
+                  <a:srgbClr val="000000"/>
+                </a:solidFill>
+                <a:highlight>
+                  <a:srgbClr val="FFFFFF"/>
+                </a:highlight>
+                <a:latin typeface="Courier New" panose="02070309020205020404" pitchFamily="49" charset="0"/>
+              </a:rPr>
+              <a:t>NULL</a:t>
             </a:r>
             <a:r>
               <a:rPr lang="fr-FR" sz="1200" b="1" smtClean="0">
@@ -8252,16 +8320,40 @@
               <a:t>,</a:t>
             </a:r>
             <a:r>
-              <a:rPr lang="fr-FR" sz="1200" b="0" smtClean="0">
-                <a:solidFill>
-                  <a:srgbClr val="000000"/>
-                </a:solidFill>
-                <a:highlight>
-                  <a:srgbClr val="FFFFFF"/>
-                </a:highlight>
-                <a:latin typeface="Courier New" panose="02070309020205020404" pitchFamily="49" charset="0"/>
-              </a:rPr>
-              <a:t>push(Data&amp;)</a:t>
+              <a:rPr lang="fr-FR" sz="1200" b="1" smtClean="0">
+                <a:solidFill>
+                  <a:srgbClr val="000000"/>
+                </a:solidFill>
+                <a:highlight>
+                  <a:srgbClr val="FFFFFF"/>
+                </a:highlight>
+                <a:latin typeface="Courier New" panose="02070309020205020404" pitchFamily="49" charset="0"/>
+              </a:rPr>
+              <a:t>NULL</a:t>
+            </a:r>
+            <a:r>
+              <a:rPr lang="fr-FR" sz="1200" b="1" smtClean="0">
+                <a:solidFill>
+                  <a:srgbClr val="000080"/>
+                </a:solidFill>
+                <a:highlight>
+                  <a:srgbClr val="FFFFFF"/>
+                </a:highlight>
+                <a:latin typeface="Courier New" panose="02070309020205020404" pitchFamily="49" charset="0"/>
+              </a:rPr>
+              <a:t>,</a:t>
+            </a:r>
+            <a:r>
+              <a:rPr lang="fr-FR" sz="1200" b="1" smtClean="0">
+                <a:solidFill>
+                  <a:srgbClr val="000000"/>
+                </a:solidFill>
+                <a:highlight>
+                  <a:srgbClr val="FFFFFF"/>
+                </a:highlight>
+                <a:latin typeface="Courier New" panose="02070309020205020404" pitchFamily="49" charset="0"/>
+              </a:rPr>
+              <a:t>NULL</a:t>
             </a:r>
             <a:r>
               <a:rPr lang="fr-FR" sz="1200" b="1" smtClean="0">
@@ -8294,7 +8386,7 @@
                 <a:srgbClr val="00B0F0"/>
               </a:buClr>
               <a:buFont typeface="+mj-lt"/>
-              <a:buAutoNum type="arabicPeriod" startAt="34"/>
+              <a:buAutoNum type="arabicPeriod" startAt="31"/>
             </a:pPr>
             <a:r>
               <a:rPr lang="fr-FR" sz="1200">
@@ -8318,19 +8410,31 @@
                 </a:highlight>
                 <a:latin typeface="Courier New" panose="02070309020205020404" pitchFamily="49" charset="0"/>
               </a:rPr>
-              <a:t> </a:t>
-            </a:r>
-            <a:r>
-              <a:rPr lang="fr-FR" sz="1200" b="1" smtClean="0">
-                <a:solidFill>
-                  <a:srgbClr val="000000"/>
-                </a:solidFill>
-                <a:highlight>
-                  <a:srgbClr val="FFFFFF"/>
-                </a:highlight>
-                <a:latin typeface="Courier New" panose="02070309020205020404" pitchFamily="49" charset="0"/>
-              </a:rPr>
-              <a:t>TransitionTable</a:t>
+              <a:t>   </a:t>
+            </a:r>
+            <a:r>
+              <a:rPr lang="fr-FR" sz="1200" b="1" smtClean="0">
+                <a:solidFill>
+                  <a:srgbClr val="000000"/>
+                </a:solidFill>
+                <a:highlight>
+                  <a:srgbClr val="FFFFFF"/>
+                </a:highlight>
+                <a:latin typeface="Courier New" panose="02070309020205020404" pitchFamily="49" charset="0"/>
+              </a:rPr>
+              <a:t>ExT</a:t>
+            </a:r>
+            <a:r>
+              <a:rPr lang="fr-FR" sz="1200" b="1" smtClean="0">
+                <a:solidFill>
+                  <a:srgbClr val="000080"/>
+                </a:solidFill>
+                <a:highlight>
+                  <a:srgbClr val="FFFFFF"/>
+                </a:highlight>
+                <a:latin typeface="Courier New" panose="02070309020205020404" pitchFamily="49" charset="0"/>
+              </a:rPr>
+              <a:t>(</a:t>
             </a:r>
             <a:r>
               <a:rPr lang="fr-FR" sz="1200" b="0" smtClean="0">
@@ -8342,19 +8446,127 @@
                 </a:highlight>
                 <a:latin typeface="Courier New" panose="02070309020205020404" pitchFamily="49" charset="0"/>
               </a:rPr>
-              <a:t> </a:t>
-            </a:r>
-            <a:r>
-              <a:rPr lang="fr-FR" sz="1200" b="1" smtClean="0">
-                <a:solidFill>
-                  <a:srgbClr val="000080"/>
-                </a:solidFill>
-                <a:highlight>
-                  <a:srgbClr val="FFFFFF"/>
-                </a:highlight>
-                <a:latin typeface="Courier New" panose="02070309020205020404" pitchFamily="49" charset="0"/>
-              </a:rPr>
-              <a:t>{</a:t>
+              <a:t>dataChoice</a:t>
+            </a:r>
+            <a:r>
+              <a:rPr lang="fr-FR" sz="1200" b="1" smtClean="0">
+                <a:solidFill>
+                  <a:srgbClr val="000080"/>
+                </a:solidFill>
+                <a:highlight>
+                  <a:srgbClr val="FFFFFF"/>
+                </a:highlight>
+                <a:latin typeface="Courier New" panose="02070309020205020404" pitchFamily="49" charset="0"/>
+              </a:rPr>
+              <a:t>,</a:t>
+            </a:r>
+            <a:r>
+              <a:rPr lang="fr-FR" sz="1200" smtClean="0">
+                <a:solidFill>
+                  <a:srgbClr val="000000"/>
+                </a:solidFill>
+                <a:highlight>
+                  <a:srgbClr val="FFFFFF"/>
+                </a:highlight>
+                <a:latin typeface="Courier New" panose="02070309020205020404" pitchFamily="49" charset="0"/>
+              </a:rPr>
+              <a:t>Queuing</a:t>
+            </a:r>
+            <a:r>
+              <a:rPr lang="fr-FR" sz="1200" b="1" smtClean="0">
+                <a:solidFill>
+                  <a:srgbClr val="000080"/>
+                </a:solidFill>
+                <a:highlight>
+                  <a:srgbClr val="FFFFFF"/>
+                </a:highlight>
+                <a:latin typeface="Courier New" panose="02070309020205020404" pitchFamily="49" charset="0"/>
+              </a:rPr>
+              <a:t>,</a:t>
+            </a:r>
+            <a:r>
+              <a:rPr lang="fr-FR" sz="1200" b="1" smtClean="0">
+                <a:solidFill>
+                  <a:srgbClr val="000000"/>
+                </a:solidFill>
+                <a:highlight>
+                  <a:srgbClr val="FFFFFF"/>
+                </a:highlight>
+                <a:latin typeface="Courier New" panose="02070309020205020404" pitchFamily="49" charset="0"/>
+              </a:rPr>
+              <a:t>NULL</a:t>
+            </a:r>
+            <a:r>
+              <a:rPr lang="fr-FR" sz="1200" b="1" smtClean="0">
+                <a:solidFill>
+                  <a:srgbClr val="000080"/>
+                </a:solidFill>
+                <a:highlight>
+                  <a:srgbClr val="FFFFFF"/>
+                </a:highlight>
+                <a:latin typeface="Courier New" panose="02070309020205020404" pitchFamily="49" charset="0"/>
+              </a:rPr>
+              <a:t>,</a:t>
+            </a:r>
+            <a:r>
+              <a:rPr lang="fr-FR" sz="1200">
+                <a:solidFill>
+                  <a:srgbClr val="000000"/>
+                </a:solidFill>
+                <a:highlight>
+                  <a:srgbClr val="FFFFFF"/>
+                </a:highlight>
+                <a:latin typeface="Courier New" panose="02070309020205020404" pitchFamily="49" charset="0"/>
+              </a:rPr>
+              <a:t>v</a:t>
+            </a:r>
+            <a:r>
+              <a:rPr lang="fr-FR" sz="1200" b="0" smtClean="0">
+                <a:solidFill>
+                  <a:srgbClr val="000000"/>
+                </a:solidFill>
+                <a:highlight>
+                  <a:srgbClr val="FFFFFF"/>
+                </a:highlight>
+                <a:latin typeface="Courier New" panose="02070309020205020404" pitchFamily="49" charset="0"/>
+              </a:rPr>
+              <a:t>alid</a:t>
+            </a:r>
+            <a:r>
+              <a:rPr lang="fr-FR" sz="1200" b="1" smtClean="0">
+                <a:solidFill>
+                  <a:srgbClr val="000080"/>
+                </a:solidFill>
+                <a:highlight>
+                  <a:srgbClr val="FFFFFF"/>
+                </a:highlight>
+                <a:latin typeface="Courier New" panose="02070309020205020404" pitchFamily="49" charset="0"/>
+              </a:rPr>
+              <a:t>,</a:t>
+            </a:r>
+            <a:r>
+              <a:rPr lang="fr-FR" sz="1200" b="1" smtClean="0">
+                <a:solidFill>
+                  <a:srgbClr val="000000"/>
+                </a:solidFill>
+                <a:highlight>
+                  <a:srgbClr val="FFFFFF"/>
+                </a:highlight>
+                <a:latin typeface="Courier New" panose="02070309020205020404" pitchFamily="49" charset="0"/>
+              </a:rPr>
+              <a:t>NULL</a:t>
+            </a:r>
+            <a:r>
+              <a:rPr lang="fr-FR" sz="1200" b="1" smtClean="0">
+                <a:solidFill>
+                  <a:srgbClr val="000080"/>
+                </a:solidFill>
+                <a:highlight>
+                  <a:srgbClr val="FFFFFF"/>
+                </a:highlight>
+                <a:latin typeface="Courier New" panose="02070309020205020404" pitchFamily="49" charset="0"/>
+              </a:rPr>
+              <a:t>)</a:t>
             </a:r>
             <a:endParaRPr lang="fr-FR" sz="1200" b="0" smtClean="0">
               <a:solidFill>
@@ -8375,7 +8587,7 @@
                 <a:srgbClr val="00B0F0"/>
               </a:buClr>
               <a:buFont typeface="+mj-lt"/>
-              <a:buAutoNum type="arabicPeriod" startAt="34"/>
+              <a:buAutoNum type="arabicPeriod" startAt="31"/>
             </a:pPr>
             <a:r>
               <a:rPr lang="fr-FR" sz="1200">
@@ -8399,79 +8611,19 @@
                 </a:highlight>
                 <a:latin typeface="Courier New" panose="02070309020205020404" pitchFamily="49" charset="0"/>
               </a:rPr>
-              <a:t>   </a:t>
-            </a:r>
-            <a:r>
-              <a:rPr lang="fr-FR" sz="1200" b="1" smtClean="0">
-                <a:solidFill>
-                  <a:srgbClr val="000000"/>
-                </a:solidFill>
-                <a:highlight>
-                  <a:srgbClr val="FFFFFF"/>
-                </a:highlight>
-                <a:latin typeface="Courier New" panose="02070309020205020404" pitchFamily="49" charset="0"/>
-              </a:rPr>
-              <a:t>ExT</a:t>
-            </a:r>
-            <a:r>
-              <a:rPr lang="fr-FR" sz="1200" b="1" smtClean="0">
-                <a:solidFill>
-                  <a:srgbClr val="000080"/>
-                </a:solidFill>
-                <a:highlight>
-                  <a:srgbClr val="FFFFFF"/>
-                </a:highlight>
-                <a:latin typeface="Courier New" panose="02070309020205020404" pitchFamily="49" charset="0"/>
-              </a:rPr>
-              <a:t>(</a:t>
-            </a:r>
-            <a:r>
-              <a:rPr lang="fr-FR" sz="1200" b="0" smtClean="0">
-                <a:solidFill>
-                  <a:srgbClr val="000000"/>
-                </a:solidFill>
-                <a:highlight>
-                  <a:srgbClr val="FFFFFF"/>
-                </a:highlight>
-                <a:latin typeface="Courier New" panose="02070309020205020404" pitchFamily="49" charset="0"/>
-              </a:rPr>
-              <a:t>Idle</a:t>
-            </a:r>
-            <a:r>
-              <a:rPr lang="fr-FR" sz="1200" b="1" smtClean="0">
-                <a:solidFill>
-                  <a:srgbClr val="000080"/>
-                </a:solidFill>
-                <a:highlight>
-                  <a:srgbClr val="FFFFFF"/>
-                </a:highlight>
-                <a:latin typeface="Courier New" panose="02070309020205020404" pitchFamily="49" charset="0"/>
-              </a:rPr>
-              <a:t>,</a:t>
-            </a:r>
-            <a:r>
-              <a:rPr lang="fr-FR" sz="1200" b="0" smtClean="0">
-                <a:solidFill>
-                  <a:srgbClr val="000000"/>
-                </a:solidFill>
-                <a:highlight>
-                  <a:srgbClr val="FFFFFF"/>
-                </a:highlight>
-                <a:latin typeface="Courier New" panose="02070309020205020404" pitchFamily="49" charset="0"/>
-              </a:rPr>
-              <a:t>SignalChecking</a:t>
-            </a:r>
-            <a:r>
-              <a:rPr lang="fr-FR" sz="1200" b="1" smtClean="0">
-                <a:solidFill>
-                  <a:srgbClr val="000080"/>
-                </a:solidFill>
-                <a:highlight>
-                  <a:srgbClr val="FFFFFF"/>
-                </a:highlight>
-                <a:latin typeface="Courier New" panose="02070309020205020404" pitchFamily="49" charset="0"/>
-              </a:rPr>
-              <a:t>,</a:t>
+              <a:t> </a:t>
+            </a:r>
+            <a:r>
+              <a:rPr lang="fr-FR" sz="1200" b="1" smtClean="0">
+                <a:solidFill>
+                  <a:srgbClr val="000080"/>
+                </a:solidFill>
+                <a:highlight>
+                  <a:srgbClr val="FFFFFF"/>
+                </a:highlight>
+                <a:latin typeface="Courier New" panose="02070309020205020404" pitchFamily="49" charset="0"/>
+              </a:rPr>
+              <a:t>}</a:t>
             </a:r>
             <a:endParaRPr lang="fr-FR" sz="1200" b="0" smtClean="0">
               <a:solidFill>
@@ -8492,12 +8644,66 @@
                 <a:srgbClr val="00B0F0"/>
               </a:buClr>
               <a:buFont typeface="+mj-lt"/>
-              <a:buAutoNum type="arabicPeriod" startAt="34"/>
+              <a:buAutoNum type="arabicPeriod" startAt="31"/>
             </a:pPr>
             <a:r>
-              <a:rPr lang="fr-FR" sz="1200">
-                <a:solidFill>
-                  <a:srgbClr val="000000"/>
+              <a:rPr lang="fr-FR" sz="1200" b="1" smtClean="0">
+                <a:solidFill>
+                  <a:srgbClr val="000080"/>
+                </a:solidFill>
+                <a:highlight>
+                  <a:srgbClr val="FFFFFF"/>
+                </a:highlight>
+                <a:latin typeface="Courier New" panose="02070309020205020404" pitchFamily="49" charset="0"/>
+              </a:rPr>
+              <a:t>};</a:t>
+            </a:r>
+            <a:r>
+              <a:rPr lang="fr-FR" sz="1200" b="0" smtClean="0">
+                <a:solidFill>
+                  <a:srgbClr val="000000"/>
+                </a:solidFill>
+                <a:highlight>
+                  <a:srgbClr val="FFFFFF"/>
+                </a:highlight>
+                <a:latin typeface="Courier New" panose="02070309020205020404" pitchFamily="49" charset="0"/>
+              </a:rPr>
+              <a:t>	</a:t>
+            </a:r>
+          </a:p>
+          <a:p>
+            <a:pPr marL="48600" indent="-228600">
+              <a:lnSpc>
+                <a:spcPts val="1100"/>
+              </a:lnSpc>
+              <a:buClr>
+                <a:srgbClr val="00B0F0"/>
+              </a:buClr>
+              <a:buFont typeface="+mj-lt"/>
+              <a:buAutoNum type="arabicPeriod" startAt="31"/>
+            </a:pPr>
+            <a:r>
+              <a:rPr lang="fr-FR" sz="1200" b="1" smtClean="0">
+                <a:solidFill>
+                  <a:schemeClr val="tx1">
+                    <a:lumMod val="85000"/>
+                    <a:lumOff val="15000"/>
+                  </a:schemeClr>
+                </a:solidFill>
+                <a:highlight>
+                  <a:srgbClr val="FFFFFF"/>
+                </a:highlight>
+                <a:latin typeface="Courier New" panose="02070309020205020404" pitchFamily="49" charset="0"/>
+              </a:rPr>
+              <a:t>void</a:t>
+            </a:r>
+            <a:r>
+              <a:rPr lang="fr-FR" sz="1200" b="0" smtClean="0">
+                <a:solidFill>
+                  <a:schemeClr val="tx1">
+                    <a:lumMod val="85000"/>
+                    <a:lumOff val="15000"/>
+                  </a:schemeClr>
                 </a:solidFill>
                 <a:highlight>
                   <a:srgbClr val="FFFFFF"/>
@@ -8507,18 +8713,6 @@
               <a:t> </a:t>
             </a:r>
             <a:r>
-              <a:rPr lang="fr-FR" sz="1200" smtClean="0">
-                <a:solidFill>
-                  <a:srgbClr val="000000"/>
-                </a:solidFill>
-                <a:highlight>
-                  <a:srgbClr val="FFFFFF"/>
-                </a:highlight>
-                <a:latin typeface="Courier New" panose="02070309020205020404" pitchFamily="49" charset="0"/>
-              </a:rPr>
-              <a:t>       </a:t>
-            </a:r>
-            <a:r>
               <a:rPr lang="fr-FR" sz="1200" b="0" smtClean="0">
                 <a:solidFill>
                   <a:srgbClr val="000000"/>
@@ -8528,67 +8722,43 @@
                 </a:highlight>
                 <a:latin typeface="Courier New" panose="02070309020205020404" pitchFamily="49" charset="0"/>
               </a:rPr>
-              <a:t>DataPushEvent</a:t>
-            </a:r>
-            <a:r>
-              <a:rPr lang="fr-FR" sz="1200" b="1" smtClean="0">
-                <a:solidFill>
-                  <a:srgbClr val="000080"/>
-                </a:solidFill>
-                <a:highlight>
-                  <a:srgbClr val="FFFFFF"/>
-                </a:highlight>
-                <a:latin typeface="Courier New" panose="02070309020205020404" pitchFamily="49" charset="0"/>
-              </a:rPr>
-              <a:t>,</a:t>
-            </a:r>
-            <a:r>
-              <a:rPr lang="fr-FR" sz="1200" b="1" smtClean="0">
-                <a:solidFill>
-                  <a:srgbClr val="000000"/>
-                </a:solidFill>
-                <a:highlight>
-                  <a:srgbClr val="FFFFFF"/>
-                </a:highlight>
-                <a:latin typeface="Courier New" panose="02070309020205020404" pitchFamily="49" charset="0"/>
-              </a:rPr>
-              <a:t>NULL</a:t>
-            </a:r>
-            <a:r>
-              <a:rPr lang="fr-FR" sz="1200" b="1" smtClean="0">
-                <a:solidFill>
-                  <a:srgbClr val="000080"/>
-                </a:solidFill>
-                <a:highlight>
-                  <a:srgbClr val="FFFFFF"/>
-                </a:highlight>
-                <a:latin typeface="Courier New" panose="02070309020205020404" pitchFamily="49" charset="0"/>
-              </a:rPr>
-              <a:t>,</a:t>
-            </a:r>
-            <a:r>
-              <a:rPr lang="fr-FR" sz="1200" b="0" smtClean="0">
-                <a:solidFill>
-                  <a:srgbClr val="000000"/>
-                </a:solidFill>
-                <a:highlight>
-                  <a:srgbClr val="FFFFFF"/>
-                </a:highlight>
-                <a:latin typeface="Courier New" panose="02070309020205020404" pitchFamily="49" charset="0"/>
-              </a:rPr>
-              <a:t>signalCheck</a:t>
-            </a:r>
-            <a:r>
-              <a:rPr lang="fr-FR" sz="1200" b="1" smtClean="0">
-                <a:solidFill>
-                  <a:srgbClr val="000080"/>
-                </a:solidFill>
-                <a:highlight>
-                  <a:srgbClr val="FFFFFF"/>
-                </a:highlight>
-                <a:latin typeface="Courier New" panose="02070309020205020404" pitchFamily="49" charset="0"/>
-              </a:rPr>
-              <a:t>);</a:t>
+              <a:t>entryCheck</a:t>
+            </a:r>
+            <a:r>
+              <a:rPr lang="fr-FR" sz="1200" b="1" smtClean="0">
+                <a:solidFill>
+                  <a:srgbClr val="000080"/>
+                </a:solidFill>
+                <a:highlight>
+                  <a:srgbClr val="FFFFFF"/>
+                </a:highlight>
+                <a:latin typeface="Courier New" panose="02070309020205020404" pitchFamily="49" charset="0"/>
+              </a:rPr>
+              <a:t>(){</a:t>
+            </a:r>
+            <a:r>
+              <a:rPr lang="en-US" sz="1200" b="0" smtClean="0">
+                <a:solidFill>
+                  <a:srgbClr val="008000"/>
+                </a:solidFill>
+                <a:highlight>
+                  <a:srgbClr val="FFFFFF"/>
+                </a:highlight>
+                <a:latin typeface="Courier New" panose="02070309020205020404" pitchFamily="49" charset="0"/>
+              </a:rPr>
+              <a:t>//fine-grained code</a:t>
+            </a:r>
+            <a:r>
+              <a:rPr lang="fr-FR" sz="1200" b="1" smtClean="0">
+                <a:solidFill>
+                  <a:srgbClr val="000080"/>
+                </a:solidFill>
+                <a:highlight>
+                  <a:srgbClr val="FFFFFF"/>
+                </a:highlight>
+                <a:latin typeface="Courier New" panose="02070309020205020404" pitchFamily="49" charset="0"/>
+              </a:rPr>
+              <a:t>}</a:t>
             </a:r>
             <a:endParaRPr lang="fr-FR" sz="1200" b="0" smtClean="0">
               <a:solidFill>
@@ -8609,12 +8779,30 @@
                 <a:srgbClr val="00B0F0"/>
               </a:buClr>
               <a:buFont typeface="+mj-lt"/>
-              <a:buAutoNum type="arabicPeriod" startAt="34"/>
+              <a:buAutoNum type="arabicPeriod" startAt="31"/>
             </a:pPr>
             <a:r>
-              <a:rPr lang="fr-FR" sz="1200">
-                <a:solidFill>
-                  <a:srgbClr val="000000"/>
+              <a:rPr lang="fr-FR" sz="1200" b="1" smtClean="0">
+                <a:solidFill>
+                  <a:schemeClr val="tx1">
+                    <a:lumMod val="85000"/>
+                    <a:lumOff val="15000"/>
+                  </a:schemeClr>
+                </a:solidFill>
+                <a:highlight>
+                  <a:srgbClr val="FFFFFF"/>
+                </a:highlight>
+                <a:latin typeface="Courier New" panose="02070309020205020404" pitchFamily="49" charset="0"/>
+              </a:rPr>
+              <a:t>void</a:t>
+            </a:r>
+            <a:r>
+              <a:rPr lang="fr-FR" sz="1200" b="0" smtClean="0">
+                <a:solidFill>
+                  <a:schemeClr val="tx1">
+                    <a:lumMod val="85000"/>
+                    <a:lumOff val="15000"/>
+                  </a:schemeClr>
                 </a:solidFill>
                 <a:highlight>
                   <a:srgbClr val="FFFFFF"/>
@@ -8624,42 +8812,6 @@
               <a:t> </a:t>
             </a:r>
             <a:r>
-              <a:rPr lang="fr-FR" sz="1200" smtClean="0">
-                <a:solidFill>
-                  <a:srgbClr val="000000"/>
-                </a:solidFill>
-                <a:highlight>
-                  <a:srgbClr val="FFFFFF"/>
-                </a:highlight>
-                <a:latin typeface="Courier New" panose="02070309020205020404" pitchFamily="49" charset="0"/>
-              </a:rPr>
-              <a:t>   </a:t>
-            </a:r>
-            <a:r>
-              <a:rPr lang="fr-FR" sz="1200" b="1" smtClean="0">
-                <a:solidFill>
-                  <a:srgbClr val="000000"/>
-                </a:solidFill>
-                <a:highlight>
-                  <a:srgbClr val="FFFFFF"/>
-                </a:highlight>
-                <a:latin typeface="Courier New" panose="02070309020205020404" pitchFamily="49" charset="0"/>
-              </a:rPr>
-              <a:t>ExT</a:t>
-            </a:r>
-            <a:r>
-              <a:rPr lang="fr-FR" sz="1200" b="1" smtClean="0">
-                <a:solidFill>
-                  <a:srgbClr val="000080"/>
-                </a:solidFill>
-                <a:highlight>
-                  <a:srgbClr val="FFFFFF"/>
-                </a:highlight>
-                <a:latin typeface="Courier New" panose="02070309020205020404" pitchFamily="49" charset="0"/>
-              </a:rPr>
-              <a:t>(</a:t>
-            </a:r>
-            <a:r>
               <a:rPr lang="fr-FR" sz="1200" b="0" smtClean="0">
                 <a:solidFill>
                   <a:srgbClr val="000000"/>
@@ -8669,43 +8821,43 @@
                 </a:highlight>
                 <a:latin typeface="Courier New" panose="02070309020205020404" pitchFamily="49" charset="0"/>
               </a:rPr>
-              <a:t>SignalChecking</a:t>
-            </a:r>
-            <a:r>
-              <a:rPr lang="fr-FR" sz="1200" b="1" smtClean="0">
-                <a:solidFill>
-                  <a:srgbClr val="000080"/>
-                </a:solidFill>
-                <a:highlight>
-                  <a:srgbClr val="FFFFFF"/>
-                </a:highlight>
-                <a:latin typeface="Courier New" panose="02070309020205020404" pitchFamily="49" charset="0"/>
-              </a:rPr>
-              <a:t>,</a:t>
-            </a:r>
-            <a:r>
-              <a:rPr lang="fr-FR" sz="1200" b="0" smtClean="0">
-                <a:solidFill>
-                  <a:srgbClr val="000000"/>
-                </a:solidFill>
-                <a:highlight>
-                  <a:srgbClr val="FFFFFF"/>
-                </a:highlight>
-                <a:latin typeface="Courier New" panose="02070309020205020404" pitchFamily="49" charset="0"/>
-              </a:rPr>
-              <a:t>dataChoice</a:t>
-            </a:r>
-            <a:r>
-              <a:rPr lang="fr-FR" sz="1200" b="1" smtClean="0">
-                <a:solidFill>
-                  <a:srgbClr val="000080"/>
-                </a:solidFill>
-                <a:highlight>
-                  <a:srgbClr val="FFFFFF"/>
-                </a:highlight>
-                <a:latin typeface="Courier New" panose="02070309020205020404" pitchFamily="49" charset="0"/>
-              </a:rPr>
-              <a:t>,</a:t>
+              <a:t>exitCheck</a:t>
+            </a:r>
+            <a:r>
+              <a:rPr lang="fr-FR" sz="1200" b="1" smtClean="0">
+                <a:solidFill>
+                  <a:srgbClr val="000080"/>
+                </a:solidFill>
+                <a:highlight>
+                  <a:srgbClr val="FFFFFF"/>
+                </a:highlight>
+                <a:latin typeface="Courier New" panose="02070309020205020404" pitchFamily="49" charset="0"/>
+              </a:rPr>
+              <a:t>(){</a:t>
+            </a:r>
+            <a:r>
+              <a:rPr lang="en-US" sz="1200" b="0" smtClean="0">
+                <a:solidFill>
+                  <a:srgbClr val="008000"/>
+                </a:solidFill>
+                <a:highlight>
+                  <a:srgbClr val="FFFFFF"/>
+                </a:highlight>
+                <a:latin typeface="Courier New" panose="02070309020205020404" pitchFamily="49" charset="0"/>
+              </a:rPr>
+              <a:t>//fine-grained code</a:t>
+            </a:r>
+            <a:r>
+              <a:rPr lang="fr-FR" sz="1200" b="1" smtClean="0">
+                <a:solidFill>
+                  <a:srgbClr val="000080"/>
+                </a:solidFill>
+                <a:highlight>
+                  <a:srgbClr val="FFFFFF"/>
+                </a:highlight>
+                <a:latin typeface="Courier New" panose="02070309020205020404" pitchFamily="49" charset="0"/>
+              </a:rPr>
+              <a:t>}</a:t>
             </a:r>
             <a:endParaRPr lang="fr-FR" sz="1200" b="0" smtClean="0">
               <a:solidFill>
@@ -8726,91 +8878,85 @@
                 <a:srgbClr val="00B0F0"/>
               </a:buClr>
               <a:buFont typeface="+mj-lt"/>
-              <a:buAutoNum type="arabicPeriod" startAt="34"/>
+              <a:buAutoNum type="arabicPeriod" startAt="31"/>
             </a:pPr>
             <a:r>
+              <a:rPr lang="fr-FR" sz="1200" b="1" smtClean="0">
+                <a:solidFill>
+                  <a:schemeClr val="tx1">
+                    <a:lumMod val="85000"/>
+                    <a:lumOff val="15000"/>
+                  </a:schemeClr>
+                </a:solidFill>
+                <a:highlight>
+                  <a:srgbClr val="FFFFFF"/>
+                </a:highlight>
+                <a:latin typeface="Courier New" panose="02070309020205020404" pitchFamily="49" charset="0"/>
+              </a:rPr>
+              <a:t>void</a:t>
+            </a:r>
+            <a:r>
               <a:rPr lang="fr-FR" sz="1200" b="0" smtClean="0">
                 <a:solidFill>
-                  <a:srgbClr val="000000"/>
-                </a:solidFill>
-                <a:highlight>
-                  <a:srgbClr val="FFFFFF"/>
-                </a:highlight>
-                <a:latin typeface="Courier New" panose="02070309020205020404" pitchFamily="49" charset="0"/>
-              </a:rPr>
-              <a:t>		</a:t>
-            </a:r>
-            <a:r>
-              <a:rPr lang="fr-FR" sz="1200" b="1" smtClean="0">
-                <a:solidFill>
-                  <a:srgbClr val="000000"/>
-                </a:solidFill>
-                <a:highlight>
-                  <a:srgbClr val="FFFFFF"/>
-                </a:highlight>
-                <a:latin typeface="Courier New" panose="02070309020205020404" pitchFamily="49" charset="0"/>
-              </a:rPr>
-              <a:t>NULL</a:t>
-            </a:r>
-            <a:r>
-              <a:rPr lang="fr-FR" sz="1200" b="1" smtClean="0">
-                <a:solidFill>
-                  <a:srgbClr val="000080"/>
-                </a:solidFill>
-                <a:highlight>
-                  <a:srgbClr val="FFFFFF"/>
-                </a:highlight>
-                <a:latin typeface="Courier New" panose="02070309020205020404" pitchFamily="49" charset="0"/>
-              </a:rPr>
-              <a:t>,</a:t>
-            </a:r>
-            <a:r>
-              <a:rPr lang="fr-FR" sz="1200" b="1" smtClean="0">
-                <a:solidFill>
-                  <a:srgbClr val="000000"/>
-                </a:solidFill>
-                <a:highlight>
-                  <a:srgbClr val="FFFFFF"/>
-                </a:highlight>
-                <a:latin typeface="Courier New" panose="02070309020205020404" pitchFamily="49" charset="0"/>
-              </a:rPr>
-              <a:t>NULL</a:t>
-            </a:r>
-            <a:r>
-              <a:rPr lang="fr-FR" sz="1200" b="1" smtClean="0">
-                <a:solidFill>
-                  <a:srgbClr val="000080"/>
-                </a:solidFill>
-                <a:highlight>
-                  <a:srgbClr val="FFFFFF"/>
-                </a:highlight>
-                <a:latin typeface="Courier New" panose="02070309020205020404" pitchFamily="49" charset="0"/>
-              </a:rPr>
-              <a:t>,</a:t>
-            </a:r>
-            <a:r>
-              <a:rPr lang="fr-FR" sz="1200" b="1" smtClean="0">
-                <a:solidFill>
-                  <a:srgbClr val="000000"/>
-                </a:solidFill>
-                <a:highlight>
-                  <a:srgbClr val="FFFFFF"/>
-                </a:highlight>
-                <a:latin typeface="Courier New" panose="02070309020205020404" pitchFamily="49" charset="0"/>
-              </a:rPr>
-              <a:t>NULL</a:t>
-            </a:r>
-            <a:r>
-              <a:rPr lang="fr-FR" sz="1200" b="1" smtClean="0">
-                <a:solidFill>
-                  <a:srgbClr val="000080"/>
-                </a:solidFill>
-                <a:highlight>
-                  <a:srgbClr val="FFFFFF"/>
-                </a:highlight>
-                <a:latin typeface="Courier New" panose="02070309020205020404" pitchFamily="49" charset="0"/>
-              </a:rPr>
-              <a:t>);</a:t>
+                  <a:schemeClr val="tx1">
+                    <a:lumMod val="85000"/>
+                    <a:lumOff val="15000"/>
+                  </a:schemeClr>
+                </a:solidFill>
+                <a:highlight>
+                  <a:srgbClr val="FFFFFF"/>
+                </a:highlight>
+                <a:latin typeface="Courier New" panose="02070309020205020404" pitchFamily="49" charset="0"/>
+              </a:rPr>
+              <a:t> </a:t>
+            </a:r>
+            <a:r>
+              <a:rPr lang="fr-FR" sz="1200" b="0" smtClean="0">
+                <a:solidFill>
+                  <a:srgbClr val="000000"/>
+                </a:solidFill>
+                <a:highlight>
+                  <a:srgbClr val="FFFFFF"/>
+                </a:highlight>
+                <a:latin typeface="Courier New" panose="02070309020205020404" pitchFamily="49" charset="0"/>
+              </a:rPr>
+              <a:t>entryError</a:t>
+            </a:r>
+            <a:r>
+              <a:rPr lang="fr-FR" sz="1200" b="1" smtClean="0">
+                <a:solidFill>
+                  <a:srgbClr val="000080"/>
+                </a:solidFill>
+                <a:highlight>
+                  <a:srgbClr val="FFFFFF"/>
+                </a:highlight>
+                <a:latin typeface="Courier New" panose="02070309020205020404" pitchFamily="49" charset="0"/>
+              </a:rPr>
+              <a:t>(){</a:t>
+            </a:r>
+            <a:r>
+              <a:rPr lang="en-US" sz="1200" b="0" smtClean="0">
+                <a:solidFill>
+                  <a:srgbClr val="008000"/>
+                </a:solidFill>
+                <a:highlight>
+                  <a:srgbClr val="FFFFFF"/>
+                </a:highlight>
+                <a:latin typeface="Courier New" panose="02070309020205020404" pitchFamily="49" charset="0"/>
+              </a:rPr>
+              <a:t>//fine-grained code</a:t>
+            </a:r>
+            <a:r>
+              <a:rPr lang="fr-FR" sz="1200" b="1" smtClean="0">
+                <a:solidFill>
+                  <a:srgbClr val="000080"/>
+                </a:solidFill>
+                <a:highlight>
+                  <a:srgbClr val="FFFFFF"/>
+                </a:highlight>
+                <a:latin typeface="Courier New" panose="02070309020205020404" pitchFamily="49" charset="0"/>
+              </a:rPr>
+              <a:t>}</a:t>
             </a:r>
             <a:endParaRPr lang="fr-FR" sz="1200" b="0" smtClean="0">
               <a:solidFill>
@@ -8831,12 +8977,30 @@
                 <a:srgbClr val="00B0F0"/>
               </a:buClr>
               <a:buFont typeface="+mj-lt"/>
-              <a:buAutoNum type="arabicPeriod" startAt="34"/>
+              <a:buAutoNum type="arabicPeriod" startAt="31"/>
             </a:pPr>
             <a:r>
-              <a:rPr lang="fr-FR" sz="1200">
-                <a:solidFill>
-                  <a:srgbClr val="000000"/>
+              <a:rPr lang="fr-FR" sz="1200" b="1" smtClean="0">
+                <a:solidFill>
+                  <a:schemeClr val="tx1">
+                    <a:lumMod val="85000"/>
+                    <a:lumOff val="15000"/>
+                  </a:schemeClr>
+                </a:solidFill>
+                <a:highlight>
+                  <a:srgbClr val="FFFFFF"/>
+                </a:highlight>
+                <a:latin typeface="Courier New" panose="02070309020205020404" pitchFamily="49" charset="0"/>
+              </a:rPr>
+              <a:t>void</a:t>
+            </a:r>
+            <a:r>
+              <a:rPr lang="fr-FR" sz="1200" b="0" smtClean="0">
+                <a:solidFill>
+                  <a:schemeClr val="tx1">
+                    <a:lumMod val="85000"/>
+                    <a:lumOff val="15000"/>
+                  </a:schemeClr>
                 </a:solidFill>
                 <a:highlight>
                   <a:srgbClr val="FFFFFF"/>
@@ -8846,28 +9010,16 @@
               <a:t> </a:t>
             </a:r>
             <a:r>
-              <a:rPr lang="fr-FR" sz="1200" smtClean="0">
-                <a:solidFill>
-                  <a:srgbClr val="000000"/>
-                </a:solidFill>
-                <a:highlight>
-                  <a:srgbClr val="FFFFFF"/>
-                </a:highlight>
-                <a:latin typeface="Courier New" panose="02070309020205020404" pitchFamily="49" charset="0"/>
-              </a:rPr>
-              <a:t>   </a:t>
-            </a:r>
-            <a:r>
-              <a:rPr lang="fr-FR" sz="1200" b="1" smtClean="0">
-                <a:solidFill>
-                  <a:srgbClr val="000000"/>
-                </a:solidFill>
-                <a:highlight>
-                  <a:srgbClr val="FFFFFF"/>
-                </a:highlight>
-                <a:latin typeface="Courier New" panose="02070309020205020404" pitchFamily="49" charset="0"/>
-              </a:rPr>
-              <a:t>ExT</a:t>
+              <a:rPr lang="fr-FR" sz="1200" b="0" smtClean="0">
+                <a:solidFill>
+                  <a:srgbClr val="000000"/>
+                </a:solidFill>
+                <a:highlight>
+                  <a:srgbClr val="FFFFFF"/>
+                </a:highlight>
+                <a:latin typeface="Courier New" panose="02070309020205020404" pitchFamily="49" charset="0"/>
+              </a:rPr>
+              <a:t>signalCheck</a:t>
             </a:r>
             <a:r>
               <a:rPr lang="fr-FR" sz="1200" b="1" smtClean="0">
@@ -8891,19 +9043,19 @@
                 </a:highlight>
                 <a:latin typeface="Courier New" panose="02070309020205020404" pitchFamily="49" charset="0"/>
               </a:rPr>
-              <a:t>dataChoice</a:t>
-            </a:r>
-            <a:r>
-              <a:rPr lang="fr-FR" sz="1200" b="1" smtClean="0">
-                <a:solidFill>
-                  <a:srgbClr val="000080"/>
-                </a:solidFill>
-                <a:highlight>
-                  <a:srgbClr val="FFFFFF"/>
-                </a:highlight>
-                <a:latin typeface="Courier New" panose="02070309020205020404" pitchFamily="49" charset="0"/>
-              </a:rPr>
-              <a:t>,</a:t>
+              <a:t>Data</a:t>
+            </a:r>
+            <a:r>
+              <a:rPr lang="fr-FR" sz="1200" b="1" smtClean="0">
+                <a:solidFill>
+                  <a:srgbClr val="000080"/>
+                </a:solidFill>
+                <a:highlight>
+                  <a:srgbClr val="FFFFFF"/>
+                </a:highlight>
+                <a:latin typeface="Courier New" panose="02070309020205020404" pitchFamily="49" charset="0"/>
+              </a:rPr>
+              <a:t>&amp;</a:t>
             </a:r>
             <a:r>
               <a:rPr lang="fr-FR" sz="1200" b="0" smtClean="0">
@@ -8915,19 +9067,43 @@
                 </a:highlight>
                 <a:latin typeface="Courier New" panose="02070309020205020404" pitchFamily="49" charset="0"/>
               </a:rPr>
-              <a:t>queueChoice</a:t>
-            </a:r>
-            <a:r>
-              <a:rPr lang="fr-FR" sz="1200" b="1" smtClean="0">
-                <a:solidFill>
-                  <a:srgbClr val="000080"/>
-                </a:solidFill>
-                <a:highlight>
-                  <a:srgbClr val="FFFFFF"/>
-                </a:highlight>
-                <a:latin typeface="Courier New" panose="02070309020205020404" pitchFamily="49" charset="0"/>
-              </a:rPr>
-              <a:t>,</a:t>
+              <a:t> item</a:t>
+            </a:r>
+            <a:r>
+              <a:rPr lang="fr-FR" sz="1200" b="1" smtClean="0">
+                <a:solidFill>
+                  <a:srgbClr val="000080"/>
+                </a:solidFill>
+                <a:highlight>
+                  <a:srgbClr val="FFFFFF"/>
+                </a:highlight>
+                <a:latin typeface="Courier New" panose="02070309020205020404" pitchFamily="49" charset="0"/>
+              </a:rPr>
+              <a:t>)</a:t>
+            </a:r>
+            <a:r>
+              <a:rPr lang="fr-FR" sz="1200" b="0" smtClean="0">
+                <a:solidFill>
+                  <a:srgbClr val="000000"/>
+                </a:solidFill>
+                <a:highlight>
+                  <a:srgbClr val="FFFFFF"/>
+                </a:highlight>
+                <a:latin typeface="Courier New" panose="02070309020205020404" pitchFamily="49" charset="0"/>
+              </a:rPr>
+              <a:t> </a:t>
+            </a:r>
+            <a:r>
+              <a:rPr lang="fr-FR" sz="1200" b="1" smtClean="0">
+                <a:solidFill>
+                  <a:srgbClr val="000080"/>
+                </a:solidFill>
+                <a:highlight>
+                  <a:srgbClr val="FFFFFF"/>
+                </a:highlight>
+                <a:latin typeface="Courier New" panose="02070309020205020404" pitchFamily="49" charset="0"/>
+              </a:rPr>
+              <a:t>{</a:t>
             </a:r>
             <a:endParaRPr lang="fr-FR" sz="1200" b="0" smtClean="0">
               <a:solidFill>
@@ -8948,101 +9124,20 @@
                 <a:srgbClr val="00B0F0"/>
               </a:buClr>
               <a:buFont typeface="+mj-lt"/>
-              <a:buAutoNum type="arabicPeriod" startAt="34"/>
+              <a:buAutoNum type="arabicPeriod" startAt="31"/>
             </a:pPr>
             <a:r>
-              <a:rPr lang="fr-FR" sz="1200" b="0" smtClean="0">
-                <a:solidFill>
-                  <a:srgbClr val="000000"/>
-                </a:solidFill>
-                <a:highlight>
-                  <a:srgbClr val="FFFFFF"/>
-                </a:highlight>
-                <a:latin typeface="Courier New" panose="02070309020205020404" pitchFamily="49" charset="0"/>
-              </a:rPr>
-              <a:t>		</a:t>
-            </a:r>
-            <a:r>
-              <a:rPr lang="fr-FR" sz="1200" b="1" smtClean="0">
-                <a:solidFill>
-                  <a:srgbClr val="000000"/>
-                </a:solidFill>
-                <a:highlight>
-                  <a:srgbClr val="FFFFFF"/>
-                </a:highlight>
-                <a:latin typeface="Courier New" panose="02070309020205020404" pitchFamily="49" charset="0"/>
-              </a:rPr>
-              <a:t>NULL</a:t>
-            </a:r>
-            <a:r>
-              <a:rPr lang="fr-FR" sz="1200" b="1" smtClean="0">
-                <a:solidFill>
-                  <a:srgbClr val="000080"/>
-                </a:solidFill>
-                <a:highlight>
-                  <a:srgbClr val="FFFFFF"/>
-                </a:highlight>
-                <a:latin typeface="Courier New" panose="02070309020205020404" pitchFamily="49" charset="0"/>
-              </a:rPr>
-              <a:t>,</a:t>
-            </a:r>
-            <a:r>
-              <a:rPr lang="fr-FR" sz="1200" b="0" smtClean="0">
-                <a:solidFill>
-                  <a:srgbClr val="000000"/>
-                </a:solidFill>
-                <a:highlight>
-                  <a:srgbClr val="FFFFFF"/>
-                </a:highlight>
-                <a:latin typeface="Courier New" panose="02070309020205020404" pitchFamily="49" charset="0"/>
-              </a:rPr>
-              <a:t>Valid</a:t>
-            </a:r>
-            <a:r>
-              <a:rPr lang="fr-FR" sz="1200" b="1" smtClean="0">
-                <a:solidFill>
-                  <a:srgbClr val="000080"/>
-                </a:solidFill>
-                <a:highlight>
-                  <a:srgbClr val="FFFFFF"/>
-                </a:highlight>
-                <a:latin typeface="Courier New" panose="02070309020205020404" pitchFamily="49" charset="0"/>
-              </a:rPr>
-              <a:t>,</a:t>
-            </a:r>
-            <a:r>
-              <a:rPr lang="fr-FR" sz="1200" b="1" smtClean="0">
-                <a:solidFill>
-                  <a:srgbClr val="000000"/>
-                </a:solidFill>
-                <a:highlight>
-                  <a:srgbClr val="FFFFFF"/>
-                </a:highlight>
-                <a:latin typeface="Courier New" panose="02070309020205020404" pitchFamily="49" charset="0"/>
-              </a:rPr>
-              <a:t>NULL</a:t>
-            </a:r>
-            <a:r>
-              <a:rPr lang="fr-FR" sz="1200" b="1" smtClean="0">
-                <a:solidFill>
-                  <a:srgbClr val="000080"/>
-                </a:solidFill>
-                <a:highlight>
-                  <a:srgbClr val="FFFFFF"/>
-                </a:highlight>
-                <a:latin typeface="Courier New" panose="02070309020205020404" pitchFamily="49" charset="0"/>
-              </a:rPr>
-              <a:t>);</a:t>
-            </a:r>
-            <a:endParaRPr lang="fr-FR" sz="1200" b="0" smtClean="0">
-              <a:solidFill>
-                <a:srgbClr val="000000"/>
-              </a:solidFill>
-              <a:highlight>
-                <a:srgbClr val="FFFFFF"/>
-              </a:highlight>
-              <a:latin typeface="Courier New" panose="02070309020205020404" pitchFamily="49" charset="0"/>
-            </a:endParaRPr>
+              <a:rPr lang="en-US" sz="1200" b="0" smtClean="0">
+                <a:solidFill>
+                  <a:srgbClr val="008000"/>
+                </a:solidFill>
+                <a:highlight>
+                  <a:srgbClr val="FFFFFF"/>
+                </a:highlight>
+                <a:latin typeface="Courier New" panose="02070309020205020404" pitchFamily="49" charset="0"/>
+              </a:rPr>
+              <a:t>//trans effect from Idle to SignalChecking</a:t>
+            </a:r>
           </a:p>
           <a:p>
             <a:pPr marL="48600" indent="-228600">
@@ -9053,33 +9148,9 @@
                 <a:srgbClr val="00B0F0"/>
               </a:buClr>
               <a:buFont typeface="+mj-lt"/>
-              <a:buAutoNum type="arabicPeriod" startAt="34"/>
+              <a:buAutoNum type="arabicPeriod" startAt="31"/>
             </a:pPr>
             <a:r>
-              <a:rPr lang="fr-FR" sz="1200">
-                <a:solidFill>
-                  <a:srgbClr val="000000"/>
-                </a:solidFill>
-                <a:highlight>
-                  <a:srgbClr val="FFFFFF"/>
-                </a:highlight>
-                <a:latin typeface="Courier New" panose="02070309020205020404" pitchFamily="49" charset="0"/>
-              </a:rPr>
-              <a:t> </a:t>
-            </a:r>
-            <a:r>
-              <a:rPr lang="fr-FR" sz="1200" smtClean="0">
-                <a:solidFill>
-                  <a:srgbClr val="000000"/>
-                </a:solidFill>
-                <a:highlight>
-                  <a:srgbClr val="FFFFFF"/>
-                </a:highlight>
-                <a:latin typeface="Courier New" panose="02070309020205020404" pitchFamily="49" charset="0"/>
-              </a:rPr>
-              <a:t> </a:t>
-            </a:r>
-            <a:r>
               <a:rPr lang="fr-FR" sz="1200" b="1" smtClean="0">
                 <a:solidFill>
                   <a:srgbClr val="000080"/>
@@ -9091,15 +9162,6 @@
               </a:rPr>
               <a:t>}</a:t>
             </a:r>
-            <a:endParaRPr lang="fr-FR" sz="1200" b="0" smtClean="0">
-              <a:solidFill>
-                <a:srgbClr val="000000"/>
-              </a:solidFill>
-              <a:highlight>
-                <a:srgbClr val="FFFFFF"/>
-              </a:highlight>
-              <a:latin typeface="Courier New" panose="02070309020205020404" pitchFamily="49" charset="0"/>
-            </a:endParaRPr>
           </a:p>
           <a:p>
             <a:pPr marL="48600" indent="-228600">
@@ -9110,32 +9172,53 @@
                 <a:srgbClr val="00B0F0"/>
               </a:buClr>
               <a:buFont typeface="+mj-lt"/>
-              <a:buAutoNum type="arabicPeriod" startAt="34"/>
+              <a:buAutoNum type="arabicPeriod" startAt="31"/>
             </a:pPr>
             <a:r>
-              <a:rPr lang="fr-FR" sz="1200" b="1" smtClean="0">
-                <a:solidFill>
-                  <a:srgbClr val="000080"/>
-                </a:solidFill>
-                <a:highlight>
-                  <a:srgbClr val="FFFFFF"/>
-                </a:highlight>
-                <a:latin typeface="Courier New" panose="02070309020205020404" pitchFamily="49" charset="0"/>
-              </a:rPr>
-              <a:t>};</a:t>
-            </a:r>
-            <a:r>
-              <a:rPr lang="fr-FR" sz="1200" b="0" smtClean="0">
-                <a:solidFill>
-                  <a:srgbClr val="000000"/>
-                </a:solidFill>
-                <a:highlight>
-                  <a:srgbClr val="FFFFFF"/>
-                </a:highlight>
-                <a:latin typeface="Courier New" panose="02070309020205020404" pitchFamily="49" charset="0"/>
-              </a:rPr>
-              <a:t>	</a:t>
-            </a:r>
+              <a:rPr lang="en-US" sz="1200" b="1">
+                <a:highlight>
+                  <a:srgbClr val="FFFFFF"/>
+                </a:highlight>
+                <a:latin typeface="Courier New" panose="02070309020205020404" pitchFamily="49" charset="0"/>
+              </a:rPr>
+              <a:t>b</a:t>
+            </a:r>
+            <a:r>
+              <a:rPr lang="en-US" sz="1200" b="1" smtClean="0">
+                <a:highlight>
+                  <a:srgbClr val="FFFFFF"/>
+                </a:highlight>
+                <a:latin typeface="Courier New" panose="02070309020205020404" pitchFamily="49" charset="0"/>
+              </a:rPr>
+              <a:t>ool</a:t>
+            </a:r>
+            <a:r>
+              <a:rPr lang="en-US" sz="1200" b="1" smtClean="0">
+                <a:solidFill>
+                  <a:srgbClr val="000080"/>
+                </a:solidFill>
+                <a:highlight>
+                  <a:srgbClr val="FFFFFF"/>
+                </a:highlight>
+                <a:latin typeface="Courier New" panose="02070309020205020404" pitchFamily="49" charset="0"/>
+              </a:rPr>
+              <a:t> </a:t>
+            </a:r>
+            <a:r>
+              <a:rPr lang="en-US" sz="1200" smtClean="0">
+                <a:highlight>
+                  <a:srgbClr val="FFFFFF"/>
+                </a:highlight>
+                <a:latin typeface="Courier New" panose="02070309020205020404" pitchFamily="49" charset="0"/>
+              </a:rPr>
+              <a:t>valid(){return isValid&amp;&amp;isQueueFull()}</a:t>
+            </a:r>
+            <a:endParaRPr lang="fr-FR" sz="1200" smtClean="0">
+              <a:highlight>
+                <a:srgbClr val="FFFFFF"/>
+              </a:highlight>
+              <a:latin typeface="Courier New" panose="02070309020205020404" pitchFamily="49" charset="0"/>
+            </a:endParaRPr>
           </a:p>
           <a:p>
             <a:pPr marL="48600" indent="-228600">
@@ -9146,499 +9229,7 @@
                 <a:srgbClr val="00B0F0"/>
               </a:buClr>
               <a:buFont typeface="+mj-lt"/>
-              <a:buAutoNum type="arabicPeriod" startAt="34"/>
-            </a:pPr>
-            <a:r>
-              <a:rPr lang="fr-FR" sz="1200" b="1" smtClean="0">
-                <a:solidFill>
-                  <a:schemeClr val="tx1">
-                    <a:lumMod val="85000"/>
-                    <a:lumOff val="15000"/>
-                  </a:schemeClr>
-                </a:solidFill>
-                <a:highlight>
-                  <a:srgbClr val="FFFFFF"/>
-                </a:highlight>
-                <a:latin typeface="Courier New" panose="02070309020205020404" pitchFamily="49" charset="0"/>
-              </a:rPr>
-              <a:t>void</a:t>
-            </a:r>
-            <a:r>
-              <a:rPr lang="fr-FR" sz="1200" b="0" smtClean="0">
-                <a:solidFill>
-                  <a:schemeClr val="tx1">
-                    <a:lumMod val="85000"/>
-                    <a:lumOff val="15000"/>
-                  </a:schemeClr>
-                </a:solidFill>
-                <a:highlight>
-                  <a:srgbClr val="FFFFFF"/>
-                </a:highlight>
-                <a:latin typeface="Courier New" panose="02070309020205020404" pitchFamily="49" charset="0"/>
-              </a:rPr>
-              <a:t> </a:t>
-            </a:r>
-            <a:r>
-              <a:rPr lang="fr-FR" sz="1200" b="0" smtClean="0">
-                <a:solidFill>
-                  <a:srgbClr val="000000"/>
-                </a:solidFill>
-                <a:highlight>
-                  <a:srgbClr val="FFFFFF"/>
-                </a:highlight>
-                <a:latin typeface="Courier New" panose="02070309020205020404" pitchFamily="49" charset="0"/>
-              </a:rPr>
-              <a:t>entryCheck</a:t>
-            </a:r>
-            <a:r>
-              <a:rPr lang="fr-FR" sz="1200" b="1" smtClean="0">
-                <a:solidFill>
-                  <a:srgbClr val="000080"/>
-                </a:solidFill>
-                <a:highlight>
-                  <a:srgbClr val="FFFFFF"/>
-                </a:highlight>
-                <a:latin typeface="Courier New" panose="02070309020205020404" pitchFamily="49" charset="0"/>
-              </a:rPr>
-              <a:t>(){</a:t>
-            </a:r>
-            <a:r>
-              <a:rPr lang="en-US" sz="1200" b="0" smtClean="0">
-                <a:solidFill>
-                  <a:srgbClr val="008000"/>
-                </a:solidFill>
-                <a:highlight>
-                  <a:srgbClr val="FFFFFF"/>
-                </a:highlight>
-                <a:latin typeface="Courier New" panose="02070309020205020404" pitchFamily="49" charset="0"/>
-              </a:rPr>
-              <a:t>//fine-grained code</a:t>
-            </a:r>
-            <a:r>
-              <a:rPr lang="fr-FR" sz="1200" b="1" smtClean="0">
-                <a:solidFill>
-                  <a:srgbClr val="000080"/>
-                </a:solidFill>
-                <a:highlight>
-                  <a:srgbClr val="FFFFFF"/>
-                </a:highlight>
-                <a:latin typeface="Courier New" panose="02070309020205020404" pitchFamily="49" charset="0"/>
-              </a:rPr>
-              <a:t>}</a:t>
-            </a:r>
-            <a:endParaRPr lang="fr-FR" sz="1200" b="0" smtClean="0">
-              <a:solidFill>
-                <a:srgbClr val="000000"/>
-              </a:solidFill>
-              <a:highlight>
-                <a:srgbClr val="FFFFFF"/>
-              </a:highlight>
-              <a:latin typeface="Courier New" panose="02070309020205020404" pitchFamily="49" charset="0"/>
-            </a:endParaRPr>
-          </a:p>
-          <a:p>
-            <a:pPr marL="48600" indent="-228600">
-              <a:lnSpc>
-                <a:spcPts val="1100"/>
-              </a:lnSpc>
-              <a:buClr>
-                <a:srgbClr val="00B0F0"/>
-              </a:buClr>
-              <a:buFont typeface="+mj-lt"/>
-              <a:buAutoNum type="arabicPeriod" startAt="34"/>
-            </a:pPr>
-            <a:r>
-              <a:rPr lang="fr-FR" sz="1200" b="1" smtClean="0">
-                <a:solidFill>
-                  <a:schemeClr val="tx1">
-                    <a:lumMod val="85000"/>
-                    <a:lumOff val="15000"/>
-                  </a:schemeClr>
-                </a:solidFill>
-                <a:highlight>
-                  <a:srgbClr val="FFFFFF"/>
-                </a:highlight>
-                <a:latin typeface="Courier New" panose="02070309020205020404" pitchFamily="49" charset="0"/>
-              </a:rPr>
-              <a:t>void</a:t>
-            </a:r>
-            <a:r>
-              <a:rPr lang="fr-FR" sz="1200" b="0" smtClean="0">
-                <a:solidFill>
-                  <a:schemeClr val="tx1">
-                    <a:lumMod val="85000"/>
-                    <a:lumOff val="15000"/>
-                  </a:schemeClr>
-                </a:solidFill>
-                <a:highlight>
-                  <a:srgbClr val="FFFFFF"/>
-                </a:highlight>
-                <a:latin typeface="Courier New" panose="02070309020205020404" pitchFamily="49" charset="0"/>
-              </a:rPr>
-              <a:t> </a:t>
-            </a:r>
-            <a:r>
-              <a:rPr lang="fr-FR" sz="1200" b="0" smtClean="0">
-                <a:solidFill>
-                  <a:srgbClr val="000000"/>
-                </a:solidFill>
-                <a:highlight>
-                  <a:srgbClr val="FFFFFF"/>
-                </a:highlight>
-                <a:latin typeface="Courier New" panose="02070309020205020404" pitchFamily="49" charset="0"/>
-              </a:rPr>
-              <a:t>exitCheck</a:t>
-            </a:r>
-            <a:r>
-              <a:rPr lang="fr-FR" sz="1200" b="1" smtClean="0">
-                <a:solidFill>
-                  <a:srgbClr val="000080"/>
-                </a:solidFill>
-                <a:highlight>
-                  <a:srgbClr val="FFFFFF"/>
-                </a:highlight>
-                <a:latin typeface="Courier New" panose="02070309020205020404" pitchFamily="49" charset="0"/>
-              </a:rPr>
-              <a:t>(){</a:t>
-            </a:r>
-            <a:r>
-              <a:rPr lang="en-US" sz="1200" b="0" smtClean="0">
-                <a:solidFill>
-                  <a:srgbClr val="008000"/>
-                </a:solidFill>
-                <a:highlight>
-                  <a:srgbClr val="FFFFFF"/>
-                </a:highlight>
-                <a:latin typeface="Courier New" panose="02070309020205020404" pitchFamily="49" charset="0"/>
-              </a:rPr>
-              <a:t>//fine-grained code</a:t>
-            </a:r>
-            <a:r>
-              <a:rPr lang="fr-FR" sz="1200" b="1" smtClean="0">
-                <a:solidFill>
-                  <a:srgbClr val="000080"/>
-                </a:solidFill>
-                <a:highlight>
-                  <a:srgbClr val="FFFFFF"/>
-                </a:highlight>
-                <a:latin typeface="Courier New" panose="02070309020205020404" pitchFamily="49" charset="0"/>
-              </a:rPr>
-              <a:t>}</a:t>
-            </a:r>
-            <a:endParaRPr lang="fr-FR" sz="1200" b="0" smtClean="0">
-              <a:solidFill>
-                <a:srgbClr val="000000"/>
-              </a:solidFill>
-              <a:highlight>
-                <a:srgbClr val="FFFFFF"/>
-              </a:highlight>
-              <a:latin typeface="Courier New" panose="02070309020205020404" pitchFamily="49" charset="0"/>
-            </a:endParaRPr>
-          </a:p>
-          <a:p>
-            <a:pPr marL="48600" indent="-228600">
-              <a:lnSpc>
-                <a:spcPts val="1100"/>
-              </a:lnSpc>
-              <a:buClr>
-                <a:srgbClr val="00B0F0"/>
-              </a:buClr>
-              <a:buFont typeface="+mj-lt"/>
-              <a:buAutoNum type="arabicPeriod" startAt="34"/>
-            </a:pPr>
-            <a:r>
-              <a:rPr lang="fr-FR" sz="1200" b="1" smtClean="0">
-                <a:solidFill>
-                  <a:schemeClr val="tx1">
-                    <a:lumMod val="85000"/>
-                    <a:lumOff val="15000"/>
-                  </a:schemeClr>
-                </a:solidFill>
-                <a:highlight>
-                  <a:srgbClr val="FFFFFF"/>
-                </a:highlight>
-                <a:latin typeface="Courier New" panose="02070309020205020404" pitchFamily="49" charset="0"/>
-              </a:rPr>
-              <a:t>void</a:t>
-            </a:r>
-            <a:r>
-              <a:rPr lang="fr-FR" sz="1200" b="0" smtClean="0">
-                <a:solidFill>
-                  <a:schemeClr val="tx1">
-                    <a:lumMod val="85000"/>
-                    <a:lumOff val="15000"/>
-                  </a:schemeClr>
-                </a:solidFill>
-                <a:highlight>
-                  <a:srgbClr val="FFFFFF"/>
-                </a:highlight>
-                <a:latin typeface="Courier New" panose="02070309020205020404" pitchFamily="49" charset="0"/>
-              </a:rPr>
-              <a:t> </a:t>
-            </a:r>
-            <a:r>
-              <a:rPr lang="fr-FR" sz="1200" b="0" smtClean="0">
-                <a:solidFill>
-                  <a:srgbClr val="000000"/>
-                </a:solidFill>
-                <a:highlight>
-                  <a:srgbClr val="FFFFFF"/>
-                </a:highlight>
-                <a:latin typeface="Courier New" panose="02070309020205020404" pitchFamily="49" charset="0"/>
-              </a:rPr>
-              <a:t>entryError</a:t>
-            </a:r>
-            <a:r>
-              <a:rPr lang="fr-FR" sz="1200" b="1" smtClean="0">
-                <a:solidFill>
-                  <a:srgbClr val="000080"/>
-                </a:solidFill>
-                <a:highlight>
-                  <a:srgbClr val="FFFFFF"/>
-                </a:highlight>
-                <a:latin typeface="Courier New" panose="02070309020205020404" pitchFamily="49" charset="0"/>
-              </a:rPr>
-              <a:t>(){</a:t>
-            </a:r>
-            <a:r>
-              <a:rPr lang="en-US" sz="1200" b="0" smtClean="0">
-                <a:solidFill>
-                  <a:srgbClr val="008000"/>
-                </a:solidFill>
-                <a:highlight>
-                  <a:srgbClr val="FFFFFF"/>
-                </a:highlight>
-                <a:latin typeface="Courier New" panose="02070309020205020404" pitchFamily="49" charset="0"/>
-              </a:rPr>
-              <a:t>//fine-grained code</a:t>
-            </a:r>
-            <a:r>
-              <a:rPr lang="fr-FR" sz="1200" b="1" smtClean="0">
-                <a:solidFill>
-                  <a:srgbClr val="000080"/>
-                </a:solidFill>
-                <a:highlight>
-                  <a:srgbClr val="FFFFFF"/>
-                </a:highlight>
-                <a:latin typeface="Courier New" panose="02070309020205020404" pitchFamily="49" charset="0"/>
-              </a:rPr>
-              <a:t>}</a:t>
-            </a:r>
-            <a:endParaRPr lang="fr-FR" sz="1200" b="0" smtClean="0">
-              <a:solidFill>
-                <a:srgbClr val="000000"/>
-              </a:solidFill>
-              <a:highlight>
-                <a:srgbClr val="FFFFFF"/>
-              </a:highlight>
-              <a:latin typeface="Courier New" panose="02070309020205020404" pitchFamily="49" charset="0"/>
-            </a:endParaRPr>
-          </a:p>
-          <a:p>
-            <a:pPr marL="48600" indent="-228600">
-              <a:lnSpc>
-                <a:spcPts val="1100"/>
-              </a:lnSpc>
-              <a:buClr>
-                <a:srgbClr val="00B0F0"/>
-              </a:buClr>
-              <a:buFont typeface="+mj-lt"/>
-              <a:buAutoNum type="arabicPeriod" startAt="34"/>
-            </a:pPr>
-            <a:r>
-              <a:rPr lang="fr-FR" sz="1200" b="1" smtClean="0">
-                <a:solidFill>
-                  <a:schemeClr val="tx1">
-                    <a:lumMod val="85000"/>
-                    <a:lumOff val="15000"/>
-                  </a:schemeClr>
-                </a:solidFill>
-                <a:highlight>
-                  <a:srgbClr val="FFFFFF"/>
-                </a:highlight>
-                <a:latin typeface="Courier New" panose="02070309020205020404" pitchFamily="49" charset="0"/>
-              </a:rPr>
-              <a:t>void</a:t>
-            </a:r>
-            <a:r>
-              <a:rPr lang="fr-FR" sz="1200" b="0" smtClean="0">
-                <a:solidFill>
-                  <a:schemeClr val="tx1">
-                    <a:lumMod val="85000"/>
-                    <a:lumOff val="15000"/>
-                  </a:schemeClr>
-                </a:solidFill>
-                <a:highlight>
-                  <a:srgbClr val="FFFFFF"/>
-                </a:highlight>
-                <a:latin typeface="Courier New" panose="02070309020205020404" pitchFamily="49" charset="0"/>
-              </a:rPr>
-              <a:t> </a:t>
-            </a:r>
-            <a:r>
-              <a:rPr lang="fr-FR" sz="1200" b="0" smtClean="0">
-                <a:solidFill>
-                  <a:srgbClr val="000000"/>
-                </a:solidFill>
-                <a:highlight>
-                  <a:srgbClr val="FFFFFF"/>
-                </a:highlight>
-                <a:latin typeface="Courier New" panose="02070309020205020404" pitchFamily="49" charset="0"/>
-              </a:rPr>
-              <a:t>signalCheck</a:t>
-            </a:r>
-            <a:r>
-              <a:rPr lang="fr-FR" sz="1200" b="1" smtClean="0">
-                <a:solidFill>
-                  <a:srgbClr val="000080"/>
-                </a:solidFill>
-                <a:highlight>
-                  <a:srgbClr val="FFFFFF"/>
-                </a:highlight>
-                <a:latin typeface="Courier New" panose="02070309020205020404" pitchFamily="49" charset="0"/>
-              </a:rPr>
-              <a:t>(</a:t>
-            </a:r>
-            <a:r>
-              <a:rPr lang="fr-FR" sz="1200" b="0" smtClean="0">
-                <a:solidFill>
-                  <a:srgbClr val="000000"/>
-                </a:solidFill>
-                <a:highlight>
-                  <a:srgbClr val="FFFFFF"/>
-                </a:highlight>
-                <a:latin typeface="Courier New" panose="02070309020205020404" pitchFamily="49" charset="0"/>
-              </a:rPr>
-              <a:t>Data</a:t>
-            </a:r>
-            <a:r>
-              <a:rPr lang="fr-FR" sz="1200" b="1" smtClean="0">
-                <a:solidFill>
-                  <a:srgbClr val="000080"/>
-                </a:solidFill>
-                <a:highlight>
-                  <a:srgbClr val="FFFFFF"/>
-                </a:highlight>
-                <a:latin typeface="Courier New" panose="02070309020205020404" pitchFamily="49" charset="0"/>
-              </a:rPr>
-              <a:t>&amp;</a:t>
-            </a:r>
-            <a:r>
-              <a:rPr lang="fr-FR" sz="1200" b="0" smtClean="0">
-                <a:solidFill>
-                  <a:srgbClr val="000000"/>
-                </a:solidFill>
-                <a:highlight>
-                  <a:srgbClr val="FFFFFF"/>
-                </a:highlight>
-                <a:latin typeface="Courier New" panose="02070309020205020404" pitchFamily="49" charset="0"/>
-              </a:rPr>
-              <a:t> item</a:t>
-            </a:r>
-            <a:r>
-              <a:rPr lang="fr-FR" sz="1200" b="1" smtClean="0">
-                <a:solidFill>
-                  <a:srgbClr val="000080"/>
-                </a:solidFill>
-                <a:highlight>
-                  <a:srgbClr val="FFFFFF"/>
-                </a:highlight>
-                <a:latin typeface="Courier New" panose="02070309020205020404" pitchFamily="49" charset="0"/>
-              </a:rPr>
-              <a:t>)</a:t>
-            </a:r>
-            <a:r>
-              <a:rPr lang="fr-FR" sz="1200" b="0" smtClean="0">
-                <a:solidFill>
-                  <a:srgbClr val="000000"/>
-                </a:solidFill>
-                <a:highlight>
-                  <a:srgbClr val="FFFFFF"/>
-                </a:highlight>
-                <a:latin typeface="Courier New" panose="02070309020205020404" pitchFamily="49" charset="0"/>
-              </a:rPr>
-              <a:t> </a:t>
-            </a:r>
-            <a:r>
-              <a:rPr lang="fr-FR" sz="1200" b="1" smtClean="0">
-                <a:solidFill>
-                  <a:srgbClr val="000080"/>
-                </a:solidFill>
-                <a:highlight>
-                  <a:srgbClr val="FFFFFF"/>
-                </a:highlight>
-                <a:latin typeface="Courier New" panose="02070309020205020404" pitchFamily="49" charset="0"/>
-              </a:rPr>
-              <a:t>{</a:t>
-            </a:r>
-            <a:endParaRPr lang="fr-FR" sz="1200" b="0" smtClean="0">
-              <a:solidFill>
-                <a:srgbClr val="000000"/>
-              </a:solidFill>
-              <a:highlight>
-                <a:srgbClr val="FFFFFF"/>
-              </a:highlight>
-              <a:latin typeface="Courier New" panose="02070309020205020404" pitchFamily="49" charset="0"/>
-            </a:endParaRPr>
-          </a:p>
-          <a:p>
-            <a:pPr marL="48600" indent="-228600">
-              <a:lnSpc>
-                <a:spcPts val="1100"/>
-              </a:lnSpc>
-              <a:buClr>
-                <a:srgbClr val="00B0F0"/>
-              </a:buClr>
-              <a:buFont typeface="+mj-lt"/>
-              <a:buAutoNum type="arabicPeriod" startAt="34"/>
-            </a:pPr>
-            <a:r>
-              <a:rPr lang="en-US" sz="1200" b="0" smtClean="0">
-                <a:solidFill>
-                  <a:srgbClr val="008000"/>
-                </a:solidFill>
-                <a:highlight>
-                  <a:srgbClr val="FFFFFF"/>
-                </a:highlight>
-                <a:latin typeface="Courier New" panose="02070309020205020404" pitchFamily="49" charset="0"/>
-              </a:rPr>
-              <a:t>//trans effect from Idle to SignalChecking</a:t>
-            </a:r>
-          </a:p>
-          <a:p>
-            <a:pPr marL="48600" indent="-228600">
-              <a:lnSpc>
-                <a:spcPts val="1100"/>
-              </a:lnSpc>
-              <a:buClr>
-                <a:srgbClr val="00B0F0"/>
-              </a:buClr>
-              <a:buFont typeface="+mj-lt"/>
-              <a:buAutoNum type="arabicPeriod" startAt="34"/>
-            </a:pPr>
-            <a:r>
-              <a:rPr lang="fr-FR" sz="1200" b="1" smtClean="0">
-                <a:solidFill>
-                  <a:srgbClr val="000080"/>
-                </a:solidFill>
-                <a:highlight>
-                  <a:srgbClr val="FFFFFF"/>
-                </a:highlight>
-                <a:latin typeface="Courier New" panose="02070309020205020404" pitchFamily="49" charset="0"/>
-              </a:rPr>
-              <a:t>}</a:t>
-            </a:r>
-          </a:p>
-          <a:p>
-            <a:pPr marL="48600" indent="-228600">
-              <a:lnSpc>
-                <a:spcPts val="1100"/>
-              </a:lnSpc>
-              <a:buClr>
-                <a:srgbClr val="00B0F0"/>
-              </a:buClr>
-              <a:buFont typeface="+mj-lt"/>
-              <a:buAutoNum type="arabicPeriod" startAt="34"/>
+              <a:buAutoNum type="arabicPeriod" startAt="31"/>
             </a:pPr>
             <a:r>
               <a:rPr lang="en-US" sz="1200" b="1">
@@ -9672,8 +9263,8 @@
         </p:nvCxnSpPr>
         <p:spPr>
           <a:xfrm>
-            <a:off x="7343775" y="-1"/>
-            <a:ext cx="0" cy="4680000"/>
+            <a:off x="7352829" y="18105"/>
+            <a:ext cx="34798" cy="4183197"/>
           </a:xfrm>
           <a:prstGeom prst="line">
             <a:avLst/>
@@ -9702,7 +9293,7 @@
         </p:nvSpPr>
         <p:spPr>
           <a:xfrm>
-            <a:off x="1614864" y="842157"/>
+            <a:off x="1623917" y="860263"/>
             <a:ext cx="214455" cy="193430"/>
           </a:xfrm>
           <a:prstGeom prst="ellipse">
@@ -9757,7 +9348,7 @@
         </p:nvSpPr>
         <p:spPr>
           <a:xfrm>
-            <a:off x="1725094" y="2876264"/>
+            <a:off x="3074444" y="1968197"/>
             <a:ext cx="214455" cy="193430"/>
           </a:xfrm>
           <a:prstGeom prst="ellipse">
@@ -9812,7 +9403,7 @@
         </p:nvSpPr>
         <p:spPr>
           <a:xfrm>
-            <a:off x="9612655" y="4430320"/>
+            <a:off x="7245601" y="4082456"/>
             <a:ext cx="214455" cy="193430"/>
           </a:xfrm>
           <a:prstGeom prst="ellipse">
@@ -9867,8 +9458,8 @@
         </p:nvSpPr>
         <p:spPr>
           <a:xfrm>
-            <a:off x="3715641" y="1"/>
-            <a:ext cx="7836581" cy="4673984"/>
+            <a:off x="3724694" y="18107"/>
+            <a:ext cx="7899955" cy="4243663"/>
           </a:xfrm>
           <a:prstGeom prst="rect">
             <a:avLst/>
@@ -9911,7 +9502,7 @@
         </p:nvSpPr>
         <p:spPr bwMode="auto">
           <a:xfrm>
-            <a:off x="786124" y="153112"/>
+            <a:off x="795177" y="171218"/>
             <a:ext cx="544038" cy="265928"/>
           </a:xfrm>
           <a:prstGeom prst="rect">
@@ -9949,7 +9540,7 @@
         </p:nvSpPr>
         <p:spPr bwMode="auto">
           <a:xfrm>
-            <a:off x="1291605" y="151603"/>
+            <a:off x="1300658" y="169709"/>
             <a:ext cx="544038" cy="265928"/>
           </a:xfrm>
           <a:prstGeom prst="rect">
@@ -9987,7 +9578,7 @@
         </p:nvSpPr>
         <p:spPr bwMode="auto">
           <a:xfrm>
-            <a:off x="1925349" y="133497"/>
+            <a:off x="1934402" y="151603"/>
             <a:ext cx="473506" cy="265928"/>
           </a:xfrm>
           <a:prstGeom prst="rect">
@@ -10025,7 +9616,7 @@
         </p:nvSpPr>
         <p:spPr bwMode="auto">
           <a:xfrm>
-            <a:off x="2396134" y="133499"/>
+            <a:off x="2405187" y="151605"/>
             <a:ext cx="473506" cy="265928"/>
           </a:xfrm>
           <a:prstGeom prst="rect">
@@ -10055,13 +9646,63 @@
       </p:sp>
       <p:sp>
         <p:nvSpPr>
-          <p:cNvPr id="43" name="Ellipse 42"/>
+          <p:cNvPr id="52" name="ZoneTexte 51"/>
+          <p:cNvSpPr txBox="1"/>
+          <p:nvPr/>
+        </p:nvSpPr>
+        <p:spPr>
+          <a:xfrm>
+            <a:off x="1904709" y="3217858"/>
+            <a:ext cx="481222" cy="246221"/>
+          </a:xfrm>
+          <a:prstGeom prst="rect">
+            <a:avLst/>
+          </a:prstGeom>
+          <a:noFill/>
+        </p:spPr>
+        <p:txBody>
+          <a:bodyPr wrap="none" rtlCol="0">
+            <a:spAutoFit/>
+          </a:bodyPr>
+          <a:lstStyle/>
+          <a:p>
+            <a:r>
+              <a:rPr lang="en-US" sz="1000" smtClean="0">
+                <a:solidFill>
+                  <a:schemeClr val="tx1">
+                    <a:lumMod val="75000"/>
+                    <a:lumOff val="25000"/>
+                  </a:schemeClr>
+                </a:solidFill>
+                <a:latin typeface="Segoe UI" panose="020B0502040204020203" pitchFamily="34" charset="0"/>
+                <a:ea typeface="Segoe UI" panose="020B0502040204020203" pitchFamily="34" charset="0"/>
+                <a:cs typeface="Segoe UI" panose="020B0502040204020203" pitchFamily="34" charset="0"/>
+              </a:rPr>
+              <a:t>[else]</a:t>
+            </a:r>
+            <a:endParaRPr lang="fr-FR" sz="1000">
+              <a:solidFill>
+                <a:schemeClr val="tx1">
+                  <a:lumMod val="75000"/>
+                  <a:lumOff val="25000"/>
+                </a:schemeClr>
+              </a:solidFill>
+              <a:latin typeface="Segoe UI" panose="020B0502040204020203" pitchFamily="34" charset="0"/>
+              <a:ea typeface="Segoe UI" panose="020B0502040204020203" pitchFamily="34" charset="0"/>
+              <a:cs typeface="Segoe UI" panose="020B0502040204020203" pitchFamily="34" charset="0"/>
+            </a:endParaRPr>
+          </a:p>
+        </p:txBody>
+      </p:sp>
+      <p:sp>
+        <p:nvSpPr>
+          <p:cNvPr id="239" name="Ellipse 238"/>
           <p:cNvSpPr/>
           <p:nvPr/>
         </p:nvSpPr>
         <p:spPr>
           <a:xfrm>
-            <a:off x="1788220" y="4451743"/>
+            <a:off x="2588567" y="3625675"/>
             <a:ext cx="214455" cy="193430"/>
           </a:xfrm>
           <a:prstGeom prst="ellipse">
@@ -10110,14 +9751,14 @@
       </p:sp>
       <p:sp>
         <p:nvSpPr>
-          <p:cNvPr id="32" name="ZoneTexte 31"/>
+          <p:cNvPr id="242" name="ZoneTexte 241"/>
           <p:cNvSpPr txBox="1"/>
           <p:nvPr/>
         </p:nvSpPr>
         <p:spPr>
           <a:xfrm>
-            <a:off x="303991" y="3229463"/>
-            <a:ext cx="901209" cy="338554"/>
+            <a:off x="359315" y="2676604"/>
+            <a:ext cx="989373" cy="369332"/>
           </a:xfrm>
           <a:prstGeom prst="rect">
             <a:avLst/>
@@ -10131,7 +9772,7 @@
           <a:lstStyle/>
           <a:p>
             <a:r>
-              <a:rPr lang="en-US" sz="800" smtClean="0">
+              <a:rPr lang="en-US" sz="900" smtClean="0">
                 <a:solidFill>
                   <a:schemeClr val="tx1">
                     <a:lumMod val="75000"/>
@@ -10147,7 +9788,7 @@
           </a:p>
           <a:p>
             <a:r>
-              <a:rPr lang="en-US" sz="800" smtClean="0">
+              <a:rPr lang="en-US" sz="900" smtClean="0">
                 <a:solidFill>
                   <a:schemeClr val="tx1">
                     <a:lumMod val="75000"/>
@@ -10160,7 +9801,7 @@
               </a:rPr>
               <a:t>signalCheck</a:t>
             </a:r>
-            <a:endParaRPr lang="fr-FR" sz="800">
+            <a:endParaRPr lang="fr-FR" sz="900">
               <a:solidFill>
                 <a:schemeClr val="tx1">
                   <a:lumMod val="75000"/>
@@ -10176,14 +9817,14 @@
       </p:sp>
       <p:sp>
         <p:nvSpPr>
-          <p:cNvPr id="48" name="ZoneTexte 47"/>
+          <p:cNvPr id="243" name="ZoneTexte 242"/>
           <p:cNvSpPr txBox="1"/>
           <p:nvPr/>
         </p:nvSpPr>
         <p:spPr>
           <a:xfrm>
-            <a:off x="1653826" y="3595288"/>
-            <a:ext cx="543739" cy="215444"/>
+            <a:off x="2104660" y="2944525"/>
+            <a:ext cx="915635" cy="369332"/>
           </a:xfrm>
           <a:prstGeom prst="rect">
             <a:avLst/>
@@ -10197,7 +9838,7 @@
           <a:lstStyle/>
           <a:p>
             <a:r>
-              <a:rPr lang="en-US" sz="800" smtClean="0">
+              <a:rPr lang="en-US" sz="900" smtClean="0">
                 <a:solidFill>
                   <a:schemeClr val="tx1">
                     <a:lumMod val="75000"/>
@@ -10208,46 +9849,10 @@
                 <a:ea typeface="Segoe UI" panose="020B0502040204020203" pitchFamily="34" charset="0"/>
                 <a:cs typeface="Segoe UI" panose="020B0502040204020203" pitchFamily="34" charset="0"/>
               </a:rPr>
-              <a:t>[isValid]</a:t>
-            </a:r>
-            <a:endParaRPr lang="fr-FR" sz="800">
-              <a:solidFill>
-                <a:schemeClr val="tx1">
-                  <a:lumMod val="75000"/>
-                  <a:lumOff val="25000"/>
-                </a:schemeClr>
-              </a:solidFill>
-              <a:latin typeface="Segoe UI" panose="020B0502040204020203" pitchFamily="34" charset="0"/>
-              <a:ea typeface="Segoe UI" panose="020B0502040204020203" pitchFamily="34" charset="0"/>
-              <a:cs typeface="Segoe UI" panose="020B0502040204020203" pitchFamily="34" charset="0"/>
-            </a:endParaRPr>
-          </a:p>
-        </p:txBody>
-      </p:sp>
-      <p:sp>
-        <p:nvSpPr>
-          <p:cNvPr id="52" name="ZoneTexte 51"/>
-          <p:cNvSpPr txBox="1"/>
-          <p:nvPr/>
-        </p:nvSpPr>
-        <p:spPr>
-          <a:xfrm>
-            <a:off x="1278906" y="3674327"/>
-            <a:ext cx="420308" cy="215444"/>
-          </a:xfrm>
-          <a:prstGeom prst="rect">
-            <a:avLst/>
-          </a:prstGeom>
-          <a:noFill/>
-        </p:spPr>
-        <p:txBody>
-          <a:bodyPr wrap="none" rtlCol="0">
-            <a:spAutoFit/>
-          </a:bodyPr>
-          <a:lstStyle/>
-          <a:p>
-            <a:r>
-              <a:rPr lang="en-US" sz="800" smtClean="0">
+              <a:t>[</a:t>
+            </a:r>
+            <a:r>
+              <a:rPr lang="en-US" sz="900" smtClean="0">
                 <a:solidFill>
                   <a:schemeClr val="tx1">
                     <a:lumMod val="75000"/>
@@ -10258,46 +9863,10 @@
                 <a:ea typeface="Segoe UI" panose="020B0502040204020203" pitchFamily="34" charset="0"/>
                 <a:cs typeface="Segoe UI" panose="020B0502040204020203" pitchFamily="34" charset="0"/>
               </a:rPr>
-              <a:t>[else]</a:t>
-            </a:r>
-            <a:endParaRPr lang="fr-FR" sz="800">
-              <a:solidFill>
-                <a:schemeClr val="tx1">
-                  <a:lumMod val="75000"/>
-                  <a:lumOff val="25000"/>
-                </a:schemeClr>
-              </a:solidFill>
-              <a:latin typeface="Segoe UI" panose="020B0502040204020203" pitchFamily="34" charset="0"/>
-              <a:ea typeface="Segoe UI" panose="020B0502040204020203" pitchFamily="34" charset="0"/>
-              <a:cs typeface="Segoe UI" panose="020B0502040204020203" pitchFamily="34" charset="0"/>
-            </a:endParaRPr>
-          </a:p>
-        </p:txBody>
-      </p:sp>
-      <p:sp>
-        <p:nvSpPr>
-          <p:cNvPr id="53" name="ZoneTexte 52"/>
-          <p:cNvSpPr txBox="1"/>
-          <p:nvPr/>
-        </p:nvSpPr>
-        <p:spPr>
-          <a:xfrm>
-            <a:off x="2290264" y="3630456"/>
-            <a:ext cx="771365" cy="215444"/>
-          </a:xfrm>
-          <a:prstGeom prst="rect">
-            <a:avLst/>
-          </a:prstGeom>
-          <a:noFill/>
-        </p:spPr>
-        <p:txBody>
-          <a:bodyPr wrap="none" rtlCol="0">
-            <a:spAutoFit/>
-          </a:bodyPr>
-          <a:lstStyle/>
-          <a:p>
-            <a:r>
-              <a:rPr lang="en-US" sz="800" smtClean="0">
+              <a:t>isValid &amp;&amp;</a:t>
+            </a:r>
+            <a:br>
+              <a:rPr lang="en-US" sz="900" smtClean="0">
                 <a:solidFill>
                   <a:schemeClr val="tx1">
                     <a:lumMod val="75000"/>
@@ -10308,46 +9877,9 @@
                 <a:ea typeface="Segoe UI" panose="020B0502040204020203" pitchFamily="34" charset="0"/>
                 <a:cs typeface="Segoe UI" panose="020B0502040204020203" pitchFamily="34" charset="0"/>
               </a:rPr>
-              <a:t>[isQueueFull]</a:t>
-            </a:r>
-            <a:endParaRPr lang="fr-FR" sz="800">
-              <a:solidFill>
-                <a:schemeClr val="tx1">
-                  <a:lumMod val="75000"/>
-                  <a:lumOff val="25000"/>
-                </a:schemeClr>
-              </a:solidFill>
-              <a:latin typeface="Segoe UI" panose="020B0502040204020203" pitchFamily="34" charset="0"/>
-              <a:ea typeface="Segoe UI" panose="020B0502040204020203" pitchFamily="34" charset="0"/>
-              <a:cs typeface="Segoe UI" panose="020B0502040204020203" pitchFamily="34" charset="0"/>
-            </a:endParaRPr>
-          </a:p>
-        </p:txBody>
-      </p:sp>
-      <p:sp>
-        <p:nvSpPr>
-          <p:cNvPr id="54" name="ZoneTexte 53"/>
-          <p:cNvSpPr txBox="1"/>
-          <p:nvPr/>
-        </p:nvSpPr>
-        <p:spPr>
-          <a:xfrm>
-            <a:off x="2046937" y="3690924"/>
-            <a:ext cx="420308" cy="215444"/>
-          </a:xfrm>
-          <a:prstGeom prst="rect">
-            <a:avLst/>
-          </a:prstGeom>
-          <a:noFill/>
-        </p:spPr>
-        <p:txBody>
-          <a:bodyPr wrap="none" rtlCol="0">
-            <a:spAutoFit/>
-          </a:bodyPr>
-          <a:lstStyle/>
-          <a:p>
-            <a:r>
-              <a:rPr lang="en-US" sz="800" smtClean="0">
+            </a:br>
+            <a:r>
+              <a:rPr lang="en-US" sz="900" smtClean="0">
                 <a:solidFill>
                   <a:schemeClr val="tx1">
                     <a:lumMod val="75000"/>
@@ -10358,9 +9890,9 @@
                 <a:ea typeface="Segoe UI" panose="020B0502040204020203" pitchFamily="34" charset="0"/>
                 <a:cs typeface="Segoe UI" panose="020B0502040204020203" pitchFamily="34" charset="0"/>
               </a:rPr>
-              <a:t>[else]</a:t>
-            </a:r>
-            <a:endParaRPr lang="fr-FR" sz="800">
+              <a:t>!isQueueFull()]</a:t>
+            </a:r>
+            <a:endParaRPr lang="fr-FR" sz="900">
               <a:solidFill>
                 <a:schemeClr val="tx1">
                   <a:lumMod val="75000"/>
